--- a/powerpoint/Project 2-Group 5-Are You the Average Gamer.pptx
+++ b/powerpoint/Project 2-Group 5-Are You the Average Gamer.pptx
@@ -4,18 +4,17 @@
   <p:sldMasterIdLst>
     <p:sldMasterId id="2147483648" r:id="rId1"/>
   </p:sldMasterIdLst>
-  <p:notesMasterIdLst>
-    <p:notesMasterId r:id="rId7"/>
-  </p:notesMasterIdLst>
   <p:sldIdLst>
     <p:sldId id="256" r:id="rId2"/>
-    <p:sldId id="261" r:id="rId3"/>
-    <p:sldId id="257" r:id="rId4"/>
-    <p:sldId id="258" r:id="rId5"/>
-    <p:sldId id="259" r:id="rId6"/>
+    <p:sldId id="301" r:id="rId3"/>
+    <p:sldId id="304" r:id="rId4"/>
+    <p:sldId id="303" r:id="rId5"/>
+    <p:sldId id="305" r:id="rId6"/>
+    <p:sldId id="306" r:id="rId7"/>
+    <p:sldId id="307" r:id="rId8"/>
   </p:sldIdLst>
   <p:sldSz cx="12192000" cy="6858000"/>
-  <p:notesSz cx="6858000" cy="9144000"/>
+  <p:notesSz cx="9363075" cy="7077075"/>
   <p:defaultTextStyle>
     <a:defPPr>
       <a:defRPr lang="en-US"/>
@@ -111,356 +110,12 @@
       </a:defRPr>
     </a:lvl9pPr>
   </p:defaultTextStyle>
+  <p:extLst>
+    <p:ext uri="{EFAFB233-063F-42B5-8137-9DF3F51BA10A}">
+      <p15:sldGuideLst xmlns:p15="http://schemas.microsoft.com/office/powerpoint/2012/main"/>
+    </p:ext>
+  </p:extLst>
 </p:presentation>
-</file>
-
-<file path=ppt/notesMasters/notesMaster1.xml><?xml version="1.0" encoding="utf-8"?>
-<p:notesMaster xmlns:a="http://schemas.openxmlformats.org/drawingml/2006/main" xmlns:r="http://schemas.openxmlformats.org/officeDocument/2006/relationships" xmlns:p="http://schemas.openxmlformats.org/presentationml/2006/main">
-  <p:cSld>
-    <p:bg>
-      <p:bgRef idx="1001">
-        <a:schemeClr val="bg1"/>
-      </p:bgRef>
-    </p:bg>
-    <p:spTree>
-      <p:nvGrpSpPr>
-        <p:cNvPr id="1" name=""/>
-        <p:cNvGrpSpPr/>
-        <p:nvPr/>
-      </p:nvGrpSpPr>
-      <p:grpSpPr>
-        <a:xfrm>
-          <a:off x="0" y="0"/>
-          <a:ext cx="0" cy="0"/>
-          <a:chOff x="0" y="0"/>
-          <a:chExt cx="0" cy="0"/>
-        </a:xfrm>
-      </p:grpSpPr>
-      <p:sp>
-        <p:nvSpPr>
-          <p:cNvPr id="2" name="Header Placeholder 1"/>
-          <p:cNvSpPr>
-            <a:spLocks noGrp="1"/>
-          </p:cNvSpPr>
-          <p:nvPr>
-            <p:ph type="hdr" sz="quarter"/>
-          </p:nvPr>
-        </p:nvSpPr>
-        <p:spPr>
-          <a:xfrm>
-            <a:off x="0" y="0"/>
-            <a:ext cx="2971800" cy="458788"/>
-          </a:xfrm>
-          <a:prstGeom prst="rect">
-            <a:avLst/>
-          </a:prstGeom>
-        </p:spPr>
-        <p:txBody>
-          <a:bodyPr vert="horz" lIns="91440" tIns="45720" rIns="91440" bIns="45720" rtlCol="0"/>
-          <a:lstStyle>
-            <a:lvl1pPr algn="l">
-              <a:defRPr sz="1200"/>
-            </a:lvl1pPr>
-          </a:lstStyle>
-          <a:p>
-            <a:endParaRPr lang="en-US"/>
-          </a:p>
-        </p:txBody>
-      </p:sp>
-      <p:sp>
-        <p:nvSpPr>
-          <p:cNvPr id="3" name="Date Placeholder 2"/>
-          <p:cNvSpPr>
-            <a:spLocks noGrp="1"/>
-          </p:cNvSpPr>
-          <p:nvPr>
-            <p:ph type="dt" idx="1"/>
-          </p:nvPr>
-        </p:nvSpPr>
-        <p:spPr>
-          <a:xfrm>
-            <a:off x="3884613" y="0"/>
-            <a:ext cx="2971800" cy="458788"/>
-          </a:xfrm>
-          <a:prstGeom prst="rect">
-            <a:avLst/>
-          </a:prstGeom>
-        </p:spPr>
-        <p:txBody>
-          <a:bodyPr vert="horz" lIns="91440" tIns="45720" rIns="91440" bIns="45720" rtlCol="0"/>
-          <a:lstStyle>
-            <a:lvl1pPr algn="r">
-              <a:defRPr sz="1200"/>
-            </a:lvl1pPr>
-          </a:lstStyle>
-          <a:p>
-            <a:fld id="{1CD8482D-659F-423A-A1F1-BBC4440823C6}" type="datetimeFigureOut">
-              <a:rPr lang="en-US" smtClean="0"/>
-              <a:t>12/14/2020</a:t>
-            </a:fld>
-            <a:endParaRPr lang="en-US"/>
-          </a:p>
-        </p:txBody>
-      </p:sp>
-      <p:sp>
-        <p:nvSpPr>
-          <p:cNvPr id="4" name="Slide Image Placeholder 3"/>
-          <p:cNvSpPr>
-            <a:spLocks noGrp="1" noRot="1" noChangeAspect="1"/>
-          </p:cNvSpPr>
-          <p:nvPr>
-            <p:ph type="sldImg" idx="2"/>
-          </p:nvPr>
-        </p:nvSpPr>
-        <p:spPr>
-          <a:xfrm>
-            <a:off x="685800" y="1143000"/>
-            <a:ext cx="5486400" cy="3086100"/>
-          </a:xfrm>
-          <a:prstGeom prst="rect">
-            <a:avLst/>
-          </a:prstGeom>
-          <a:noFill/>
-          <a:ln w="12700">
-            <a:solidFill>
-              <a:prstClr val="black"/>
-            </a:solidFill>
-          </a:ln>
-        </p:spPr>
-        <p:txBody>
-          <a:bodyPr vert="horz" lIns="91440" tIns="45720" rIns="91440" bIns="45720" rtlCol="0" anchor="ctr"/>
-          <a:lstStyle/>
-          <a:p>
-            <a:endParaRPr lang="en-US"/>
-          </a:p>
-        </p:txBody>
-      </p:sp>
-      <p:sp>
-        <p:nvSpPr>
-          <p:cNvPr id="5" name="Notes Placeholder 4"/>
-          <p:cNvSpPr>
-            <a:spLocks noGrp="1"/>
-          </p:cNvSpPr>
-          <p:nvPr>
-            <p:ph type="body" sz="quarter" idx="3"/>
-          </p:nvPr>
-        </p:nvSpPr>
-        <p:spPr>
-          <a:xfrm>
-            <a:off x="685800" y="4400550"/>
-            <a:ext cx="5486400" cy="3600450"/>
-          </a:xfrm>
-          <a:prstGeom prst="rect">
-            <a:avLst/>
-          </a:prstGeom>
-        </p:spPr>
-        <p:txBody>
-          <a:bodyPr vert="horz" lIns="91440" tIns="45720" rIns="91440" bIns="45720" rtlCol="0"/>
-          <a:lstStyle/>
-          <a:p>
-            <a:pPr lvl="0"/>
-            <a:r>
-              <a:rPr lang="en-US"/>
-              <a:t>Click to edit Master text styles</a:t>
-            </a:r>
-          </a:p>
-          <a:p>
-            <a:pPr lvl="1"/>
-            <a:r>
-              <a:rPr lang="en-US"/>
-              <a:t>Second level</a:t>
-            </a:r>
-          </a:p>
-          <a:p>
-            <a:pPr lvl="2"/>
-            <a:r>
-              <a:rPr lang="en-US"/>
-              <a:t>Third level</a:t>
-            </a:r>
-          </a:p>
-          <a:p>
-            <a:pPr lvl="3"/>
-            <a:r>
-              <a:rPr lang="en-US"/>
-              <a:t>Fourth level</a:t>
-            </a:r>
-          </a:p>
-          <a:p>
-            <a:pPr lvl="4"/>
-            <a:r>
-              <a:rPr lang="en-US"/>
-              <a:t>Fifth level</a:t>
-            </a:r>
-          </a:p>
-        </p:txBody>
-      </p:sp>
-      <p:sp>
-        <p:nvSpPr>
-          <p:cNvPr id="6" name="Footer Placeholder 5"/>
-          <p:cNvSpPr>
-            <a:spLocks noGrp="1"/>
-          </p:cNvSpPr>
-          <p:nvPr>
-            <p:ph type="ftr" sz="quarter" idx="4"/>
-          </p:nvPr>
-        </p:nvSpPr>
-        <p:spPr>
-          <a:xfrm>
-            <a:off x="0" y="8685213"/>
-            <a:ext cx="2971800" cy="458787"/>
-          </a:xfrm>
-          <a:prstGeom prst="rect">
-            <a:avLst/>
-          </a:prstGeom>
-        </p:spPr>
-        <p:txBody>
-          <a:bodyPr vert="horz" lIns="91440" tIns="45720" rIns="91440" bIns="45720" rtlCol="0" anchor="b"/>
-          <a:lstStyle>
-            <a:lvl1pPr algn="l">
-              <a:defRPr sz="1200"/>
-            </a:lvl1pPr>
-          </a:lstStyle>
-          <a:p>
-            <a:endParaRPr lang="en-US"/>
-          </a:p>
-        </p:txBody>
-      </p:sp>
-      <p:sp>
-        <p:nvSpPr>
-          <p:cNvPr id="7" name="Slide Number Placeholder 6"/>
-          <p:cNvSpPr>
-            <a:spLocks noGrp="1"/>
-          </p:cNvSpPr>
-          <p:nvPr>
-            <p:ph type="sldNum" sz="quarter" idx="5"/>
-          </p:nvPr>
-        </p:nvSpPr>
-        <p:spPr>
-          <a:xfrm>
-            <a:off x="3884613" y="8685213"/>
-            <a:ext cx="2971800" cy="458787"/>
-          </a:xfrm>
-          <a:prstGeom prst="rect">
-            <a:avLst/>
-          </a:prstGeom>
-        </p:spPr>
-        <p:txBody>
-          <a:bodyPr vert="horz" lIns="91440" tIns="45720" rIns="91440" bIns="45720" rtlCol="0" anchor="b"/>
-          <a:lstStyle>
-            <a:lvl1pPr algn="r">
-              <a:defRPr sz="1200"/>
-            </a:lvl1pPr>
-          </a:lstStyle>
-          <a:p>
-            <a:fld id="{94851AD4-CB89-4603-A71E-4476AF3EEA4C}" type="slidenum">
-              <a:rPr lang="en-US" smtClean="0"/>
-              <a:t>‹#›</a:t>
-            </a:fld>
-            <a:endParaRPr lang="en-US"/>
-          </a:p>
-        </p:txBody>
-      </p:sp>
-    </p:spTree>
-    <p:extLst>
-      <p:ext uri="{BB962C8B-B14F-4D97-AF65-F5344CB8AC3E}">
-        <p14:creationId xmlns:p14="http://schemas.microsoft.com/office/powerpoint/2010/main" val="3048162460"/>
-      </p:ext>
-    </p:extLst>
-  </p:cSld>
-  <p:clrMap bg1="lt1" tx1="dk1" bg2="lt2" tx2="dk2" accent1="accent1" accent2="accent2" accent3="accent3" accent4="accent4" accent5="accent5" accent6="accent6" hlink="hlink" folHlink="folHlink"/>
-  <p:notesStyle>
-    <a:lvl1pPr marL="0" algn="l" defTabSz="914400" rtl="0" eaLnBrk="1" latinLnBrk="0" hangingPunct="1">
-      <a:defRPr sz="1200" kern="1200">
-        <a:solidFill>
-          <a:schemeClr val="tx1"/>
-        </a:solidFill>
-        <a:latin typeface="+mn-lt"/>
-        <a:ea typeface="+mn-ea"/>
-        <a:cs typeface="+mn-cs"/>
-      </a:defRPr>
-    </a:lvl1pPr>
-    <a:lvl2pPr marL="457200" algn="l" defTabSz="914400" rtl="0" eaLnBrk="1" latinLnBrk="0" hangingPunct="1">
-      <a:defRPr sz="1200" kern="1200">
-        <a:solidFill>
-          <a:schemeClr val="tx1"/>
-        </a:solidFill>
-        <a:latin typeface="+mn-lt"/>
-        <a:ea typeface="+mn-ea"/>
-        <a:cs typeface="+mn-cs"/>
-      </a:defRPr>
-    </a:lvl2pPr>
-    <a:lvl3pPr marL="914400" algn="l" defTabSz="914400" rtl="0" eaLnBrk="1" latinLnBrk="0" hangingPunct="1">
-      <a:defRPr sz="1200" kern="1200">
-        <a:solidFill>
-          <a:schemeClr val="tx1"/>
-        </a:solidFill>
-        <a:latin typeface="+mn-lt"/>
-        <a:ea typeface="+mn-ea"/>
-        <a:cs typeface="+mn-cs"/>
-      </a:defRPr>
-    </a:lvl3pPr>
-    <a:lvl4pPr marL="1371600" algn="l" defTabSz="914400" rtl="0" eaLnBrk="1" latinLnBrk="0" hangingPunct="1">
-      <a:defRPr sz="1200" kern="1200">
-        <a:solidFill>
-          <a:schemeClr val="tx1"/>
-        </a:solidFill>
-        <a:latin typeface="+mn-lt"/>
-        <a:ea typeface="+mn-ea"/>
-        <a:cs typeface="+mn-cs"/>
-      </a:defRPr>
-    </a:lvl4pPr>
-    <a:lvl5pPr marL="1828800" algn="l" defTabSz="914400" rtl="0" eaLnBrk="1" latinLnBrk="0" hangingPunct="1">
-      <a:defRPr sz="1200" kern="1200">
-        <a:solidFill>
-          <a:schemeClr val="tx1"/>
-        </a:solidFill>
-        <a:latin typeface="+mn-lt"/>
-        <a:ea typeface="+mn-ea"/>
-        <a:cs typeface="+mn-cs"/>
-      </a:defRPr>
-    </a:lvl5pPr>
-    <a:lvl6pPr marL="2286000" algn="l" defTabSz="914400" rtl="0" eaLnBrk="1" latinLnBrk="0" hangingPunct="1">
-      <a:defRPr sz="1200" kern="1200">
-        <a:solidFill>
-          <a:schemeClr val="tx1"/>
-        </a:solidFill>
-        <a:latin typeface="+mn-lt"/>
-        <a:ea typeface="+mn-ea"/>
-        <a:cs typeface="+mn-cs"/>
-      </a:defRPr>
-    </a:lvl6pPr>
-    <a:lvl7pPr marL="2743200" algn="l" defTabSz="914400" rtl="0" eaLnBrk="1" latinLnBrk="0" hangingPunct="1">
-      <a:defRPr sz="1200" kern="1200">
-        <a:solidFill>
-          <a:schemeClr val="tx1"/>
-        </a:solidFill>
-        <a:latin typeface="+mn-lt"/>
-        <a:ea typeface="+mn-ea"/>
-        <a:cs typeface="+mn-cs"/>
-      </a:defRPr>
-    </a:lvl7pPr>
-    <a:lvl8pPr marL="3200400" algn="l" defTabSz="914400" rtl="0" eaLnBrk="1" latinLnBrk="0" hangingPunct="1">
-      <a:defRPr sz="1200" kern="1200">
-        <a:solidFill>
-          <a:schemeClr val="tx1"/>
-        </a:solidFill>
-        <a:latin typeface="+mn-lt"/>
-        <a:ea typeface="+mn-ea"/>
-        <a:cs typeface="+mn-cs"/>
-      </a:defRPr>
-    </a:lvl8pPr>
-    <a:lvl9pPr marL="3657600" algn="l" defTabSz="914400" rtl="0" eaLnBrk="1" latinLnBrk="0" hangingPunct="1">
-      <a:defRPr sz="1200" kern="1200">
-        <a:solidFill>
-          <a:schemeClr val="tx1"/>
-        </a:solidFill>
-        <a:latin typeface="+mn-lt"/>
-        <a:ea typeface="+mn-ea"/>
-        <a:cs typeface="+mn-cs"/>
-      </a:defRPr>
-    </a:lvl9pPr>
-  </p:notesStyle>
-</p:notesMaster>
 </file>
 
 <file path=ppt/slideLayouts/slideLayout1.xml><?xml version="1.0" encoding="utf-8"?>
@@ -485,7 +140,7 @@
           <p:cNvPr id="2" name="Title 1">
             <a:extLst>
               <a:ext uri="{FF2B5EF4-FFF2-40B4-BE49-F238E27FC236}">
-                <a16:creationId xmlns:a16="http://schemas.microsoft.com/office/drawing/2014/main" id="{2C794533-257D-484F-ABBA-AB818543A096}"/>
+                <a16:creationId xmlns:a16="http://schemas.microsoft.com/office/drawing/2014/main" id="{BECF7214-13AA-499D-B657-6382449C2181}"/>
               </a:ext>
             </a:extLst>
           </p:cNvPr>
@@ -522,7 +177,7 @@
           <p:cNvPr id="3" name="Subtitle 2">
             <a:extLst>
               <a:ext uri="{FF2B5EF4-FFF2-40B4-BE49-F238E27FC236}">
-                <a16:creationId xmlns:a16="http://schemas.microsoft.com/office/drawing/2014/main" id="{3B07EFB1-A664-49BA-A969-759BC58579C9}"/>
+                <a16:creationId xmlns:a16="http://schemas.microsoft.com/office/drawing/2014/main" id="{BBA9F34A-DBF0-4D51-8DD5-DE730A8E1521}"/>
               </a:ext>
             </a:extLst>
           </p:cNvPr>
@@ -592,7 +247,7 @@
           <p:cNvPr id="4" name="Date Placeholder 3">
             <a:extLst>
               <a:ext uri="{FF2B5EF4-FFF2-40B4-BE49-F238E27FC236}">
-                <a16:creationId xmlns:a16="http://schemas.microsoft.com/office/drawing/2014/main" id="{B7F79375-25B6-4C9C-AC76-8748C1307EAE}"/>
+                <a16:creationId xmlns:a16="http://schemas.microsoft.com/office/drawing/2014/main" id="{C5DE23CA-03E9-4E78-8E33-74BAEEDB2E3E}"/>
               </a:ext>
             </a:extLst>
           </p:cNvPr>
@@ -608,11 +263,11 @@
           <a:bodyPr/>
           <a:lstStyle/>
           <a:p>
-            <a:fld id="{A27A77CC-FB09-4EFC-876C-E941EE899236}" type="datetimeFigureOut">
+            <a:fld id="{0EA19C39-5669-4E08-92A4-F474C70FB886}" type="datetimeFigureOut">
               <a:rPr lang="en-US" smtClean="0"/>
-              <a:t>12/14/2020</a:t>
+              <a:t>12/15/2020</a:t>
             </a:fld>
-            <a:endParaRPr lang="en-US" dirty="0"/>
+            <a:endParaRPr lang="en-US"/>
           </a:p>
         </p:txBody>
       </p:sp>
@@ -621,7 +276,7 @@
           <p:cNvPr id="5" name="Footer Placeholder 4">
             <a:extLst>
               <a:ext uri="{FF2B5EF4-FFF2-40B4-BE49-F238E27FC236}">
-                <a16:creationId xmlns:a16="http://schemas.microsoft.com/office/drawing/2014/main" id="{4B3BEDB5-7225-4312-AB43-6CEFE24CD9E2}"/>
+                <a16:creationId xmlns:a16="http://schemas.microsoft.com/office/drawing/2014/main" id="{066504D7-F44F-43AC-8929-B598C8730619}"/>
               </a:ext>
             </a:extLst>
           </p:cNvPr>
@@ -637,7 +292,7 @@
           <a:bodyPr/>
           <a:lstStyle/>
           <a:p>
-            <a:endParaRPr lang="en-US" dirty="0"/>
+            <a:endParaRPr lang="en-US"/>
           </a:p>
         </p:txBody>
       </p:sp>
@@ -646,7 +301,7 @@
           <p:cNvPr id="6" name="Slide Number Placeholder 5">
             <a:extLst>
               <a:ext uri="{FF2B5EF4-FFF2-40B4-BE49-F238E27FC236}">
-                <a16:creationId xmlns:a16="http://schemas.microsoft.com/office/drawing/2014/main" id="{ED9F5077-95DF-4EC9-BB44-F141774D9A45}"/>
+                <a16:creationId xmlns:a16="http://schemas.microsoft.com/office/drawing/2014/main" id="{D4D7DA35-F369-4E7C-A9A8-4364CB0467B8}"/>
               </a:ext>
             </a:extLst>
           </p:cNvPr>
@@ -662,18 +317,18 @@
           <a:bodyPr/>
           <a:lstStyle/>
           <a:p>
-            <a:fld id="{57EA436C-F167-4147-8EF9-66389B236328}" type="slidenum">
+            <a:fld id="{D03E4D9D-4565-4103-96D6-3BE4E35F0736}" type="slidenum">
               <a:rPr lang="en-US" smtClean="0"/>
               <a:t>‹#›</a:t>
             </a:fld>
-            <a:endParaRPr lang="en-US" dirty="0"/>
+            <a:endParaRPr lang="en-US"/>
           </a:p>
         </p:txBody>
       </p:sp>
     </p:spTree>
     <p:extLst>
       <p:ext uri="{BB962C8B-B14F-4D97-AF65-F5344CB8AC3E}">
-        <p14:creationId xmlns:p14="http://schemas.microsoft.com/office/powerpoint/2010/main" val="1445945902"/>
+        <p14:creationId xmlns:p14="http://schemas.microsoft.com/office/powerpoint/2010/main" val="2178713527"/>
       </p:ext>
     </p:extLst>
   </p:cSld>
@@ -705,7 +360,7 @@
           <p:cNvPr id="2" name="Title 1">
             <a:extLst>
               <a:ext uri="{FF2B5EF4-FFF2-40B4-BE49-F238E27FC236}">
-                <a16:creationId xmlns:a16="http://schemas.microsoft.com/office/drawing/2014/main" id="{E8B62C12-4C30-4CEB-AA9D-FA8972D8D784}"/>
+                <a16:creationId xmlns:a16="http://schemas.microsoft.com/office/drawing/2014/main" id="{90482085-6B6B-4300-93D0-6A1919A75B07}"/>
               </a:ext>
             </a:extLst>
           </p:cNvPr>
@@ -733,7 +388,7 @@
           <p:cNvPr id="3" name="Vertical Text Placeholder 2">
             <a:extLst>
               <a:ext uri="{FF2B5EF4-FFF2-40B4-BE49-F238E27FC236}">
-                <a16:creationId xmlns:a16="http://schemas.microsoft.com/office/drawing/2014/main" id="{814219D6-3578-4155-9877-C80CBF53629A}"/>
+                <a16:creationId xmlns:a16="http://schemas.microsoft.com/office/drawing/2014/main" id="{9B2706B0-952A-45E0-A0AF-3E71F437D7F9}"/>
               </a:ext>
             </a:extLst>
           </p:cNvPr>
@@ -790,7 +445,7 @@
           <p:cNvPr id="4" name="Date Placeholder 3">
             <a:extLst>
               <a:ext uri="{FF2B5EF4-FFF2-40B4-BE49-F238E27FC236}">
-                <a16:creationId xmlns:a16="http://schemas.microsoft.com/office/drawing/2014/main" id="{C7DA4A1C-376F-45FB-BEC6-1A73F71E7324}"/>
+                <a16:creationId xmlns:a16="http://schemas.microsoft.com/office/drawing/2014/main" id="{017E721E-92A8-4016-80B5-0FFC6D472AED}"/>
               </a:ext>
             </a:extLst>
           </p:cNvPr>
@@ -806,11 +461,11 @@
           <a:bodyPr/>
           <a:lstStyle/>
           <a:p>
-            <a:fld id="{A27A77CC-FB09-4EFC-876C-E941EE899236}" type="datetimeFigureOut">
+            <a:fld id="{0EA19C39-5669-4E08-92A4-F474C70FB886}" type="datetimeFigureOut">
               <a:rPr lang="en-US" smtClean="0"/>
-              <a:t>12/14/2020</a:t>
+              <a:t>12/15/2020</a:t>
             </a:fld>
-            <a:endParaRPr lang="en-US" dirty="0"/>
+            <a:endParaRPr lang="en-US"/>
           </a:p>
         </p:txBody>
       </p:sp>
@@ -819,7 +474,7 @@
           <p:cNvPr id="5" name="Footer Placeholder 4">
             <a:extLst>
               <a:ext uri="{FF2B5EF4-FFF2-40B4-BE49-F238E27FC236}">
-                <a16:creationId xmlns:a16="http://schemas.microsoft.com/office/drawing/2014/main" id="{E4A50FC2-C194-4FF5-B92D-5E9BBA6447C5}"/>
+                <a16:creationId xmlns:a16="http://schemas.microsoft.com/office/drawing/2014/main" id="{F362A419-7703-4CC7-B34D-C9B39750631D}"/>
               </a:ext>
             </a:extLst>
           </p:cNvPr>
@@ -835,7 +490,7 @@
           <a:bodyPr/>
           <a:lstStyle/>
           <a:p>
-            <a:endParaRPr lang="en-US" dirty="0"/>
+            <a:endParaRPr lang="en-US"/>
           </a:p>
         </p:txBody>
       </p:sp>
@@ -844,7 +499,7 @@
           <p:cNvPr id="6" name="Slide Number Placeholder 5">
             <a:extLst>
               <a:ext uri="{FF2B5EF4-FFF2-40B4-BE49-F238E27FC236}">
-                <a16:creationId xmlns:a16="http://schemas.microsoft.com/office/drawing/2014/main" id="{D8963376-4D57-4CA6-AB38-7734E099F3EB}"/>
+                <a16:creationId xmlns:a16="http://schemas.microsoft.com/office/drawing/2014/main" id="{4628B6F5-9D96-40E0-96A3-E3418D113020}"/>
               </a:ext>
             </a:extLst>
           </p:cNvPr>
@@ -860,18 +515,18 @@
           <a:bodyPr/>
           <a:lstStyle/>
           <a:p>
-            <a:fld id="{57EA436C-F167-4147-8EF9-66389B236328}" type="slidenum">
+            <a:fld id="{D03E4D9D-4565-4103-96D6-3BE4E35F0736}" type="slidenum">
               <a:rPr lang="en-US" smtClean="0"/>
               <a:t>‹#›</a:t>
             </a:fld>
-            <a:endParaRPr lang="en-US" dirty="0"/>
+            <a:endParaRPr lang="en-US"/>
           </a:p>
         </p:txBody>
       </p:sp>
     </p:spTree>
     <p:extLst>
       <p:ext uri="{BB962C8B-B14F-4D97-AF65-F5344CB8AC3E}">
-        <p14:creationId xmlns:p14="http://schemas.microsoft.com/office/powerpoint/2010/main" val="4127148184"/>
+        <p14:creationId xmlns:p14="http://schemas.microsoft.com/office/powerpoint/2010/main" val="1833999640"/>
       </p:ext>
     </p:extLst>
   </p:cSld>
@@ -903,7 +558,7 @@
           <p:cNvPr id="2" name="Vertical Title 1">
             <a:extLst>
               <a:ext uri="{FF2B5EF4-FFF2-40B4-BE49-F238E27FC236}">
-                <a16:creationId xmlns:a16="http://schemas.microsoft.com/office/drawing/2014/main" id="{F3A34605-4ED4-4BEA-95E4-7669664CA681}"/>
+                <a16:creationId xmlns:a16="http://schemas.microsoft.com/office/drawing/2014/main" id="{E1521E4C-E3A9-4757-90DE-D0904074452D}"/>
               </a:ext>
             </a:extLst>
           </p:cNvPr>
@@ -936,7 +591,7 @@
           <p:cNvPr id="3" name="Vertical Text Placeholder 2">
             <a:extLst>
               <a:ext uri="{FF2B5EF4-FFF2-40B4-BE49-F238E27FC236}">
-                <a16:creationId xmlns:a16="http://schemas.microsoft.com/office/drawing/2014/main" id="{EF06EC44-EA7E-4A77-875E-A589C2708D74}"/>
+                <a16:creationId xmlns:a16="http://schemas.microsoft.com/office/drawing/2014/main" id="{1F1B7AD2-DE3A-4DAB-8590-214F1880E3EE}"/>
               </a:ext>
             </a:extLst>
           </p:cNvPr>
@@ -998,7 +653,7 @@
           <p:cNvPr id="4" name="Date Placeholder 3">
             <a:extLst>
               <a:ext uri="{FF2B5EF4-FFF2-40B4-BE49-F238E27FC236}">
-                <a16:creationId xmlns:a16="http://schemas.microsoft.com/office/drawing/2014/main" id="{A5CA9B20-C637-4F41-A4B4-B0B5EC19EF5C}"/>
+                <a16:creationId xmlns:a16="http://schemas.microsoft.com/office/drawing/2014/main" id="{F035968E-82C1-439D-897E-625470B06702}"/>
               </a:ext>
             </a:extLst>
           </p:cNvPr>
@@ -1014,11 +669,11 @@
           <a:bodyPr/>
           <a:lstStyle/>
           <a:p>
-            <a:fld id="{A27A77CC-FB09-4EFC-876C-E941EE899236}" type="datetimeFigureOut">
+            <a:fld id="{0EA19C39-5669-4E08-92A4-F474C70FB886}" type="datetimeFigureOut">
               <a:rPr lang="en-US" smtClean="0"/>
-              <a:t>12/14/2020</a:t>
+              <a:t>12/15/2020</a:t>
             </a:fld>
-            <a:endParaRPr lang="en-US" dirty="0"/>
+            <a:endParaRPr lang="en-US"/>
           </a:p>
         </p:txBody>
       </p:sp>
@@ -1027,7 +682,7 @@
           <p:cNvPr id="5" name="Footer Placeholder 4">
             <a:extLst>
               <a:ext uri="{FF2B5EF4-FFF2-40B4-BE49-F238E27FC236}">
-                <a16:creationId xmlns:a16="http://schemas.microsoft.com/office/drawing/2014/main" id="{BA111D06-D363-4146-96F0-7EC044A92DAD}"/>
+                <a16:creationId xmlns:a16="http://schemas.microsoft.com/office/drawing/2014/main" id="{60E26D48-B4E1-4EA7-82AD-2AF255F0ADA8}"/>
               </a:ext>
             </a:extLst>
           </p:cNvPr>
@@ -1043,7 +698,7 @@
           <a:bodyPr/>
           <a:lstStyle/>
           <a:p>
-            <a:endParaRPr lang="en-US" dirty="0"/>
+            <a:endParaRPr lang="en-US"/>
           </a:p>
         </p:txBody>
       </p:sp>
@@ -1052,7 +707,7 @@
           <p:cNvPr id="6" name="Slide Number Placeholder 5">
             <a:extLst>
               <a:ext uri="{FF2B5EF4-FFF2-40B4-BE49-F238E27FC236}">
-                <a16:creationId xmlns:a16="http://schemas.microsoft.com/office/drawing/2014/main" id="{E1AF75AB-A2A7-40BC-A1C2-1733C7C503CA}"/>
+                <a16:creationId xmlns:a16="http://schemas.microsoft.com/office/drawing/2014/main" id="{F3533D6A-1EEA-467C-B8B7-2C89F14EFB68}"/>
               </a:ext>
             </a:extLst>
           </p:cNvPr>
@@ -1068,18 +723,18 @@
           <a:bodyPr/>
           <a:lstStyle/>
           <a:p>
-            <a:fld id="{57EA436C-F167-4147-8EF9-66389B236328}" type="slidenum">
+            <a:fld id="{D03E4D9D-4565-4103-96D6-3BE4E35F0736}" type="slidenum">
               <a:rPr lang="en-US" smtClean="0"/>
               <a:t>‹#›</a:t>
             </a:fld>
-            <a:endParaRPr lang="en-US" dirty="0"/>
+            <a:endParaRPr lang="en-US"/>
           </a:p>
         </p:txBody>
       </p:sp>
     </p:spTree>
     <p:extLst>
       <p:ext uri="{BB962C8B-B14F-4D97-AF65-F5344CB8AC3E}">
-        <p14:creationId xmlns:p14="http://schemas.microsoft.com/office/powerpoint/2010/main" val="2162157952"/>
+        <p14:creationId xmlns:p14="http://schemas.microsoft.com/office/powerpoint/2010/main" val="428804289"/>
       </p:ext>
     </p:extLst>
   </p:cSld>
@@ -1111,7 +766,7 @@
           <p:cNvPr id="2" name="Title 1">
             <a:extLst>
               <a:ext uri="{FF2B5EF4-FFF2-40B4-BE49-F238E27FC236}">
-                <a16:creationId xmlns:a16="http://schemas.microsoft.com/office/drawing/2014/main" id="{3806AA71-0B0A-49D7-AFF3-65149150E073}"/>
+                <a16:creationId xmlns:a16="http://schemas.microsoft.com/office/drawing/2014/main" id="{DE94974E-2E35-4C74-ABA9-B1D50B945C3E}"/>
               </a:ext>
             </a:extLst>
           </p:cNvPr>
@@ -1139,7 +794,7 @@
           <p:cNvPr id="3" name="Content Placeholder 2">
             <a:extLst>
               <a:ext uri="{FF2B5EF4-FFF2-40B4-BE49-F238E27FC236}">
-                <a16:creationId xmlns:a16="http://schemas.microsoft.com/office/drawing/2014/main" id="{2003B286-2701-451F-BDD8-BE3D9E7E8A97}"/>
+                <a16:creationId xmlns:a16="http://schemas.microsoft.com/office/drawing/2014/main" id="{6C435146-6534-4993-8EA0-1FB59B1EC461}"/>
               </a:ext>
             </a:extLst>
           </p:cNvPr>
@@ -1196,7 +851,7 @@
           <p:cNvPr id="4" name="Date Placeholder 3">
             <a:extLst>
               <a:ext uri="{FF2B5EF4-FFF2-40B4-BE49-F238E27FC236}">
-                <a16:creationId xmlns:a16="http://schemas.microsoft.com/office/drawing/2014/main" id="{538854AE-0D01-4626-9918-8DDE11A18E13}"/>
+                <a16:creationId xmlns:a16="http://schemas.microsoft.com/office/drawing/2014/main" id="{788AD36F-FD47-4F89-914E-4F0DB4E84231}"/>
               </a:ext>
             </a:extLst>
           </p:cNvPr>
@@ -1212,11 +867,11 @@
           <a:bodyPr/>
           <a:lstStyle/>
           <a:p>
-            <a:fld id="{A27A77CC-FB09-4EFC-876C-E941EE899236}" type="datetimeFigureOut">
+            <a:fld id="{0EA19C39-5669-4E08-92A4-F474C70FB886}" type="datetimeFigureOut">
               <a:rPr lang="en-US" smtClean="0"/>
-              <a:t>12/14/2020</a:t>
+              <a:t>12/15/2020</a:t>
             </a:fld>
-            <a:endParaRPr lang="en-US" dirty="0"/>
+            <a:endParaRPr lang="en-US"/>
           </a:p>
         </p:txBody>
       </p:sp>
@@ -1225,7 +880,7 @@
           <p:cNvPr id="5" name="Footer Placeholder 4">
             <a:extLst>
               <a:ext uri="{FF2B5EF4-FFF2-40B4-BE49-F238E27FC236}">
-                <a16:creationId xmlns:a16="http://schemas.microsoft.com/office/drawing/2014/main" id="{6EA94509-2039-4619-8DE0-9C6A76E90EA4}"/>
+                <a16:creationId xmlns:a16="http://schemas.microsoft.com/office/drawing/2014/main" id="{71C60D18-8144-4634-8A31-F0D74456537E}"/>
               </a:ext>
             </a:extLst>
           </p:cNvPr>
@@ -1241,7 +896,7 @@
           <a:bodyPr/>
           <a:lstStyle/>
           <a:p>
-            <a:endParaRPr lang="en-US" dirty="0"/>
+            <a:endParaRPr lang="en-US"/>
           </a:p>
         </p:txBody>
       </p:sp>
@@ -1250,7 +905,7 @@
           <p:cNvPr id="6" name="Slide Number Placeholder 5">
             <a:extLst>
               <a:ext uri="{FF2B5EF4-FFF2-40B4-BE49-F238E27FC236}">
-                <a16:creationId xmlns:a16="http://schemas.microsoft.com/office/drawing/2014/main" id="{1D293421-BAAE-4764-9511-E5209C3FF2C5}"/>
+                <a16:creationId xmlns:a16="http://schemas.microsoft.com/office/drawing/2014/main" id="{D236E1DC-4303-43D0-BE04-CD46B4C9C81E}"/>
               </a:ext>
             </a:extLst>
           </p:cNvPr>
@@ -1266,18 +921,18 @@
           <a:bodyPr/>
           <a:lstStyle/>
           <a:p>
-            <a:fld id="{57EA436C-F167-4147-8EF9-66389B236328}" type="slidenum">
+            <a:fld id="{D03E4D9D-4565-4103-96D6-3BE4E35F0736}" type="slidenum">
               <a:rPr lang="en-US" smtClean="0"/>
               <a:t>‹#›</a:t>
             </a:fld>
-            <a:endParaRPr lang="en-US" dirty="0"/>
+            <a:endParaRPr lang="en-US"/>
           </a:p>
         </p:txBody>
       </p:sp>
     </p:spTree>
     <p:extLst>
       <p:ext uri="{BB962C8B-B14F-4D97-AF65-F5344CB8AC3E}">
-        <p14:creationId xmlns:p14="http://schemas.microsoft.com/office/powerpoint/2010/main" val="2030035698"/>
+        <p14:creationId xmlns:p14="http://schemas.microsoft.com/office/powerpoint/2010/main" val="1841824174"/>
       </p:ext>
     </p:extLst>
   </p:cSld>
@@ -1309,7 +964,7 @@
           <p:cNvPr id="2" name="Title 1">
             <a:extLst>
               <a:ext uri="{FF2B5EF4-FFF2-40B4-BE49-F238E27FC236}">
-                <a16:creationId xmlns:a16="http://schemas.microsoft.com/office/drawing/2014/main" id="{B68B3A46-CF66-422C-8B88-BAA41D45CD14}"/>
+                <a16:creationId xmlns:a16="http://schemas.microsoft.com/office/drawing/2014/main" id="{F8E26554-96E2-4242-A3F3-4E49F3FFD047}"/>
               </a:ext>
             </a:extLst>
           </p:cNvPr>
@@ -1346,7 +1001,7 @@
           <p:cNvPr id="3" name="Text Placeholder 2">
             <a:extLst>
               <a:ext uri="{FF2B5EF4-FFF2-40B4-BE49-F238E27FC236}">
-                <a16:creationId xmlns:a16="http://schemas.microsoft.com/office/drawing/2014/main" id="{073A106B-3587-4F73-9ABD-B0E6F9E09C05}"/>
+                <a16:creationId xmlns:a16="http://schemas.microsoft.com/office/drawing/2014/main" id="{1058DB3A-4536-496C-AC59-5DA0BF09117E}"/>
               </a:ext>
             </a:extLst>
           </p:cNvPr>
@@ -1471,7 +1126,7 @@
           <p:cNvPr id="4" name="Date Placeholder 3">
             <a:extLst>
               <a:ext uri="{FF2B5EF4-FFF2-40B4-BE49-F238E27FC236}">
-                <a16:creationId xmlns:a16="http://schemas.microsoft.com/office/drawing/2014/main" id="{C70BA4B0-5C12-4790-B0B7-02B949E3FF5C}"/>
+                <a16:creationId xmlns:a16="http://schemas.microsoft.com/office/drawing/2014/main" id="{1B20BD02-2BBD-4709-9C5A-30A6AA4DC295}"/>
               </a:ext>
             </a:extLst>
           </p:cNvPr>
@@ -1487,11 +1142,11 @@
           <a:bodyPr/>
           <a:lstStyle/>
           <a:p>
-            <a:fld id="{A27A77CC-FB09-4EFC-876C-E941EE899236}" type="datetimeFigureOut">
+            <a:fld id="{0EA19C39-5669-4E08-92A4-F474C70FB886}" type="datetimeFigureOut">
               <a:rPr lang="en-US" smtClean="0"/>
-              <a:t>12/14/2020</a:t>
+              <a:t>12/15/2020</a:t>
             </a:fld>
-            <a:endParaRPr lang="en-US" dirty="0"/>
+            <a:endParaRPr lang="en-US"/>
           </a:p>
         </p:txBody>
       </p:sp>
@@ -1500,7 +1155,7 @@
           <p:cNvPr id="5" name="Footer Placeholder 4">
             <a:extLst>
               <a:ext uri="{FF2B5EF4-FFF2-40B4-BE49-F238E27FC236}">
-                <a16:creationId xmlns:a16="http://schemas.microsoft.com/office/drawing/2014/main" id="{6F6EF024-95F5-4460-89BF-93AB55544851}"/>
+                <a16:creationId xmlns:a16="http://schemas.microsoft.com/office/drawing/2014/main" id="{EF2842DA-F6E4-4DE7-B083-DF07E02F26DE}"/>
               </a:ext>
             </a:extLst>
           </p:cNvPr>
@@ -1516,7 +1171,7 @@
           <a:bodyPr/>
           <a:lstStyle/>
           <a:p>
-            <a:endParaRPr lang="en-US" dirty="0"/>
+            <a:endParaRPr lang="en-US"/>
           </a:p>
         </p:txBody>
       </p:sp>
@@ -1525,7 +1180,7 @@
           <p:cNvPr id="6" name="Slide Number Placeholder 5">
             <a:extLst>
               <a:ext uri="{FF2B5EF4-FFF2-40B4-BE49-F238E27FC236}">
-                <a16:creationId xmlns:a16="http://schemas.microsoft.com/office/drawing/2014/main" id="{A82E6979-B406-4773-B5D7-562260539228}"/>
+                <a16:creationId xmlns:a16="http://schemas.microsoft.com/office/drawing/2014/main" id="{C1DB83FF-D7FB-4486-9066-45B06F13953C}"/>
               </a:ext>
             </a:extLst>
           </p:cNvPr>
@@ -1541,18 +1196,18 @@
           <a:bodyPr/>
           <a:lstStyle/>
           <a:p>
-            <a:fld id="{57EA436C-F167-4147-8EF9-66389B236328}" type="slidenum">
+            <a:fld id="{D03E4D9D-4565-4103-96D6-3BE4E35F0736}" type="slidenum">
               <a:rPr lang="en-US" smtClean="0"/>
               <a:t>‹#›</a:t>
             </a:fld>
-            <a:endParaRPr lang="en-US" dirty="0"/>
+            <a:endParaRPr lang="en-US"/>
           </a:p>
         </p:txBody>
       </p:sp>
     </p:spTree>
     <p:extLst>
       <p:ext uri="{BB962C8B-B14F-4D97-AF65-F5344CB8AC3E}">
-        <p14:creationId xmlns:p14="http://schemas.microsoft.com/office/powerpoint/2010/main" val="26441665"/>
+        <p14:creationId xmlns:p14="http://schemas.microsoft.com/office/powerpoint/2010/main" val="211979290"/>
       </p:ext>
     </p:extLst>
   </p:cSld>
@@ -1584,7 +1239,7 @@
           <p:cNvPr id="2" name="Title 1">
             <a:extLst>
               <a:ext uri="{FF2B5EF4-FFF2-40B4-BE49-F238E27FC236}">
-                <a16:creationId xmlns:a16="http://schemas.microsoft.com/office/drawing/2014/main" id="{9847C890-2BF6-401D-B8F0-FA0AF7B785B2}"/>
+                <a16:creationId xmlns:a16="http://schemas.microsoft.com/office/drawing/2014/main" id="{2BF01806-D8BC-4258-8B36-5AC4C10FFC23}"/>
               </a:ext>
             </a:extLst>
           </p:cNvPr>
@@ -1612,7 +1267,7 @@
           <p:cNvPr id="3" name="Content Placeholder 2">
             <a:extLst>
               <a:ext uri="{FF2B5EF4-FFF2-40B4-BE49-F238E27FC236}">
-                <a16:creationId xmlns:a16="http://schemas.microsoft.com/office/drawing/2014/main" id="{9D1871D7-D08C-419A-894A-789C093B9A35}"/>
+                <a16:creationId xmlns:a16="http://schemas.microsoft.com/office/drawing/2014/main" id="{5C1DBEDB-5701-4F17-A0BF-9B5498F1DF74}"/>
               </a:ext>
             </a:extLst>
           </p:cNvPr>
@@ -1674,7 +1329,7 @@
           <p:cNvPr id="4" name="Content Placeholder 3">
             <a:extLst>
               <a:ext uri="{FF2B5EF4-FFF2-40B4-BE49-F238E27FC236}">
-                <a16:creationId xmlns:a16="http://schemas.microsoft.com/office/drawing/2014/main" id="{FDAD2618-FFDB-4EB7-A607-73AF41CF6754}"/>
+                <a16:creationId xmlns:a16="http://schemas.microsoft.com/office/drawing/2014/main" id="{4FA6F1EE-4AE3-4306-BB73-477DA9B98D06}"/>
               </a:ext>
             </a:extLst>
           </p:cNvPr>
@@ -1736,7 +1391,7 @@
           <p:cNvPr id="5" name="Date Placeholder 4">
             <a:extLst>
               <a:ext uri="{FF2B5EF4-FFF2-40B4-BE49-F238E27FC236}">
-                <a16:creationId xmlns:a16="http://schemas.microsoft.com/office/drawing/2014/main" id="{0C2F5438-092C-4FDE-915B-883D59AA6AB0}"/>
+                <a16:creationId xmlns:a16="http://schemas.microsoft.com/office/drawing/2014/main" id="{CD2290CC-5C4C-47D6-8635-FBF153103AE6}"/>
               </a:ext>
             </a:extLst>
           </p:cNvPr>
@@ -1752,11 +1407,11 @@
           <a:bodyPr/>
           <a:lstStyle/>
           <a:p>
-            <a:fld id="{A27A77CC-FB09-4EFC-876C-E941EE899236}" type="datetimeFigureOut">
+            <a:fld id="{0EA19C39-5669-4E08-92A4-F474C70FB886}" type="datetimeFigureOut">
               <a:rPr lang="en-US" smtClean="0"/>
-              <a:t>12/14/2020</a:t>
+              <a:t>12/15/2020</a:t>
             </a:fld>
-            <a:endParaRPr lang="en-US" dirty="0"/>
+            <a:endParaRPr lang="en-US"/>
           </a:p>
         </p:txBody>
       </p:sp>
@@ -1765,7 +1420,7 @@
           <p:cNvPr id="6" name="Footer Placeholder 5">
             <a:extLst>
               <a:ext uri="{FF2B5EF4-FFF2-40B4-BE49-F238E27FC236}">
-                <a16:creationId xmlns:a16="http://schemas.microsoft.com/office/drawing/2014/main" id="{66B9726B-2573-44F2-A03C-0D9574E808BE}"/>
+                <a16:creationId xmlns:a16="http://schemas.microsoft.com/office/drawing/2014/main" id="{6A0A6F38-147D-4034-8B65-D46B46AB9CBB}"/>
               </a:ext>
             </a:extLst>
           </p:cNvPr>
@@ -1781,7 +1436,7 @@
           <a:bodyPr/>
           <a:lstStyle/>
           <a:p>
-            <a:endParaRPr lang="en-US" dirty="0"/>
+            <a:endParaRPr lang="en-US"/>
           </a:p>
         </p:txBody>
       </p:sp>
@@ -1790,7 +1445,7 @@
           <p:cNvPr id="7" name="Slide Number Placeholder 6">
             <a:extLst>
               <a:ext uri="{FF2B5EF4-FFF2-40B4-BE49-F238E27FC236}">
-                <a16:creationId xmlns:a16="http://schemas.microsoft.com/office/drawing/2014/main" id="{8D87E675-ED71-45E9-ADEC-E44E82D86945}"/>
+                <a16:creationId xmlns:a16="http://schemas.microsoft.com/office/drawing/2014/main" id="{60BFF11F-CBF5-4826-BCCF-D7E0B7F0E501}"/>
               </a:ext>
             </a:extLst>
           </p:cNvPr>
@@ -1806,18 +1461,18 @@
           <a:bodyPr/>
           <a:lstStyle/>
           <a:p>
-            <a:fld id="{57EA436C-F167-4147-8EF9-66389B236328}" type="slidenum">
+            <a:fld id="{D03E4D9D-4565-4103-96D6-3BE4E35F0736}" type="slidenum">
               <a:rPr lang="en-US" smtClean="0"/>
               <a:t>‹#›</a:t>
             </a:fld>
-            <a:endParaRPr lang="en-US" dirty="0"/>
+            <a:endParaRPr lang="en-US"/>
           </a:p>
         </p:txBody>
       </p:sp>
     </p:spTree>
     <p:extLst>
       <p:ext uri="{BB962C8B-B14F-4D97-AF65-F5344CB8AC3E}">
-        <p14:creationId xmlns:p14="http://schemas.microsoft.com/office/powerpoint/2010/main" val="3909755283"/>
+        <p14:creationId xmlns:p14="http://schemas.microsoft.com/office/powerpoint/2010/main" val="1183311411"/>
       </p:ext>
     </p:extLst>
   </p:cSld>
@@ -1849,7 +1504,7 @@
           <p:cNvPr id="2" name="Title 1">
             <a:extLst>
               <a:ext uri="{FF2B5EF4-FFF2-40B4-BE49-F238E27FC236}">
-                <a16:creationId xmlns:a16="http://schemas.microsoft.com/office/drawing/2014/main" id="{7F0CA1A1-20A4-494F-9AEC-214F5A66B070}"/>
+                <a16:creationId xmlns:a16="http://schemas.microsoft.com/office/drawing/2014/main" id="{5C63B3AF-C357-46A3-8BA4-C7EA8E087D2D}"/>
               </a:ext>
             </a:extLst>
           </p:cNvPr>
@@ -1882,7 +1537,7 @@
           <p:cNvPr id="3" name="Text Placeholder 2">
             <a:extLst>
               <a:ext uri="{FF2B5EF4-FFF2-40B4-BE49-F238E27FC236}">
-                <a16:creationId xmlns:a16="http://schemas.microsoft.com/office/drawing/2014/main" id="{6A89826B-7E19-4206-91E5-809FEF855886}"/>
+                <a16:creationId xmlns:a16="http://schemas.microsoft.com/office/drawing/2014/main" id="{BF009BF3-FF2D-4DBD-B8E1-BA97EC213BCE}"/>
               </a:ext>
             </a:extLst>
           </p:cNvPr>
@@ -1953,7 +1608,7 @@
           <p:cNvPr id="4" name="Content Placeholder 3">
             <a:extLst>
               <a:ext uri="{FF2B5EF4-FFF2-40B4-BE49-F238E27FC236}">
-                <a16:creationId xmlns:a16="http://schemas.microsoft.com/office/drawing/2014/main" id="{8AF8868A-E8CC-4658-BEAE-D6F7F22FBB54}"/>
+                <a16:creationId xmlns:a16="http://schemas.microsoft.com/office/drawing/2014/main" id="{FDF8AF74-1D64-4C2B-874B-78C4A4E1A96D}"/>
               </a:ext>
             </a:extLst>
           </p:cNvPr>
@@ -2015,7 +1670,7 @@
           <p:cNvPr id="5" name="Text Placeholder 4">
             <a:extLst>
               <a:ext uri="{FF2B5EF4-FFF2-40B4-BE49-F238E27FC236}">
-                <a16:creationId xmlns:a16="http://schemas.microsoft.com/office/drawing/2014/main" id="{1ED40D7B-A3A2-4BAF-A8E7-31C0441EFF11}"/>
+                <a16:creationId xmlns:a16="http://schemas.microsoft.com/office/drawing/2014/main" id="{3960EFD9-DDAA-4117-962F-13CA57014F08}"/>
               </a:ext>
             </a:extLst>
           </p:cNvPr>
@@ -2086,7 +1741,7 @@
           <p:cNvPr id="6" name="Content Placeholder 5">
             <a:extLst>
               <a:ext uri="{FF2B5EF4-FFF2-40B4-BE49-F238E27FC236}">
-                <a16:creationId xmlns:a16="http://schemas.microsoft.com/office/drawing/2014/main" id="{29D8DB75-DD35-40E2-BB00-8D9C7D299006}"/>
+                <a16:creationId xmlns:a16="http://schemas.microsoft.com/office/drawing/2014/main" id="{0E4A7F5A-613A-441C-BE80-6D309D6A8A52}"/>
               </a:ext>
             </a:extLst>
           </p:cNvPr>
@@ -2148,7 +1803,7 @@
           <p:cNvPr id="7" name="Date Placeholder 6">
             <a:extLst>
               <a:ext uri="{FF2B5EF4-FFF2-40B4-BE49-F238E27FC236}">
-                <a16:creationId xmlns:a16="http://schemas.microsoft.com/office/drawing/2014/main" id="{EEC4E684-E573-4CE3-BEA2-AFEBD3FC54EC}"/>
+                <a16:creationId xmlns:a16="http://schemas.microsoft.com/office/drawing/2014/main" id="{BA0B7942-396D-47E2-99DC-677104F5BFA2}"/>
               </a:ext>
             </a:extLst>
           </p:cNvPr>
@@ -2164,11 +1819,11 @@
           <a:bodyPr/>
           <a:lstStyle/>
           <a:p>
-            <a:fld id="{A27A77CC-FB09-4EFC-876C-E941EE899236}" type="datetimeFigureOut">
+            <a:fld id="{0EA19C39-5669-4E08-92A4-F474C70FB886}" type="datetimeFigureOut">
               <a:rPr lang="en-US" smtClean="0"/>
-              <a:t>12/14/2020</a:t>
+              <a:t>12/15/2020</a:t>
             </a:fld>
-            <a:endParaRPr lang="en-US" dirty="0"/>
+            <a:endParaRPr lang="en-US"/>
           </a:p>
         </p:txBody>
       </p:sp>
@@ -2177,7 +1832,7 @@
           <p:cNvPr id="8" name="Footer Placeholder 7">
             <a:extLst>
               <a:ext uri="{FF2B5EF4-FFF2-40B4-BE49-F238E27FC236}">
-                <a16:creationId xmlns:a16="http://schemas.microsoft.com/office/drawing/2014/main" id="{14E442F1-4A74-4732-8DEF-3D1C40588321}"/>
+                <a16:creationId xmlns:a16="http://schemas.microsoft.com/office/drawing/2014/main" id="{7BBC9388-1E06-4CAA-8956-18670F908E4B}"/>
               </a:ext>
             </a:extLst>
           </p:cNvPr>
@@ -2193,7 +1848,7 @@
           <a:bodyPr/>
           <a:lstStyle/>
           <a:p>
-            <a:endParaRPr lang="en-US" dirty="0"/>
+            <a:endParaRPr lang="en-US"/>
           </a:p>
         </p:txBody>
       </p:sp>
@@ -2202,7 +1857,7 @@
           <p:cNvPr id="9" name="Slide Number Placeholder 8">
             <a:extLst>
               <a:ext uri="{FF2B5EF4-FFF2-40B4-BE49-F238E27FC236}">
-                <a16:creationId xmlns:a16="http://schemas.microsoft.com/office/drawing/2014/main" id="{ECE13083-F3FB-4E1A-A683-7D1E4968E2D7}"/>
+                <a16:creationId xmlns:a16="http://schemas.microsoft.com/office/drawing/2014/main" id="{C192F897-7AC6-4CA1-AADB-42DF5586E007}"/>
               </a:ext>
             </a:extLst>
           </p:cNvPr>
@@ -2218,18 +1873,18 @@
           <a:bodyPr/>
           <a:lstStyle/>
           <a:p>
-            <a:fld id="{57EA436C-F167-4147-8EF9-66389B236328}" type="slidenum">
+            <a:fld id="{D03E4D9D-4565-4103-96D6-3BE4E35F0736}" type="slidenum">
               <a:rPr lang="en-US" smtClean="0"/>
               <a:t>‹#›</a:t>
             </a:fld>
-            <a:endParaRPr lang="en-US" dirty="0"/>
+            <a:endParaRPr lang="en-US"/>
           </a:p>
         </p:txBody>
       </p:sp>
     </p:spTree>
     <p:extLst>
       <p:ext uri="{BB962C8B-B14F-4D97-AF65-F5344CB8AC3E}">
-        <p14:creationId xmlns:p14="http://schemas.microsoft.com/office/powerpoint/2010/main" val="2679020841"/>
+        <p14:creationId xmlns:p14="http://schemas.microsoft.com/office/powerpoint/2010/main" val="851798524"/>
       </p:ext>
     </p:extLst>
   </p:cSld>
@@ -2261,7 +1916,7 @@
           <p:cNvPr id="2" name="Title 1">
             <a:extLst>
               <a:ext uri="{FF2B5EF4-FFF2-40B4-BE49-F238E27FC236}">
-                <a16:creationId xmlns:a16="http://schemas.microsoft.com/office/drawing/2014/main" id="{1359DFC1-1F20-4840-BC81-FE2FA8D6AA53}"/>
+                <a16:creationId xmlns:a16="http://schemas.microsoft.com/office/drawing/2014/main" id="{EA887180-3CA5-4815-BA62-9D0337F1784A}"/>
               </a:ext>
             </a:extLst>
           </p:cNvPr>
@@ -2289,7 +1944,7 @@
           <p:cNvPr id="3" name="Date Placeholder 2">
             <a:extLst>
               <a:ext uri="{FF2B5EF4-FFF2-40B4-BE49-F238E27FC236}">
-                <a16:creationId xmlns:a16="http://schemas.microsoft.com/office/drawing/2014/main" id="{6BF049C4-F8F7-474D-BC27-0793020895E4}"/>
+                <a16:creationId xmlns:a16="http://schemas.microsoft.com/office/drawing/2014/main" id="{0783C77D-1B0A-4D0C-A600-73F8B374CB5C}"/>
               </a:ext>
             </a:extLst>
           </p:cNvPr>
@@ -2305,11 +1960,11 @@
           <a:bodyPr/>
           <a:lstStyle/>
           <a:p>
-            <a:fld id="{A27A77CC-FB09-4EFC-876C-E941EE899236}" type="datetimeFigureOut">
+            <a:fld id="{0EA19C39-5669-4E08-92A4-F474C70FB886}" type="datetimeFigureOut">
               <a:rPr lang="en-US" smtClean="0"/>
-              <a:t>12/14/2020</a:t>
+              <a:t>12/15/2020</a:t>
             </a:fld>
-            <a:endParaRPr lang="en-US" dirty="0"/>
+            <a:endParaRPr lang="en-US"/>
           </a:p>
         </p:txBody>
       </p:sp>
@@ -2318,7 +1973,7 @@
           <p:cNvPr id="4" name="Footer Placeholder 3">
             <a:extLst>
               <a:ext uri="{FF2B5EF4-FFF2-40B4-BE49-F238E27FC236}">
-                <a16:creationId xmlns:a16="http://schemas.microsoft.com/office/drawing/2014/main" id="{16C9D345-A0A9-4A17-B93C-D67EAE0B4E2E}"/>
+                <a16:creationId xmlns:a16="http://schemas.microsoft.com/office/drawing/2014/main" id="{1E3B38D6-25DC-4E2A-B879-C43A7E66F648}"/>
               </a:ext>
             </a:extLst>
           </p:cNvPr>
@@ -2334,7 +1989,7 @@
           <a:bodyPr/>
           <a:lstStyle/>
           <a:p>
-            <a:endParaRPr lang="en-US" dirty="0"/>
+            <a:endParaRPr lang="en-US"/>
           </a:p>
         </p:txBody>
       </p:sp>
@@ -2343,7 +1998,7 @@
           <p:cNvPr id="5" name="Slide Number Placeholder 4">
             <a:extLst>
               <a:ext uri="{FF2B5EF4-FFF2-40B4-BE49-F238E27FC236}">
-                <a16:creationId xmlns:a16="http://schemas.microsoft.com/office/drawing/2014/main" id="{FF7AFD1E-07AA-4590-9C07-1934AC82A4DF}"/>
+                <a16:creationId xmlns:a16="http://schemas.microsoft.com/office/drawing/2014/main" id="{EF73BAFB-42F9-487B-8D11-8FC1D03BE257}"/>
               </a:ext>
             </a:extLst>
           </p:cNvPr>
@@ -2359,18 +2014,18 @@
           <a:bodyPr/>
           <a:lstStyle/>
           <a:p>
-            <a:fld id="{57EA436C-F167-4147-8EF9-66389B236328}" type="slidenum">
+            <a:fld id="{D03E4D9D-4565-4103-96D6-3BE4E35F0736}" type="slidenum">
               <a:rPr lang="en-US" smtClean="0"/>
               <a:t>‹#›</a:t>
             </a:fld>
-            <a:endParaRPr lang="en-US" dirty="0"/>
+            <a:endParaRPr lang="en-US"/>
           </a:p>
         </p:txBody>
       </p:sp>
     </p:spTree>
     <p:extLst>
       <p:ext uri="{BB962C8B-B14F-4D97-AF65-F5344CB8AC3E}">
-        <p14:creationId xmlns:p14="http://schemas.microsoft.com/office/powerpoint/2010/main" val="3031545932"/>
+        <p14:creationId xmlns:p14="http://schemas.microsoft.com/office/powerpoint/2010/main" val="2981261455"/>
       </p:ext>
     </p:extLst>
   </p:cSld>
@@ -2402,7 +2057,7 @@
           <p:cNvPr id="2" name="Date Placeholder 1">
             <a:extLst>
               <a:ext uri="{FF2B5EF4-FFF2-40B4-BE49-F238E27FC236}">
-                <a16:creationId xmlns:a16="http://schemas.microsoft.com/office/drawing/2014/main" id="{F559AFD6-48F3-4C99-976A-223780FCF146}"/>
+                <a16:creationId xmlns:a16="http://schemas.microsoft.com/office/drawing/2014/main" id="{604C8B60-C797-4553-93B8-97B16642AC02}"/>
               </a:ext>
             </a:extLst>
           </p:cNvPr>
@@ -2418,11 +2073,11 @@
           <a:bodyPr/>
           <a:lstStyle/>
           <a:p>
-            <a:fld id="{A27A77CC-FB09-4EFC-876C-E941EE899236}" type="datetimeFigureOut">
+            <a:fld id="{0EA19C39-5669-4E08-92A4-F474C70FB886}" type="datetimeFigureOut">
               <a:rPr lang="en-US" smtClean="0"/>
-              <a:t>12/14/2020</a:t>
+              <a:t>12/15/2020</a:t>
             </a:fld>
-            <a:endParaRPr lang="en-US" dirty="0"/>
+            <a:endParaRPr lang="en-US"/>
           </a:p>
         </p:txBody>
       </p:sp>
@@ -2431,7 +2086,7 @@
           <p:cNvPr id="3" name="Footer Placeholder 2">
             <a:extLst>
               <a:ext uri="{FF2B5EF4-FFF2-40B4-BE49-F238E27FC236}">
-                <a16:creationId xmlns:a16="http://schemas.microsoft.com/office/drawing/2014/main" id="{FB3BEB25-CC28-4823-8A73-CA6EFDAF7924}"/>
+                <a16:creationId xmlns:a16="http://schemas.microsoft.com/office/drawing/2014/main" id="{0A048DB2-6013-4BA1-A85D-849AD0A9C715}"/>
               </a:ext>
             </a:extLst>
           </p:cNvPr>
@@ -2447,7 +2102,7 @@
           <a:bodyPr/>
           <a:lstStyle/>
           <a:p>
-            <a:endParaRPr lang="en-US" dirty="0"/>
+            <a:endParaRPr lang="en-US"/>
           </a:p>
         </p:txBody>
       </p:sp>
@@ -2456,7 +2111,7 @@
           <p:cNvPr id="4" name="Slide Number Placeholder 3">
             <a:extLst>
               <a:ext uri="{FF2B5EF4-FFF2-40B4-BE49-F238E27FC236}">
-                <a16:creationId xmlns:a16="http://schemas.microsoft.com/office/drawing/2014/main" id="{D156C43E-702F-4E5F-BC85-DECD882340B8}"/>
+                <a16:creationId xmlns:a16="http://schemas.microsoft.com/office/drawing/2014/main" id="{0F937AE7-9B37-4F83-ABF6-C8CF8ACE1119}"/>
               </a:ext>
             </a:extLst>
           </p:cNvPr>
@@ -2472,18 +2127,18 @@
           <a:bodyPr/>
           <a:lstStyle/>
           <a:p>
-            <a:fld id="{57EA436C-F167-4147-8EF9-66389B236328}" type="slidenum">
+            <a:fld id="{D03E4D9D-4565-4103-96D6-3BE4E35F0736}" type="slidenum">
               <a:rPr lang="en-US" smtClean="0"/>
               <a:t>‹#›</a:t>
             </a:fld>
-            <a:endParaRPr lang="en-US" dirty="0"/>
+            <a:endParaRPr lang="en-US"/>
           </a:p>
         </p:txBody>
       </p:sp>
     </p:spTree>
     <p:extLst>
       <p:ext uri="{BB962C8B-B14F-4D97-AF65-F5344CB8AC3E}">
-        <p14:creationId xmlns:p14="http://schemas.microsoft.com/office/powerpoint/2010/main" val="58808039"/>
+        <p14:creationId xmlns:p14="http://schemas.microsoft.com/office/powerpoint/2010/main" val="359844629"/>
       </p:ext>
     </p:extLst>
   </p:cSld>
@@ -2515,7 +2170,7 @@
           <p:cNvPr id="2" name="Title 1">
             <a:extLst>
               <a:ext uri="{FF2B5EF4-FFF2-40B4-BE49-F238E27FC236}">
-                <a16:creationId xmlns:a16="http://schemas.microsoft.com/office/drawing/2014/main" id="{0F50F242-1F29-479F-94C9-B0C9B2541762}"/>
+                <a16:creationId xmlns:a16="http://schemas.microsoft.com/office/drawing/2014/main" id="{B284D721-C27E-4B62-AD9C-D21E863338A9}"/>
               </a:ext>
             </a:extLst>
           </p:cNvPr>
@@ -2552,7 +2207,7 @@
           <p:cNvPr id="3" name="Content Placeholder 2">
             <a:extLst>
               <a:ext uri="{FF2B5EF4-FFF2-40B4-BE49-F238E27FC236}">
-                <a16:creationId xmlns:a16="http://schemas.microsoft.com/office/drawing/2014/main" id="{B5E659B2-409F-44B2-A6E9-20CC72BFC3A1}"/>
+                <a16:creationId xmlns:a16="http://schemas.microsoft.com/office/drawing/2014/main" id="{5DC43E37-0366-4B19-AC39-24B887943AD9}"/>
               </a:ext>
             </a:extLst>
           </p:cNvPr>
@@ -2642,7 +2297,7 @@
           <p:cNvPr id="4" name="Text Placeholder 3">
             <a:extLst>
               <a:ext uri="{FF2B5EF4-FFF2-40B4-BE49-F238E27FC236}">
-                <a16:creationId xmlns:a16="http://schemas.microsoft.com/office/drawing/2014/main" id="{3BB11718-9528-4DE6-A327-AEECACE94A6A}"/>
+                <a16:creationId xmlns:a16="http://schemas.microsoft.com/office/drawing/2014/main" id="{B89042CA-40C1-4090-8B8C-4175B015723E}"/>
               </a:ext>
             </a:extLst>
           </p:cNvPr>
@@ -2713,7 +2368,7 @@
           <p:cNvPr id="5" name="Date Placeholder 4">
             <a:extLst>
               <a:ext uri="{FF2B5EF4-FFF2-40B4-BE49-F238E27FC236}">
-                <a16:creationId xmlns:a16="http://schemas.microsoft.com/office/drawing/2014/main" id="{7C6F5652-D7E9-4A10-9B78-1DCDF9FFCA48}"/>
+                <a16:creationId xmlns:a16="http://schemas.microsoft.com/office/drawing/2014/main" id="{A0A8BB3E-2E41-4B78-8962-766987739FDA}"/>
               </a:ext>
             </a:extLst>
           </p:cNvPr>
@@ -2729,11 +2384,11 @@
           <a:bodyPr/>
           <a:lstStyle/>
           <a:p>
-            <a:fld id="{A27A77CC-FB09-4EFC-876C-E941EE899236}" type="datetimeFigureOut">
+            <a:fld id="{0EA19C39-5669-4E08-92A4-F474C70FB886}" type="datetimeFigureOut">
               <a:rPr lang="en-US" smtClean="0"/>
-              <a:t>12/14/2020</a:t>
+              <a:t>12/15/2020</a:t>
             </a:fld>
-            <a:endParaRPr lang="en-US" dirty="0"/>
+            <a:endParaRPr lang="en-US"/>
           </a:p>
         </p:txBody>
       </p:sp>
@@ -2742,7 +2397,7 @@
           <p:cNvPr id="6" name="Footer Placeholder 5">
             <a:extLst>
               <a:ext uri="{FF2B5EF4-FFF2-40B4-BE49-F238E27FC236}">
-                <a16:creationId xmlns:a16="http://schemas.microsoft.com/office/drawing/2014/main" id="{BE5B962A-A94F-4C59-8B2A-82EEBDC218E5}"/>
+                <a16:creationId xmlns:a16="http://schemas.microsoft.com/office/drawing/2014/main" id="{EF579C7B-62E6-42C0-918C-BCDB82DF60C0}"/>
               </a:ext>
             </a:extLst>
           </p:cNvPr>
@@ -2758,7 +2413,7 @@
           <a:bodyPr/>
           <a:lstStyle/>
           <a:p>
-            <a:endParaRPr lang="en-US" dirty="0"/>
+            <a:endParaRPr lang="en-US"/>
           </a:p>
         </p:txBody>
       </p:sp>
@@ -2767,7 +2422,7 @@
           <p:cNvPr id="7" name="Slide Number Placeholder 6">
             <a:extLst>
               <a:ext uri="{FF2B5EF4-FFF2-40B4-BE49-F238E27FC236}">
-                <a16:creationId xmlns:a16="http://schemas.microsoft.com/office/drawing/2014/main" id="{308F751C-80BB-43AA-87F4-917C06CC4F76}"/>
+                <a16:creationId xmlns:a16="http://schemas.microsoft.com/office/drawing/2014/main" id="{5CD5930C-8217-4609-97D5-25AAB04D0854}"/>
               </a:ext>
             </a:extLst>
           </p:cNvPr>
@@ -2783,18 +2438,18 @@
           <a:bodyPr/>
           <a:lstStyle/>
           <a:p>
-            <a:fld id="{57EA436C-F167-4147-8EF9-66389B236328}" type="slidenum">
+            <a:fld id="{D03E4D9D-4565-4103-96D6-3BE4E35F0736}" type="slidenum">
               <a:rPr lang="en-US" smtClean="0"/>
               <a:t>‹#›</a:t>
             </a:fld>
-            <a:endParaRPr lang="en-US" dirty="0"/>
+            <a:endParaRPr lang="en-US"/>
           </a:p>
         </p:txBody>
       </p:sp>
     </p:spTree>
     <p:extLst>
       <p:ext uri="{BB962C8B-B14F-4D97-AF65-F5344CB8AC3E}">
-        <p14:creationId xmlns:p14="http://schemas.microsoft.com/office/powerpoint/2010/main" val="2705625988"/>
+        <p14:creationId xmlns:p14="http://schemas.microsoft.com/office/powerpoint/2010/main" val="658602099"/>
       </p:ext>
     </p:extLst>
   </p:cSld>
@@ -2826,7 +2481,7 @@
           <p:cNvPr id="2" name="Title 1">
             <a:extLst>
               <a:ext uri="{FF2B5EF4-FFF2-40B4-BE49-F238E27FC236}">
-                <a16:creationId xmlns:a16="http://schemas.microsoft.com/office/drawing/2014/main" id="{51202C59-7C36-4371-A677-C25636A4AAA8}"/>
+                <a16:creationId xmlns:a16="http://schemas.microsoft.com/office/drawing/2014/main" id="{DC987C93-3F65-47D1-A981-BF93502F2AD3}"/>
               </a:ext>
             </a:extLst>
           </p:cNvPr>
@@ -2863,7 +2518,7 @@
           <p:cNvPr id="3" name="Picture Placeholder 2">
             <a:extLst>
               <a:ext uri="{FF2B5EF4-FFF2-40B4-BE49-F238E27FC236}">
-                <a16:creationId xmlns:a16="http://schemas.microsoft.com/office/drawing/2014/main" id="{848A1962-F5A9-404B-B018-84B20DA173E4}"/>
+                <a16:creationId xmlns:a16="http://schemas.microsoft.com/office/drawing/2014/main" id="{A5E6C327-E9B3-4C80-9305-9E80172B9995}"/>
               </a:ext>
             </a:extLst>
           </p:cNvPr>
@@ -2921,7 +2576,7 @@
             </a:lvl9pPr>
           </a:lstStyle>
           <a:p>
-            <a:endParaRPr lang="en-US" dirty="0"/>
+            <a:endParaRPr lang="en-US"/>
           </a:p>
         </p:txBody>
       </p:sp>
@@ -2930,7 +2585,7 @@
           <p:cNvPr id="4" name="Text Placeholder 3">
             <a:extLst>
               <a:ext uri="{FF2B5EF4-FFF2-40B4-BE49-F238E27FC236}">
-                <a16:creationId xmlns:a16="http://schemas.microsoft.com/office/drawing/2014/main" id="{D12B4981-F819-4CE9-BB2E-AE4171C1BEE3}"/>
+                <a16:creationId xmlns:a16="http://schemas.microsoft.com/office/drawing/2014/main" id="{E6A38691-ACA8-45ED-91E4-6C23C4F3FF4F}"/>
               </a:ext>
             </a:extLst>
           </p:cNvPr>
@@ -3001,7 +2656,7 @@
           <p:cNvPr id="5" name="Date Placeholder 4">
             <a:extLst>
               <a:ext uri="{FF2B5EF4-FFF2-40B4-BE49-F238E27FC236}">
-                <a16:creationId xmlns:a16="http://schemas.microsoft.com/office/drawing/2014/main" id="{5D3FA26A-80BC-4E40-8A4F-D83842A82EF5}"/>
+                <a16:creationId xmlns:a16="http://schemas.microsoft.com/office/drawing/2014/main" id="{645B0134-FC93-4805-9479-AD6FD3F1F948}"/>
               </a:ext>
             </a:extLst>
           </p:cNvPr>
@@ -3017,11 +2672,11 @@
           <a:bodyPr/>
           <a:lstStyle/>
           <a:p>
-            <a:fld id="{A27A77CC-FB09-4EFC-876C-E941EE899236}" type="datetimeFigureOut">
+            <a:fld id="{0EA19C39-5669-4E08-92A4-F474C70FB886}" type="datetimeFigureOut">
               <a:rPr lang="en-US" smtClean="0"/>
-              <a:t>12/14/2020</a:t>
+              <a:t>12/15/2020</a:t>
             </a:fld>
-            <a:endParaRPr lang="en-US" dirty="0"/>
+            <a:endParaRPr lang="en-US"/>
           </a:p>
         </p:txBody>
       </p:sp>
@@ -3030,7 +2685,7 @@
           <p:cNvPr id="6" name="Footer Placeholder 5">
             <a:extLst>
               <a:ext uri="{FF2B5EF4-FFF2-40B4-BE49-F238E27FC236}">
-                <a16:creationId xmlns:a16="http://schemas.microsoft.com/office/drawing/2014/main" id="{E636C25E-0735-48BA-BEFC-77E2148C0785}"/>
+                <a16:creationId xmlns:a16="http://schemas.microsoft.com/office/drawing/2014/main" id="{6C67D648-67DA-4C76-8DA2-27CA723B7690}"/>
               </a:ext>
             </a:extLst>
           </p:cNvPr>
@@ -3046,7 +2701,7 @@
           <a:bodyPr/>
           <a:lstStyle/>
           <a:p>
-            <a:endParaRPr lang="en-US" dirty="0"/>
+            <a:endParaRPr lang="en-US"/>
           </a:p>
         </p:txBody>
       </p:sp>
@@ -3055,7 +2710,7 @@
           <p:cNvPr id="7" name="Slide Number Placeholder 6">
             <a:extLst>
               <a:ext uri="{FF2B5EF4-FFF2-40B4-BE49-F238E27FC236}">
-                <a16:creationId xmlns:a16="http://schemas.microsoft.com/office/drawing/2014/main" id="{7EB4494F-29F7-4D32-AF1C-D3A2EC370D8C}"/>
+                <a16:creationId xmlns:a16="http://schemas.microsoft.com/office/drawing/2014/main" id="{F1CC5D8F-EB9A-4F2F-A60C-C622115BA3DC}"/>
               </a:ext>
             </a:extLst>
           </p:cNvPr>
@@ -3071,18 +2726,18 @@
           <a:bodyPr/>
           <a:lstStyle/>
           <a:p>
-            <a:fld id="{57EA436C-F167-4147-8EF9-66389B236328}" type="slidenum">
+            <a:fld id="{D03E4D9D-4565-4103-96D6-3BE4E35F0736}" type="slidenum">
               <a:rPr lang="en-US" smtClean="0"/>
               <a:t>‹#›</a:t>
             </a:fld>
-            <a:endParaRPr lang="en-US" dirty="0"/>
+            <a:endParaRPr lang="en-US"/>
           </a:p>
         </p:txBody>
       </p:sp>
     </p:spTree>
     <p:extLst>
       <p:ext uri="{BB962C8B-B14F-4D97-AF65-F5344CB8AC3E}">
-        <p14:creationId xmlns:p14="http://schemas.microsoft.com/office/powerpoint/2010/main" val="3476171998"/>
+        <p14:creationId xmlns:p14="http://schemas.microsoft.com/office/powerpoint/2010/main" val="1319094619"/>
       </p:ext>
     </p:extLst>
   </p:cSld>
@@ -3119,7 +2774,7 @@
           <p:cNvPr id="2" name="Title Placeholder 1">
             <a:extLst>
               <a:ext uri="{FF2B5EF4-FFF2-40B4-BE49-F238E27FC236}">
-                <a16:creationId xmlns:a16="http://schemas.microsoft.com/office/drawing/2014/main" id="{D84C6818-236B-447D-A591-24CCB43EDFB6}"/>
+                <a16:creationId xmlns:a16="http://schemas.microsoft.com/office/drawing/2014/main" id="{6730D5FA-9AEA-490C-AC3E-27EC4ED61975}"/>
               </a:ext>
             </a:extLst>
           </p:cNvPr>
@@ -3157,7 +2812,7 @@
           <p:cNvPr id="3" name="Text Placeholder 2">
             <a:extLst>
               <a:ext uri="{FF2B5EF4-FFF2-40B4-BE49-F238E27FC236}">
-                <a16:creationId xmlns:a16="http://schemas.microsoft.com/office/drawing/2014/main" id="{A948A563-1AEC-42C6-9DF1-AB714CB154DB}"/>
+                <a16:creationId xmlns:a16="http://schemas.microsoft.com/office/drawing/2014/main" id="{A5696B9C-CA51-40F0-AD7C-6E8FDA2AC846}"/>
               </a:ext>
             </a:extLst>
           </p:cNvPr>
@@ -3224,7 +2879,7 @@
           <p:cNvPr id="4" name="Date Placeholder 3">
             <a:extLst>
               <a:ext uri="{FF2B5EF4-FFF2-40B4-BE49-F238E27FC236}">
-                <a16:creationId xmlns:a16="http://schemas.microsoft.com/office/drawing/2014/main" id="{A97F0E3C-F34B-41F9-9B8B-3A0DDC774A52}"/>
+                <a16:creationId xmlns:a16="http://schemas.microsoft.com/office/drawing/2014/main" id="{F0BE7118-B251-4647-83DF-086AE38CA9C2}"/>
               </a:ext>
             </a:extLst>
           </p:cNvPr>
@@ -3258,11 +2913,11 @@
             </a:lvl1pPr>
           </a:lstStyle>
           <a:p>
-            <a:fld id="{A27A77CC-FB09-4EFC-876C-E941EE899236}" type="datetimeFigureOut">
+            <a:fld id="{0EA19C39-5669-4E08-92A4-F474C70FB886}" type="datetimeFigureOut">
               <a:rPr lang="en-US" smtClean="0"/>
-              <a:t>12/14/2020</a:t>
+              <a:t>12/15/2020</a:t>
             </a:fld>
-            <a:endParaRPr lang="en-US" dirty="0"/>
+            <a:endParaRPr lang="en-US"/>
           </a:p>
         </p:txBody>
       </p:sp>
@@ -3271,7 +2926,7 @@
           <p:cNvPr id="5" name="Footer Placeholder 4">
             <a:extLst>
               <a:ext uri="{FF2B5EF4-FFF2-40B4-BE49-F238E27FC236}">
-                <a16:creationId xmlns:a16="http://schemas.microsoft.com/office/drawing/2014/main" id="{DA5C66AB-8282-4EB7-94CD-D4CDC029BF57}"/>
+                <a16:creationId xmlns:a16="http://schemas.microsoft.com/office/drawing/2014/main" id="{C7DEE5F2-A599-4412-8B6B-D5935F5AC52D}"/>
               </a:ext>
             </a:extLst>
           </p:cNvPr>
@@ -3305,7 +2960,7 @@
             </a:lvl1pPr>
           </a:lstStyle>
           <a:p>
-            <a:endParaRPr lang="en-US" dirty="0"/>
+            <a:endParaRPr lang="en-US"/>
           </a:p>
         </p:txBody>
       </p:sp>
@@ -3314,7 +2969,7 @@
           <p:cNvPr id="6" name="Slide Number Placeholder 5">
             <a:extLst>
               <a:ext uri="{FF2B5EF4-FFF2-40B4-BE49-F238E27FC236}">
-                <a16:creationId xmlns:a16="http://schemas.microsoft.com/office/drawing/2014/main" id="{86F1C5D6-0920-4FB7-A7A9-2FF3A6F208D1}"/>
+                <a16:creationId xmlns:a16="http://schemas.microsoft.com/office/drawing/2014/main" id="{9B474AFA-37B3-4864-8C93-C5D9C1587D81}"/>
               </a:ext>
             </a:extLst>
           </p:cNvPr>
@@ -3348,18 +3003,18 @@
             </a:lvl1pPr>
           </a:lstStyle>
           <a:p>
-            <a:fld id="{57EA436C-F167-4147-8EF9-66389B236328}" type="slidenum">
+            <a:fld id="{D03E4D9D-4565-4103-96D6-3BE4E35F0736}" type="slidenum">
               <a:rPr lang="en-US" smtClean="0"/>
               <a:t>‹#›</a:t>
             </a:fld>
-            <a:endParaRPr lang="en-US" dirty="0"/>
+            <a:endParaRPr lang="en-US"/>
           </a:p>
         </p:txBody>
       </p:sp>
     </p:spTree>
     <p:extLst>
       <p:ext uri="{BB962C8B-B14F-4D97-AF65-F5344CB8AC3E}">
-        <p14:creationId xmlns:p14="http://schemas.microsoft.com/office/powerpoint/2010/main" val="790082763"/>
+        <p14:creationId xmlns:p14="http://schemas.microsoft.com/office/powerpoint/2010/main" val="2992363232"/>
       </p:ext>
     </p:extLst>
   </p:cSld>
@@ -3682,7 +3337,7 @@
           <p:cNvPr id="3" name="Subtitle 2">
             <a:extLst>
               <a:ext uri="{FF2B5EF4-FFF2-40B4-BE49-F238E27FC236}">
-                <a16:creationId xmlns:a16="http://schemas.microsoft.com/office/drawing/2014/main" id="{8B3C5755-7676-4E75-99E1-A5F5952959AC}"/>
+                <a16:creationId xmlns:a16="http://schemas.microsoft.com/office/drawing/2014/main" id="{B30612CE-2569-4569-8CC3-131C4F6164BA}"/>
               </a:ext>
             </a:extLst>
           </p:cNvPr>
@@ -3695,47 +3350,215 @@
         </p:nvSpPr>
         <p:spPr>
           <a:xfrm>
-            <a:off x="1524000" y="4273842"/>
-            <a:ext cx="9144000" cy="1655762"/>
+            <a:off x="9404059" y="4748169"/>
+            <a:ext cx="2787941" cy="2223083"/>
           </a:xfrm>
         </p:spPr>
         <p:txBody>
           <a:bodyPr>
-            <a:normAutofit lnSpcReduction="10000"/>
+            <a:normAutofit/>
           </a:bodyPr>
           <a:lstStyle/>
           <a:p>
             <a:r>
-              <a:rPr lang="en-US" b="1" dirty="0"/>
-              <a:t>Group 5 Members:</a:t>
-            </a:r>
-          </a:p>
-          <a:p>
-            <a:r>
-              <a:rPr lang="en-US" dirty="0"/>
-              <a:t>Jennifer Darby</a:t>
-            </a:r>
-          </a:p>
-          <a:p>
-            <a:r>
-              <a:rPr lang="en-US" dirty="0"/>
+              <a:rPr lang="en-US" dirty="0">
+                <a:solidFill>
+                  <a:schemeClr val="bg1"/>
+                </a:solidFill>
+                <a:latin typeface="Cambria Math" panose="02040503050406030204" pitchFamily="18" charset="0"/>
+                <a:ea typeface="Cambria Math" panose="02040503050406030204" pitchFamily="18" charset="0"/>
+              </a:rPr>
+              <a:t>Group 9</a:t>
+            </a:r>
+          </a:p>
+          <a:p>
+            <a:pPr marL="0" marR="0" algn="ctr">
+              <a:lnSpc>
+                <a:spcPct val="107000"/>
+              </a:lnSpc>
+              <a:spcBef>
+                <a:spcPts val="0"/>
+              </a:spcBef>
+              <a:spcAft>
+                <a:spcPts val="0"/>
+              </a:spcAft>
+            </a:pPr>
+            <a:r>
+              <a:rPr lang="en-US" sz="1800" u="sng" dirty="0">
+                <a:solidFill>
+                  <a:schemeClr val="bg1"/>
+                </a:solidFill>
+                <a:effectLst/>
+                <a:latin typeface="Cambria Math" panose="02040503050406030204" pitchFamily="18" charset="0"/>
+                <a:ea typeface="Cambria Math" panose="02040503050406030204" pitchFamily="18" charset="0"/>
+                <a:cs typeface="Times New Roman" panose="02020603050405020304" pitchFamily="18" charset="0"/>
+              </a:rPr>
+              <a:t>Team Members:</a:t>
+            </a:r>
+            <a:endParaRPr lang="en-US" sz="1800" dirty="0">
+              <a:solidFill>
+                <a:schemeClr val="bg1"/>
+              </a:solidFill>
+              <a:effectLst/>
+              <a:latin typeface="Cambria Math" panose="02040503050406030204" pitchFamily="18" charset="0"/>
+              <a:ea typeface="Cambria Math" panose="02040503050406030204" pitchFamily="18" charset="0"/>
+              <a:cs typeface="Times New Roman" panose="02020603050405020304" pitchFamily="18" charset="0"/>
+            </a:endParaRPr>
+          </a:p>
+          <a:p>
+            <a:pPr marL="0" marR="0" algn="ctr">
+              <a:spcBef>
+                <a:spcPts val="0"/>
+              </a:spcBef>
+              <a:spcAft>
+                <a:spcPts val="0"/>
+              </a:spcAft>
+            </a:pPr>
+            <a:r>
+              <a:rPr lang="en-US" sz="1800" dirty="0">
+                <a:solidFill>
+                  <a:schemeClr val="bg1"/>
+                </a:solidFill>
+                <a:effectLst/>
+                <a:latin typeface="Cambria Math" panose="02040503050406030204" pitchFamily="18" charset="0"/>
+                <a:ea typeface="Cambria Math" panose="02040503050406030204" pitchFamily="18" charset="0"/>
+              </a:rPr>
+              <a:t>Emeka </a:t>
+            </a:r>
+            <a:r>
+              <a:rPr lang="en-US" sz="1800" dirty="0" err="1">
+                <a:solidFill>
+                  <a:schemeClr val="bg1"/>
+                </a:solidFill>
+                <a:effectLst/>
+                <a:latin typeface="Cambria Math" panose="02040503050406030204" pitchFamily="18" charset="0"/>
+                <a:ea typeface="Cambria Math" panose="02040503050406030204" pitchFamily="18" charset="0"/>
+              </a:rPr>
+              <a:t>Obianyor</a:t>
+            </a:r>
+            <a:endParaRPr lang="en-US" sz="1800" dirty="0">
+              <a:solidFill>
+                <a:schemeClr val="bg1"/>
+              </a:solidFill>
+              <a:effectLst/>
+              <a:latin typeface="Cambria Math" panose="02040503050406030204" pitchFamily="18" charset="0"/>
+              <a:ea typeface="Cambria Math" panose="02040503050406030204" pitchFamily="18" charset="0"/>
+            </a:endParaRPr>
+          </a:p>
+          <a:p>
+            <a:pPr marL="0" marR="0" algn="ctr">
+              <a:spcBef>
+                <a:spcPts val="0"/>
+              </a:spcBef>
+              <a:spcAft>
+                <a:spcPts val="0"/>
+              </a:spcAft>
+            </a:pPr>
+            <a:r>
+              <a:rPr lang="en-US" sz="1800" dirty="0">
+                <a:solidFill>
+                  <a:schemeClr val="bg1"/>
+                </a:solidFill>
+                <a:effectLst/>
+                <a:latin typeface="Cambria Math" panose="02040503050406030204" pitchFamily="18" charset="0"/>
+                <a:ea typeface="Cambria Math" panose="02040503050406030204" pitchFamily="18" charset="0"/>
+              </a:rPr>
+              <a:t>Kiran Mundae</a:t>
+            </a:r>
+          </a:p>
+          <a:p>
+            <a:pPr marL="0" marR="0" algn="ctr">
+              <a:spcBef>
+                <a:spcPts val="0"/>
+              </a:spcBef>
+              <a:spcAft>
+                <a:spcPts val="0"/>
+              </a:spcAft>
+            </a:pPr>
+            <a:r>
+              <a:rPr lang="en-US" sz="1800" dirty="0">
+                <a:solidFill>
+                  <a:schemeClr val="bg1"/>
+                </a:solidFill>
+                <a:effectLst/>
+                <a:latin typeface="Cambria Math" panose="02040503050406030204" pitchFamily="18" charset="0"/>
+                <a:ea typeface="Cambria Math" panose="02040503050406030204" pitchFamily="18" charset="0"/>
+              </a:rPr>
+              <a:t>Charles Robinson</a:t>
+            </a:r>
+          </a:p>
+          <a:p>
+            <a:pPr marL="0" marR="0" algn="ctr">
+              <a:spcBef>
+                <a:spcPts val="0"/>
+              </a:spcBef>
+              <a:spcAft>
+                <a:spcPts val="0"/>
+              </a:spcAft>
+            </a:pPr>
+            <a:r>
+              <a:rPr lang="en-US" sz="1800" dirty="0">
+                <a:solidFill>
+                  <a:schemeClr val="bg1"/>
+                </a:solidFill>
+                <a:effectLst/>
+                <a:latin typeface="Cambria Math" panose="02040503050406030204" pitchFamily="18" charset="0"/>
+                <a:ea typeface="Cambria Math" panose="02040503050406030204" pitchFamily="18" charset="0"/>
+              </a:rPr>
+              <a:t>Nick </a:t>
+            </a:r>
+            <a:r>
+              <a:rPr lang="en-US" sz="1800" dirty="0" err="1">
+                <a:solidFill>
+                  <a:schemeClr val="bg1"/>
+                </a:solidFill>
+                <a:effectLst/>
+                <a:latin typeface="Cambria Math" panose="02040503050406030204" pitchFamily="18" charset="0"/>
+                <a:ea typeface="Cambria Math" panose="02040503050406030204" pitchFamily="18" charset="0"/>
+              </a:rPr>
+              <a:t>Orewiler</a:t>
+            </a:r>
+            <a:endParaRPr lang="en-US" sz="1800" dirty="0">
+              <a:solidFill>
+                <a:schemeClr val="bg1"/>
+              </a:solidFill>
+              <a:effectLst/>
+              <a:latin typeface="Cambria Math" panose="02040503050406030204" pitchFamily="18" charset="0"/>
+              <a:ea typeface="Cambria Math" panose="02040503050406030204" pitchFamily="18" charset="0"/>
+            </a:endParaRPr>
+          </a:p>
+          <a:p>
+            <a:pPr marL="0" marR="0" algn="ctr">
+              <a:spcBef>
+                <a:spcPts val="0"/>
+              </a:spcBef>
+              <a:spcAft>
+                <a:spcPts val="0"/>
+              </a:spcAft>
+            </a:pPr>
+            <a:r>
+              <a:rPr lang="en-US" sz="1800" dirty="0">
+                <a:solidFill>
+                  <a:schemeClr val="bg1"/>
+                </a:solidFill>
+                <a:effectLst/>
+                <a:latin typeface="Cambria Math" panose="02040503050406030204" pitchFamily="18" charset="0"/>
+                <a:ea typeface="Cambria Math" panose="02040503050406030204" pitchFamily="18" charset="0"/>
+              </a:rPr>
               <a:t>Sadie Barnett-Boudreau</a:t>
             </a:r>
           </a:p>
           <a:p>
-            <a:r>
-              <a:rPr lang="en-US" dirty="0"/>
-              <a:t>Michael Bien</a:t>
-            </a:r>
+            <a:endParaRPr lang="en-US" dirty="0"/>
           </a:p>
         </p:txBody>
       </p:sp>
       <p:pic>
         <p:nvPicPr>
-          <p:cNvPr id="7" name="Picture 6">
-            <a:extLst>
-              <a:ext uri="{FF2B5EF4-FFF2-40B4-BE49-F238E27FC236}">
-                <a16:creationId xmlns:a16="http://schemas.microsoft.com/office/drawing/2014/main" id="{89E76F1E-F145-447D-9053-1B765F1CC86D}"/>
+          <p:cNvPr id="5" name="Picture 4">
+            <a:extLst>
+              <a:ext uri="{FF2B5EF4-FFF2-40B4-BE49-F238E27FC236}">
+                <a16:creationId xmlns:a16="http://schemas.microsoft.com/office/drawing/2014/main" id="{129B9363-0B1F-4AC2-8FFE-9FA239ACC58E}"/>
               </a:ext>
             </a:extLst>
           </p:cNvPr>
@@ -3744,26 +3567,85 @@
           </p:cNvPicPr>
           <p:nvPr/>
         </p:nvPicPr>
-        <p:blipFill>
+        <p:blipFill rotWithShape="1">
           <a:blip r:embed="rId2"/>
-          <a:stretch>
-            <a:fillRect/>
-          </a:stretch>
+          <a:srcRect l="25234" r="27426"/>
+          <a:stretch/>
         </p:blipFill>
         <p:spPr>
           <a:xfrm>
-            <a:off x="895350" y="1290831"/>
-            <a:ext cx="10401300" cy="2428875"/>
+            <a:off x="1" y="-5179"/>
+            <a:ext cx="12192000" cy="6863179"/>
           </a:xfrm>
           <a:prstGeom prst="rect">
             <a:avLst/>
           </a:prstGeom>
         </p:spPr>
       </p:pic>
+      <p:sp>
+        <p:nvSpPr>
+          <p:cNvPr id="2" name="Title 1">
+            <a:extLst>
+              <a:ext uri="{FF2B5EF4-FFF2-40B4-BE49-F238E27FC236}">
+                <a16:creationId xmlns:a16="http://schemas.microsoft.com/office/drawing/2014/main" id="{7FF7EF25-EE49-4FE0-8B43-ECB2B8F94AA7}"/>
+              </a:ext>
+            </a:extLst>
+          </p:cNvPr>
+          <p:cNvSpPr>
+            <a:spLocks noGrp="1"/>
+          </p:cNvSpPr>
+          <p:nvPr>
+            <p:ph type="ctrTitle"/>
+          </p:nvPr>
+        </p:nvSpPr>
+        <p:spPr>
+          <a:xfrm>
+            <a:off x="0" y="980968"/>
+            <a:ext cx="12191999" cy="2574758"/>
+          </a:xfrm>
+          <a:effectLst>
+            <a:innerShdw blurRad="63500" dist="50800" dir="10800000">
+              <a:prstClr val="black">
+                <a:alpha val="50000"/>
+              </a:prstClr>
+            </a:innerShdw>
+          </a:effectLst>
+        </p:spPr>
+        <p:txBody>
+          <a:bodyPr/>
+          <a:lstStyle/>
+          <a:p>
+            <a:r>
+              <a:rPr lang="en-US" b="1" dirty="0">
+                <a:ln w="12700">
+                  <a:solidFill>
+                    <a:schemeClr val="tx1"/>
+                  </a:solidFill>
+                </a:ln>
+                <a:solidFill>
+                  <a:schemeClr val="bg1">
+                    <a:lumMod val="95000"/>
+                  </a:schemeClr>
+                </a:solidFill>
+                <a:effectLst>
+                  <a:glow rad="101600">
+                    <a:srgbClr val="FF0000">
+                      <a:alpha val="60000"/>
+                    </a:srgbClr>
+                  </a:glow>
+                </a:effectLst>
+                <a:latin typeface="Cambria Math" panose="02040503050406030204" pitchFamily="18" charset="0"/>
+                <a:ea typeface="Cambria Math" panose="02040503050406030204" pitchFamily="18" charset="0"/>
+              </a:rPr>
+              <a:t>Are You The Average Gamer?</a:t>
+            </a:r>
+          </a:p>
+        </p:txBody>
+      </p:sp>
     </p:spTree>
     <p:extLst>
       <p:ext uri="{BB962C8B-B14F-4D97-AF65-F5344CB8AC3E}">
-        <p14:creationId xmlns:p14="http://schemas.microsoft.com/office/powerpoint/2010/main" val="3117684533"/>
+        <p14:creationId xmlns:p14="http://schemas.microsoft.com/office/powerpoint/2010/main" val="284160145"/>
       </p:ext>
     </p:extLst>
   </p:cSld>
@@ -3790,131 +3672,266 @@
           <a:chExt cx="0" cy="0"/>
         </a:xfrm>
       </p:grpSpPr>
-      <p:sp>
-        <p:nvSpPr>
-          <p:cNvPr id="2" name="Title 1">
-            <a:extLst>
-              <a:ext uri="{FF2B5EF4-FFF2-40B4-BE49-F238E27FC236}">
-                <a16:creationId xmlns:a16="http://schemas.microsoft.com/office/drawing/2014/main" id="{60C41ADF-50A9-4DEA-9572-9192A1D3F596}"/>
-              </a:ext>
-            </a:extLst>
-          </p:cNvPr>
-          <p:cNvSpPr>
-            <a:spLocks noGrp="1"/>
-          </p:cNvSpPr>
-          <p:nvPr>
-            <p:ph type="title"/>
-          </p:nvPr>
-        </p:nvSpPr>
-        <p:spPr>
-          <a:xfrm>
-            <a:off x="838200" y="365126"/>
-            <a:ext cx="10515600" cy="723842"/>
-          </a:xfrm>
-        </p:spPr>
-        <p:txBody>
-          <a:bodyPr/>
-          <a:lstStyle/>
-          <a:p>
-            <a:r>
-              <a:rPr lang="en-US" dirty="0"/>
-              <a:t>General Premise</a:t>
-            </a:r>
-          </a:p>
-        </p:txBody>
-      </p:sp>
-      <p:sp>
-        <p:nvSpPr>
-          <p:cNvPr id="7" name="AutoShape 4" descr="Installing Jupyter Notebook. please refer to this article if you… | by  Chinmay s yalameli | Medium">
-            <a:extLst>
-              <a:ext uri="{FF2B5EF4-FFF2-40B4-BE49-F238E27FC236}">
-                <a16:creationId xmlns:a16="http://schemas.microsoft.com/office/drawing/2014/main" id="{2640B1FC-BA5F-41CD-A454-94301485699D}"/>
-              </a:ext>
-            </a:extLst>
-          </p:cNvPr>
-          <p:cNvSpPr>
-            <a:spLocks noChangeAspect="1" noChangeArrowheads="1"/>
-          </p:cNvSpPr>
+      <p:pic>
+        <p:nvPicPr>
+          <p:cNvPr id="8" name="Picture 7">
+            <a:extLst>
+              <a:ext uri="{FF2B5EF4-FFF2-40B4-BE49-F238E27FC236}">
+                <a16:creationId xmlns:a16="http://schemas.microsoft.com/office/drawing/2014/main" id="{A6E0DED2-72DF-4CF4-985F-2DFD63779125}"/>
+              </a:ext>
+            </a:extLst>
+          </p:cNvPr>
+          <p:cNvPicPr>
+            <a:picLocks noChangeAspect="1"/>
+          </p:cNvPicPr>
           <p:nvPr/>
-        </p:nvSpPr>
-        <p:spPr bwMode="auto">
-          <a:xfrm>
-            <a:off x="5943600" y="3649824"/>
-            <a:ext cx="304800" cy="304800"/>
+        </p:nvPicPr>
+        <p:blipFill rotWithShape="1">
+          <a:blip r:embed="rId2"/>
+          <a:srcRect l="25234" r="27426"/>
+          <a:stretch/>
+        </p:blipFill>
+        <p:spPr>
+          <a:xfrm>
+            <a:off x="16471" y="-5180"/>
+            <a:ext cx="12192000" cy="6863179"/>
+          </a:xfrm>
+          <a:prstGeom prst="rect">
+            <a:avLst/>
+          </a:prstGeom>
+        </p:spPr>
+      </p:pic>
+      <p:sp>
+        <p:nvSpPr>
+          <p:cNvPr id="7" name="TextBox 6">
+            <a:extLst>
+              <a:ext uri="{FF2B5EF4-FFF2-40B4-BE49-F238E27FC236}">
+                <a16:creationId xmlns:a16="http://schemas.microsoft.com/office/drawing/2014/main" id="{26210799-F858-465D-9B53-7B671225D044}"/>
+              </a:ext>
+            </a:extLst>
+          </p:cNvPr>
+          <p:cNvSpPr txBox="1"/>
+          <p:nvPr/>
+        </p:nvSpPr>
+        <p:spPr>
+          <a:xfrm>
+            <a:off x="599000" y="591770"/>
+            <a:ext cx="11026943" cy="5669280"/>
+          </a:xfrm>
+          <a:prstGeom prst="rect">
+            <a:avLst/>
+          </a:prstGeom>
+          <a:gradFill flip="none" rotWithShape="1">
+            <a:gsLst>
+              <a:gs pos="0">
+                <a:srgbClr val="FFFFFF"/>
+              </a:gs>
+              <a:gs pos="100000">
+                <a:srgbClr val="EAEAEA">
+                  <a:alpha val="48000"/>
+                </a:srgbClr>
+              </a:gs>
+            </a:gsLst>
+            <a:path path="circle">
+              <a:fillToRect l="50000" t="50000" r="50000" b="50000"/>
+            </a:path>
+            <a:tileRect/>
+          </a:gradFill>
+        </p:spPr>
+        <p:txBody>
+          <a:bodyPr wrap="square" rtlCol="0">
+            <a:spAutoFit/>
+          </a:bodyPr>
+          <a:lstStyle/>
+          <a:p>
+            <a:endParaRPr lang="en-US" dirty="0"/>
+          </a:p>
+        </p:txBody>
+      </p:sp>
+      <p:sp>
+        <p:nvSpPr>
+          <p:cNvPr id="9" name="Title 1">
+            <a:extLst>
+              <a:ext uri="{FF2B5EF4-FFF2-40B4-BE49-F238E27FC236}">
+                <a16:creationId xmlns:a16="http://schemas.microsoft.com/office/drawing/2014/main" id="{A97EF7B0-5738-4A03-92D2-93D19CE850AB}"/>
+              </a:ext>
+            </a:extLst>
+          </p:cNvPr>
+          <p:cNvSpPr txBox="1">
+            <a:spLocks/>
+          </p:cNvSpPr>
+          <p:nvPr/>
+        </p:nvSpPr>
+        <p:spPr>
+          <a:xfrm>
+            <a:off x="121920" y="694782"/>
+            <a:ext cx="12070080" cy="921720"/>
+          </a:xfrm>
+          <a:prstGeom prst="rect">
+            <a:avLst/>
+          </a:prstGeom>
+          <a:effectLst>
+            <a:innerShdw blurRad="63500" dist="50800" dir="10800000">
+              <a:prstClr val="black">
+                <a:alpha val="50000"/>
+              </a:prstClr>
+            </a:innerShdw>
+          </a:effectLst>
+        </p:spPr>
+        <p:txBody>
+          <a:bodyPr vert="horz" lIns="91440" tIns="45720" rIns="91440" bIns="45720" rtlCol="0" anchor="ctr">
+            <a:normAutofit/>
+          </a:bodyPr>
+          <a:lstStyle>
+            <a:lvl1pPr algn="l" defTabSz="914400" rtl="0" eaLnBrk="1" latinLnBrk="0" hangingPunct="1">
+              <a:lnSpc>
+                <a:spcPct val="90000"/>
+              </a:lnSpc>
+              <a:spcBef>
+                <a:spcPct val="0"/>
+              </a:spcBef>
+              <a:buNone/>
+              <a:defRPr sz="4400" kern="1200">
+                <a:solidFill>
+                  <a:schemeClr val="tx1"/>
+                </a:solidFill>
+                <a:latin typeface="+mj-lt"/>
+                <a:ea typeface="+mj-ea"/>
+                <a:cs typeface="+mj-cs"/>
+              </a:defRPr>
+            </a:lvl1pPr>
+          </a:lstStyle>
+          <a:p>
+            <a:pPr algn="ctr"/>
+            <a:r>
+              <a:rPr lang="en-US" b="1" dirty="0">
+                <a:ln w="12700">
+                  <a:solidFill>
+                    <a:schemeClr val="tx1"/>
+                  </a:solidFill>
+                </a:ln>
+                <a:solidFill>
+                  <a:schemeClr val="bg1">
+                    <a:lumMod val="95000"/>
+                  </a:schemeClr>
+                </a:solidFill>
+                <a:effectLst>
+                  <a:glow rad="101600">
+                    <a:srgbClr val="FF0000">
+                      <a:alpha val="60000"/>
+                    </a:srgbClr>
+                  </a:glow>
+                </a:effectLst>
+                <a:latin typeface="Cambria Math" panose="02040503050406030204" pitchFamily="18" charset="0"/>
+                <a:ea typeface="Cambria Math" panose="02040503050406030204" pitchFamily="18" charset="0"/>
+              </a:rPr>
+              <a:t>Group 5 Team Members</a:t>
+            </a:r>
+          </a:p>
+        </p:txBody>
+      </p:sp>
+      <p:pic>
+        <p:nvPicPr>
+          <p:cNvPr id="10" name="Picture 9">
+            <a:extLst>
+              <a:ext uri="{FF2B5EF4-FFF2-40B4-BE49-F238E27FC236}">
+                <a16:creationId xmlns:a16="http://schemas.microsoft.com/office/drawing/2014/main" id="{3BB009D8-4152-42E8-8F67-0C989785F633}"/>
+              </a:ext>
+            </a:extLst>
+          </p:cNvPr>
+          <p:cNvPicPr>
+            <a:picLocks noChangeAspect="1"/>
+          </p:cNvPicPr>
+          <p:nvPr/>
+        </p:nvPicPr>
+        <p:blipFill rotWithShape="1">
+          <a:blip r:embed="rId3"/>
+          <a:srcRect b="2086"/>
+          <a:stretch/>
+        </p:blipFill>
+        <p:spPr>
+          <a:xfrm>
+            <a:off x="1156336" y="1801467"/>
+            <a:ext cx="2351087" cy="2038353"/>
+          </a:xfrm>
+          <a:prstGeom prst="rect">
+            <a:avLst/>
+          </a:prstGeom>
+          <a:solidFill>
+            <a:srgbClr val="FFFFFF">
+              <a:shade val="85000"/>
+            </a:srgbClr>
+          </a:solidFill>
+          <a:ln w="88900" cap="sq">
+            <a:solidFill>
+              <a:srgbClr val="FFFFFF"/>
+            </a:solidFill>
+            <a:miter lim="800000"/>
+          </a:ln>
+          <a:effectLst>
+            <a:outerShdw blurRad="55000" dist="18000" dir="5400000" algn="tl" rotWithShape="0">
+              <a:srgbClr val="000000">
+                <a:alpha val="40000"/>
+              </a:srgbClr>
+            </a:outerShdw>
+          </a:effectLst>
+          <a:scene3d>
+            <a:camera prst="orthographicFront"/>
+            <a:lightRig rig="twoPt" dir="t">
+              <a:rot lat="0" lon="0" rev="7200000"/>
+            </a:lightRig>
+          </a:scene3d>
+          <a:sp3d>
+            <a:bevelT w="25400" h="19050"/>
+            <a:contourClr>
+              <a:srgbClr val="FFFFFF"/>
+            </a:contourClr>
+          </a:sp3d>
+        </p:spPr>
+      </p:pic>
+      <p:sp>
+        <p:nvSpPr>
+          <p:cNvPr id="11" name="TextBox 10">
+            <a:extLst>
+              <a:ext uri="{FF2B5EF4-FFF2-40B4-BE49-F238E27FC236}">
+                <a16:creationId xmlns:a16="http://schemas.microsoft.com/office/drawing/2014/main" id="{B81DA133-B47F-47D1-B40B-A31F2B376156}"/>
+              </a:ext>
+            </a:extLst>
+          </p:cNvPr>
+          <p:cNvSpPr txBox="1"/>
+          <p:nvPr/>
+        </p:nvSpPr>
+        <p:spPr>
+          <a:xfrm>
+            <a:off x="925512" y="3839820"/>
+            <a:ext cx="2843861" cy="646331"/>
           </a:xfrm>
           <a:prstGeom prst="rect">
             <a:avLst/>
           </a:prstGeom>
           <a:noFill/>
-          <a:extLst>
-            <a:ext uri="{909E8E84-426E-40DD-AFC4-6F175D3DCCD1}">
-              <a14:hiddenFill xmlns:a14="http://schemas.microsoft.com/office/drawing/2010/main">
-                <a:solidFill>
-                  <a:srgbClr val="FFFFFF"/>
-                </a:solidFill>
-              </a14:hiddenFill>
-            </a:ext>
-          </a:extLst>
-        </p:spPr>
-        <p:txBody>
-          <a:bodyPr vert="horz" wrap="square" lIns="91440" tIns="45720" rIns="91440" bIns="45720" numCol="1" anchor="t" anchorCtr="0" compatLnSpc="1">
-            <a:prstTxWarp prst="textNoShape">
-              <a:avLst/>
-            </a:prstTxWarp>
+        </p:spPr>
+        <p:txBody>
+          <a:bodyPr wrap="square" rtlCol="0">
+            <a:spAutoFit/>
           </a:bodyPr>
           <a:lstStyle/>
           <a:p>
-            <a:endParaRPr lang="en-US"/>
-          </a:p>
-        </p:txBody>
-      </p:sp>
-      <p:sp>
-        <p:nvSpPr>
-          <p:cNvPr id="5" name="Content Placeholder 4">
-            <a:extLst>
-              <a:ext uri="{FF2B5EF4-FFF2-40B4-BE49-F238E27FC236}">
-                <a16:creationId xmlns:a16="http://schemas.microsoft.com/office/drawing/2014/main" id="{FB63623E-1199-4FAB-B893-3FD2B186D5F2}"/>
-              </a:ext>
-            </a:extLst>
-          </p:cNvPr>
-          <p:cNvSpPr>
-            <a:spLocks noGrp="1"/>
-          </p:cNvSpPr>
-          <p:nvPr>
-            <p:ph idx="1"/>
-          </p:nvPr>
-        </p:nvSpPr>
-        <p:spPr>
-          <a:xfrm>
-            <a:off x="838200" y="1163152"/>
-            <a:ext cx="10515600" cy="4351338"/>
-          </a:xfrm>
-        </p:spPr>
-        <p:txBody>
-          <a:bodyPr/>
-          <a:lstStyle/>
-          <a:p>
-            <a:r>
-              <a:rPr lang="en-US" dirty="0"/>
-              <a:t>Gamer’s visit the site to see how they measure up with gamers in other countries</a:t>
-            </a:r>
-          </a:p>
-          <a:p>
-            <a:r>
-              <a:rPr lang="en-US" dirty="0"/>
-              <a:t>The gamer is presented with an entry panel, a map and three charts: Gaming Revenue by Country, Average Weekly Hours Played by Country and Average Weekly Hours Played by Age Group</a:t>
-            </a:r>
-          </a:p>
-          <a:p>
-            <a:r>
-              <a:rPr lang="en-US" dirty="0"/>
-              <a:t>When the gamer enters their information, the charts are updated with red bars to indicate the category that they fall into. Note: The country is obtained through a scrape of the user’s IP address</a:t>
-            </a:r>
-          </a:p>
-          <a:p>
-            <a:r>
-              <a:rPr lang="en-US" dirty="0"/>
-              <a:t>The map would populate the gamer’s location with a pin</a:t>
+            <a:pPr marL="0" marR="0" algn="ctr">
+              <a:spcBef>
+                <a:spcPts val="0"/>
+              </a:spcBef>
+              <a:spcAft>
+                <a:spcPts val="0"/>
+              </a:spcAft>
+            </a:pPr>
+            <a:r>
+              <a:rPr lang="en-US" sz="1800" b="1" dirty="0">
+                <a:effectLst/>
+                <a:latin typeface="+mj-lt"/>
+                <a:ea typeface="Times New Roman" panose="02020603050405020304" pitchFamily="18" charset="0"/>
+              </a:rPr>
+              <a:t>Sadie Barnett-Boudreau</a:t>
             </a:r>
           </a:p>
           <a:p>
@@ -3922,10 +3939,267 @@
           </a:p>
         </p:txBody>
       </p:sp>
+      <p:sp>
+        <p:nvSpPr>
+          <p:cNvPr id="12" name="TextBox 11">
+            <a:extLst>
+              <a:ext uri="{FF2B5EF4-FFF2-40B4-BE49-F238E27FC236}">
+                <a16:creationId xmlns:a16="http://schemas.microsoft.com/office/drawing/2014/main" id="{00256B5A-40D3-4F56-944E-1666E4C34BCC}"/>
+              </a:ext>
+            </a:extLst>
+          </p:cNvPr>
+          <p:cNvSpPr txBox="1"/>
+          <p:nvPr/>
+        </p:nvSpPr>
+        <p:spPr>
+          <a:xfrm>
+            <a:off x="5161486" y="5614719"/>
+            <a:ext cx="2033542" cy="646331"/>
+          </a:xfrm>
+          <a:prstGeom prst="rect">
+            <a:avLst/>
+          </a:prstGeom>
+          <a:noFill/>
+        </p:spPr>
+        <p:txBody>
+          <a:bodyPr wrap="square" rtlCol="0">
+            <a:spAutoFit/>
+          </a:bodyPr>
+          <a:lstStyle/>
+          <a:p>
+            <a:r>
+              <a:rPr lang="en-US" b="1" dirty="0">
+                <a:latin typeface="+mj-lt"/>
+                <a:ea typeface="Times New Roman" panose="02020603050405020304" pitchFamily="18" charset="0"/>
+              </a:rPr>
+              <a:t>Jennifer Darby</a:t>
+            </a:r>
+            <a:endParaRPr lang="en-US" sz="1800" b="1" dirty="0">
+              <a:effectLst/>
+              <a:latin typeface="+mj-lt"/>
+              <a:ea typeface="Times New Roman" panose="02020603050405020304" pitchFamily="18" charset="0"/>
+            </a:endParaRPr>
+          </a:p>
+          <a:p>
+            <a:endParaRPr lang="en-US" dirty="0"/>
+          </a:p>
+        </p:txBody>
+      </p:sp>
+      <p:sp>
+        <p:nvSpPr>
+          <p:cNvPr id="13" name="TextBox 12">
+            <a:extLst>
+              <a:ext uri="{FF2B5EF4-FFF2-40B4-BE49-F238E27FC236}">
+                <a16:creationId xmlns:a16="http://schemas.microsoft.com/office/drawing/2014/main" id="{9A653321-5F4B-4B65-B520-EADEF1851314}"/>
+              </a:ext>
+            </a:extLst>
+          </p:cNvPr>
+          <p:cNvSpPr txBox="1"/>
+          <p:nvPr/>
+        </p:nvSpPr>
+        <p:spPr>
+          <a:xfrm>
+            <a:off x="8928042" y="3940733"/>
+            <a:ext cx="2022790" cy="369332"/>
+          </a:xfrm>
+          <a:prstGeom prst="rect">
+            <a:avLst/>
+          </a:prstGeom>
+          <a:noFill/>
+        </p:spPr>
+        <p:txBody>
+          <a:bodyPr wrap="square" rtlCol="0">
+            <a:spAutoFit/>
+          </a:bodyPr>
+          <a:lstStyle/>
+          <a:p>
+            <a:pPr marL="0" marR="0" algn="ctr">
+              <a:spcBef>
+                <a:spcPts val="0"/>
+              </a:spcBef>
+              <a:spcAft>
+                <a:spcPts val="0"/>
+              </a:spcAft>
+            </a:pPr>
+            <a:r>
+              <a:rPr lang="en-US" sz="1800" b="1" dirty="0">
+                <a:effectLst/>
+                <a:latin typeface="+mj-lt"/>
+                <a:ea typeface="Times New Roman" panose="02020603050405020304" pitchFamily="18" charset="0"/>
+              </a:rPr>
+              <a:t>Michael Bien</a:t>
+            </a:r>
+          </a:p>
+        </p:txBody>
+      </p:sp>
+      <p:pic>
+        <p:nvPicPr>
+          <p:cNvPr id="14" name="Picture 2" descr="Profile photo for Jennifer Darby">
+            <a:extLst>
+              <a:ext uri="{FF2B5EF4-FFF2-40B4-BE49-F238E27FC236}">
+                <a16:creationId xmlns:a16="http://schemas.microsoft.com/office/drawing/2014/main" id="{B298232E-2017-4E9C-B97D-5BAF96247DD8}"/>
+              </a:ext>
+            </a:extLst>
+          </p:cNvPr>
+          <p:cNvPicPr>
+            <a:picLocks noChangeAspect="1" noChangeArrowheads="1"/>
+          </p:cNvPicPr>
+          <p:nvPr/>
+        </p:nvPicPr>
+        <p:blipFill>
+          <a:blip r:embed="rId4">
+            <a:extLst>
+              <a:ext uri="{28A0092B-C50C-407E-A947-70E740481C1C}">
+                <a14:useLocalDpi xmlns:a14="http://schemas.microsoft.com/office/drawing/2010/main" val="0"/>
+              </a:ext>
+            </a:extLst>
+          </a:blip>
+          <a:srcRect/>
+          <a:stretch>
+            <a:fillRect/>
+          </a:stretch>
+        </p:blipFill>
+        <p:spPr bwMode="auto">
+          <a:xfrm>
+            <a:off x="4874295" y="3366637"/>
+            <a:ext cx="2246985" cy="2246985"/>
+          </a:xfrm>
+          <a:prstGeom prst="rect">
+            <a:avLst/>
+          </a:prstGeom>
+          <a:solidFill>
+            <a:srgbClr val="FFFFFF">
+              <a:shade val="85000"/>
+            </a:srgbClr>
+          </a:solidFill>
+          <a:ln w="88900" cap="sq">
+            <a:solidFill>
+              <a:srgbClr val="FFFFFF"/>
+            </a:solidFill>
+            <a:miter lim="800000"/>
+          </a:ln>
+          <a:effectLst>
+            <a:outerShdw blurRad="55000" dist="18000" dir="5400000" algn="tl" rotWithShape="0">
+              <a:srgbClr val="000000">
+                <a:alpha val="40000"/>
+              </a:srgbClr>
+            </a:outerShdw>
+          </a:effectLst>
+          <a:scene3d>
+            <a:camera prst="orthographicFront"/>
+            <a:lightRig rig="twoPt" dir="t">
+              <a:rot lat="0" lon="0" rev="7200000"/>
+            </a:lightRig>
+          </a:scene3d>
+          <a:sp3d>
+            <a:bevelT w="25400" h="19050"/>
+            <a:contourClr>
+              <a:srgbClr val="FFFFFF"/>
+            </a:contourClr>
+          </a:sp3d>
+        </p:spPr>
+      </p:pic>
+      <p:pic>
+        <p:nvPicPr>
+          <p:cNvPr id="15" name="Picture 4" descr="Profile photo for Michael Bien">
+            <a:extLst>
+              <a:ext uri="{FF2B5EF4-FFF2-40B4-BE49-F238E27FC236}">
+                <a16:creationId xmlns:a16="http://schemas.microsoft.com/office/drawing/2014/main" id="{0E58939B-9148-48CD-ADE1-7BF4BCE885F7}"/>
+              </a:ext>
+            </a:extLst>
+          </p:cNvPr>
+          <p:cNvPicPr>
+            <a:picLocks noChangeAspect="1" noChangeArrowheads="1"/>
+          </p:cNvPicPr>
+          <p:nvPr/>
+        </p:nvPicPr>
+        <p:blipFill>
+          <a:blip r:embed="rId5">
+            <a:extLst>
+              <a:ext uri="{28A0092B-C50C-407E-A947-70E740481C1C}">
+                <a14:useLocalDpi xmlns:a14="http://schemas.microsoft.com/office/drawing/2010/main" val="0"/>
+              </a:ext>
+            </a:extLst>
+          </a:blip>
+          <a:srcRect/>
+          <a:stretch>
+            <a:fillRect/>
+          </a:stretch>
+        </p:blipFill>
+        <p:spPr bwMode="auto">
+          <a:xfrm>
+            <a:off x="8811566" y="1801467"/>
+            <a:ext cx="2139266" cy="2139266"/>
+          </a:xfrm>
+          <a:prstGeom prst="rect">
+            <a:avLst/>
+          </a:prstGeom>
+          <a:solidFill>
+            <a:srgbClr val="FFFFFF">
+              <a:shade val="85000"/>
+            </a:srgbClr>
+          </a:solidFill>
+          <a:ln w="88900" cap="sq">
+            <a:solidFill>
+              <a:srgbClr val="FFFFFF"/>
+            </a:solidFill>
+            <a:miter lim="800000"/>
+          </a:ln>
+          <a:effectLst>
+            <a:outerShdw blurRad="55000" dist="18000" dir="5400000" algn="tl" rotWithShape="0">
+              <a:srgbClr val="000000">
+                <a:alpha val="40000"/>
+              </a:srgbClr>
+            </a:outerShdw>
+          </a:effectLst>
+          <a:scene3d>
+            <a:camera prst="orthographicFront"/>
+            <a:lightRig rig="twoPt" dir="t">
+              <a:rot lat="0" lon="0" rev="7200000"/>
+            </a:lightRig>
+          </a:scene3d>
+          <a:sp3d>
+            <a:bevelT w="25400" h="19050"/>
+            <a:contourClr>
+              <a:srgbClr val="FFFFFF"/>
+            </a:contourClr>
+          </a:sp3d>
+        </p:spPr>
+      </p:pic>
+      <p:pic>
+        <p:nvPicPr>
+          <p:cNvPr id="16" name="Picture 15">
+            <a:extLst>
+              <a:ext uri="{FF2B5EF4-FFF2-40B4-BE49-F238E27FC236}">
+                <a16:creationId xmlns:a16="http://schemas.microsoft.com/office/drawing/2014/main" id="{6BECD302-FA7B-4A8A-8D12-0A748A971B40}"/>
+              </a:ext>
+            </a:extLst>
+          </p:cNvPr>
+          <p:cNvPicPr>
+            <a:picLocks noChangeAspect="1"/>
+          </p:cNvPicPr>
+          <p:nvPr/>
+        </p:nvPicPr>
+        <p:blipFill>
+          <a:blip r:embed="rId6"/>
+          <a:stretch>
+            <a:fillRect/>
+          </a:stretch>
+        </p:blipFill>
+        <p:spPr>
+          <a:xfrm>
+            <a:off x="10950614" y="5793886"/>
+            <a:ext cx="547023" cy="369332"/>
+          </a:xfrm>
+          <a:prstGeom prst="rect">
+            <a:avLst/>
+          </a:prstGeom>
+        </p:spPr>
+      </p:pic>
     </p:spTree>
     <p:extLst>
       <p:ext uri="{BB962C8B-B14F-4D97-AF65-F5344CB8AC3E}">
-        <p14:creationId xmlns:p14="http://schemas.microsoft.com/office/powerpoint/2010/main" val="521975739"/>
+        <p14:creationId xmlns:p14="http://schemas.microsoft.com/office/powerpoint/2010/main" val="1151590975"/>
       </p:ext>
     </p:extLst>
   </p:cSld>
@@ -3952,182 +4226,229 @@
           <a:chExt cx="0" cy="0"/>
         </a:xfrm>
       </p:grpSpPr>
-      <p:sp>
-        <p:nvSpPr>
-          <p:cNvPr id="2" name="Title 1">
-            <a:extLst>
-              <a:ext uri="{FF2B5EF4-FFF2-40B4-BE49-F238E27FC236}">
-                <a16:creationId xmlns:a16="http://schemas.microsoft.com/office/drawing/2014/main" id="{60C41ADF-50A9-4DEA-9572-9192A1D3F596}"/>
-              </a:ext>
-            </a:extLst>
-          </p:cNvPr>
-          <p:cNvSpPr>
-            <a:spLocks noGrp="1"/>
-          </p:cNvSpPr>
-          <p:nvPr>
-            <p:ph type="title"/>
-          </p:nvPr>
-        </p:nvSpPr>
-        <p:spPr>
-          <a:xfrm>
-            <a:off x="838200" y="365126"/>
-            <a:ext cx="10515600" cy="723842"/>
-          </a:xfrm>
-        </p:spPr>
-        <p:txBody>
-          <a:bodyPr/>
-          <a:lstStyle/>
-          <a:p>
-            <a:r>
-              <a:rPr lang="en-US" dirty="0"/>
-              <a:t>Data and Limitations</a:t>
-            </a:r>
-          </a:p>
-        </p:txBody>
-      </p:sp>
-      <p:sp>
-        <p:nvSpPr>
-          <p:cNvPr id="3" name="Content Placeholder 2">
-            <a:extLst>
-              <a:ext uri="{FF2B5EF4-FFF2-40B4-BE49-F238E27FC236}">
-                <a16:creationId xmlns:a16="http://schemas.microsoft.com/office/drawing/2014/main" id="{7A39C7CC-9206-4DAA-904C-4616E7642F9A}"/>
-              </a:ext>
-            </a:extLst>
-          </p:cNvPr>
-          <p:cNvSpPr>
-            <a:spLocks noGrp="1"/>
-          </p:cNvSpPr>
-          <p:nvPr>
-            <p:ph idx="1"/>
-          </p:nvPr>
-        </p:nvSpPr>
-        <p:spPr>
-          <a:xfrm>
-            <a:off x="838200" y="1163782"/>
-            <a:ext cx="10515600" cy="5478087"/>
-          </a:xfrm>
-        </p:spPr>
-        <p:txBody>
-          <a:bodyPr/>
-          <a:lstStyle/>
-          <a:p>
-            <a:r>
-              <a:rPr lang="en-US" dirty="0"/>
-              <a:t>We searched for a free source of raw gamer data but one was not available (Statista offers raw data for a $468 annual fee)</a:t>
-            </a:r>
-          </a:p>
-          <a:p>
-            <a:r>
-              <a:rPr lang="en-US" dirty="0"/>
-              <a:t>We resorted to locating aggregated data sources and found the following:</a:t>
-            </a:r>
-          </a:p>
-          <a:p>
-            <a:pPr lvl="1">
-              <a:buFont typeface="Courier New" panose="02070309020205020404" pitchFamily="49" charset="0"/>
-              <a:buChar char="o"/>
-            </a:pPr>
-            <a:r>
-              <a:rPr lang="en-US" dirty="0"/>
-              <a:t> </a:t>
-            </a:r>
-            <a:r>
-              <a:rPr lang="en-US" dirty="0">
-                <a:hlinkClick r:id="rId2"/>
-              </a:rPr>
-              <a:t>https://financesonline.com/number-of-gamers-worldwide/</a:t>
-            </a:r>
+      <p:pic>
+        <p:nvPicPr>
+          <p:cNvPr id="4" name="Picture 3">
+            <a:extLst>
+              <a:ext uri="{FF2B5EF4-FFF2-40B4-BE49-F238E27FC236}">
+                <a16:creationId xmlns:a16="http://schemas.microsoft.com/office/drawing/2014/main" id="{86C77967-0A61-4D75-BBFC-FBB309DED96A}"/>
+              </a:ext>
+            </a:extLst>
+          </p:cNvPr>
+          <p:cNvPicPr>
+            <a:picLocks noChangeAspect="1"/>
+          </p:cNvPicPr>
+          <p:nvPr/>
+        </p:nvPicPr>
+        <p:blipFill rotWithShape="1">
+          <a:blip r:embed="rId2"/>
+          <a:srcRect l="25234" r="27426"/>
+          <a:stretch/>
+        </p:blipFill>
+        <p:spPr>
+          <a:xfrm>
+            <a:off x="16471" y="-5180"/>
+            <a:ext cx="12192000" cy="6863179"/>
+          </a:xfrm>
+          <a:prstGeom prst="rect">
+            <a:avLst/>
+          </a:prstGeom>
+        </p:spPr>
+      </p:pic>
+      <p:sp>
+        <p:nvSpPr>
+          <p:cNvPr id="5" name="TextBox 4">
+            <a:extLst>
+              <a:ext uri="{FF2B5EF4-FFF2-40B4-BE49-F238E27FC236}">
+                <a16:creationId xmlns:a16="http://schemas.microsoft.com/office/drawing/2014/main" id="{5E10B9C9-17C3-43C1-A20B-F5DE2E08CF24}"/>
+              </a:ext>
+            </a:extLst>
+          </p:cNvPr>
+          <p:cNvSpPr txBox="1"/>
+          <p:nvPr/>
+        </p:nvSpPr>
+        <p:spPr>
+          <a:xfrm>
+            <a:off x="599000" y="591770"/>
+            <a:ext cx="11026943" cy="5669280"/>
+          </a:xfrm>
+          <a:prstGeom prst="rect">
+            <a:avLst/>
+          </a:prstGeom>
+          <a:gradFill flip="none" rotWithShape="1">
+            <a:gsLst>
+              <a:gs pos="0">
+                <a:srgbClr val="FFFFFF"/>
+              </a:gs>
+              <a:gs pos="100000">
+                <a:srgbClr val="EAEAEA">
+                  <a:alpha val="48000"/>
+                </a:srgbClr>
+              </a:gs>
+            </a:gsLst>
+            <a:path path="circle">
+              <a:fillToRect l="50000" t="50000" r="50000" b="50000"/>
+            </a:path>
+            <a:tileRect/>
+          </a:gradFill>
+        </p:spPr>
+        <p:txBody>
+          <a:bodyPr wrap="square" rtlCol="0">
+            <a:spAutoFit/>
+          </a:bodyPr>
+          <a:lstStyle/>
+          <a:p>
             <a:endParaRPr lang="en-US" dirty="0"/>
           </a:p>
-          <a:p>
-            <a:pPr lvl="1">
-              <a:buFont typeface="Courier New" panose="02070309020205020404" pitchFamily="49" charset="0"/>
-              <a:buChar char="o"/>
-            </a:pPr>
-            <a:r>
-              <a:rPr lang="en-US" dirty="0">
-                <a:hlinkClick r:id="rId3"/>
-              </a:rPr>
-              <a:t>https://www.limelight.com/resources/white-paper/state-of-online-gaming-2019/#appendix</a:t>
-            </a:r>
-            <a:endParaRPr lang="en-US" dirty="0"/>
-          </a:p>
-          <a:p>
-            <a:pPr lvl="1">
-              <a:buFont typeface="Courier New" panose="02070309020205020404" pitchFamily="49" charset="0"/>
-              <a:buChar char="o"/>
-            </a:pPr>
-            <a:r>
-              <a:rPr lang="en-US" dirty="0">
-                <a:hlinkClick r:id="rId4"/>
-              </a:rPr>
-              <a:t>https://steamdb.info/app/753/graphs/</a:t>
-            </a:r>
-            <a:endParaRPr lang="en-US" dirty="0"/>
-          </a:p>
-          <a:p>
-            <a:r>
-              <a:rPr lang="en-US" dirty="0"/>
-              <a:t>These aggregated data sources made it impossible to draw analytical conclusions from the data</a:t>
-            </a:r>
-          </a:p>
-          <a:p>
-            <a:pPr marL="0" indent="0">
-              <a:buNone/>
-            </a:pPr>
-            <a:endParaRPr lang="en-US" dirty="0"/>
-          </a:p>
-        </p:txBody>
-      </p:sp>
-      <p:sp>
-        <p:nvSpPr>
-          <p:cNvPr id="7" name="AutoShape 4" descr="Installing Jupyter Notebook. please refer to this article if you… | by  Chinmay s yalameli | Medium">
-            <a:extLst>
-              <a:ext uri="{FF2B5EF4-FFF2-40B4-BE49-F238E27FC236}">
-                <a16:creationId xmlns:a16="http://schemas.microsoft.com/office/drawing/2014/main" id="{2640B1FC-BA5F-41CD-A454-94301485699D}"/>
-              </a:ext>
-            </a:extLst>
-          </p:cNvPr>
-          <p:cNvSpPr>
-            <a:spLocks noChangeAspect="1" noChangeArrowheads="1"/>
-          </p:cNvSpPr>
+        </p:txBody>
+      </p:sp>
+      <p:pic>
+        <p:nvPicPr>
+          <p:cNvPr id="6" name="Picture 5">
+            <a:extLst>
+              <a:ext uri="{FF2B5EF4-FFF2-40B4-BE49-F238E27FC236}">
+                <a16:creationId xmlns:a16="http://schemas.microsoft.com/office/drawing/2014/main" id="{C4D7F6D4-AB49-4218-8D82-76B8BEA853B9}"/>
+              </a:ext>
+            </a:extLst>
+          </p:cNvPr>
+          <p:cNvPicPr>
+            <a:picLocks noChangeAspect="1"/>
+          </p:cNvPicPr>
           <p:nvPr/>
-        </p:nvSpPr>
-        <p:spPr bwMode="auto">
-          <a:xfrm>
-            <a:off x="5943600" y="3649824"/>
-            <a:ext cx="304800" cy="304800"/>
+        </p:nvPicPr>
+        <p:blipFill>
+          <a:blip r:embed="rId3"/>
+          <a:stretch>
+            <a:fillRect/>
+          </a:stretch>
+        </p:blipFill>
+        <p:spPr>
+          <a:xfrm>
+            <a:off x="10950614" y="5793886"/>
+            <a:ext cx="547023" cy="369332"/>
+          </a:xfrm>
+          <a:prstGeom prst="rect">
+            <a:avLst/>
+          </a:prstGeom>
+        </p:spPr>
+      </p:pic>
+      <p:sp>
+        <p:nvSpPr>
+          <p:cNvPr id="2" name="TextBox 1">
+            <a:extLst>
+              <a:ext uri="{FF2B5EF4-FFF2-40B4-BE49-F238E27FC236}">
+                <a16:creationId xmlns:a16="http://schemas.microsoft.com/office/drawing/2014/main" id="{3C255CF6-A44D-4512-AC03-97B822CCB894}"/>
+              </a:ext>
+            </a:extLst>
+          </p:cNvPr>
+          <p:cNvSpPr txBox="1"/>
+          <p:nvPr/>
+        </p:nvSpPr>
+        <p:spPr>
+          <a:xfrm>
+            <a:off x="694363" y="694782"/>
+            <a:ext cx="10803274" cy="5201424"/>
           </a:xfrm>
           <a:prstGeom prst="rect">
             <a:avLst/>
           </a:prstGeom>
           <a:noFill/>
-          <a:extLst>
-            <a:ext uri="{909E8E84-426E-40DD-AFC4-6F175D3DCCD1}">
-              <a14:hiddenFill xmlns:a14="http://schemas.microsoft.com/office/drawing/2010/main">
+        </p:spPr>
+        <p:txBody>
+          <a:bodyPr wrap="square" rtlCol="0">
+            <a:spAutoFit/>
+          </a:bodyPr>
+          <a:lstStyle/>
+          <a:p>
+            <a:r>
+              <a:rPr lang="en-US" sz="4400" b="1" dirty="0">
+                <a:ln w="12700">
+                  <a:solidFill>
+                    <a:schemeClr val="tx1"/>
+                  </a:solidFill>
+                </a:ln>
                 <a:solidFill>
-                  <a:srgbClr val="FFFFFF"/>
+                  <a:schemeClr val="bg1">
+                    <a:lumMod val="95000"/>
+                  </a:schemeClr>
                 </a:solidFill>
-              </a14:hiddenFill>
-            </a:ext>
-          </a:extLst>
-        </p:spPr>
-        <p:txBody>
-          <a:bodyPr vert="horz" wrap="square" lIns="91440" tIns="45720" rIns="91440" bIns="45720" numCol="1" anchor="t" anchorCtr="0" compatLnSpc="1">
-            <a:prstTxWarp prst="textNoShape">
-              <a:avLst/>
-            </a:prstTxWarp>
-          </a:bodyPr>
-          <a:lstStyle/>
-          <a:p>
-            <a:endParaRPr lang="en-US"/>
+                <a:effectLst>
+                  <a:glow rad="101600">
+                    <a:srgbClr val="FF0000">
+                      <a:alpha val="60000"/>
+                    </a:srgbClr>
+                  </a:glow>
+                </a:effectLst>
+                <a:latin typeface="Cambria Math" panose="02040503050406030204" pitchFamily="18" charset="0"/>
+                <a:ea typeface="Cambria Math" panose="02040503050406030204" pitchFamily="18" charset="0"/>
+              </a:rPr>
+              <a:t>General Premise:</a:t>
+            </a:r>
+          </a:p>
+          <a:p>
+            <a:endParaRPr lang="en-US" dirty="0"/>
+          </a:p>
+          <a:p>
+            <a:pPr marL="457200" indent="-457200">
+              <a:buFont typeface="Arial" panose="020B0604020202020204" pitchFamily="34" charset="0"/>
+              <a:buChar char="•"/>
+            </a:pPr>
+            <a:r>
+              <a:rPr lang="en-US" sz="2800" dirty="0">
+                <a:latin typeface="Cambria Math" panose="02040503050406030204" pitchFamily="18" charset="0"/>
+                <a:ea typeface="Cambria Math" panose="02040503050406030204" pitchFamily="18" charset="0"/>
+              </a:rPr>
+              <a:t>Gamer’s visit the site to see how they measure up with gamers in other countries</a:t>
+            </a:r>
+          </a:p>
+          <a:p>
+            <a:pPr marL="457200" indent="-457200">
+              <a:buFont typeface="Arial" panose="020B0604020202020204" pitchFamily="34" charset="0"/>
+              <a:buChar char="•"/>
+            </a:pPr>
+            <a:r>
+              <a:rPr lang="en-US" sz="2800" dirty="0">
+                <a:latin typeface="Cambria Math" panose="02040503050406030204" pitchFamily="18" charset="0"/>
+                <a:ea typeface="Cambria Math" panose="02040503050406030204" pitchFamily="18" charset="0"/>
+              </a:rPr>
+              <a:t>The gamer is presented with an entry panel, a map and three charts: Gaming Revenue by Country, Average Weekly Hours Played by Country and Average Weekly Hours Played by Age Group</a:t>
+            </a:r>
+          </a:p>
+          <a:p>
+            <a:pPr marL="457200" indent="-457200">
+              <a:buFont typeface="Arial" panose="020B0604020202020204" pitchFamily="34" charset="0"/>
+              <a:buChar char="•"/>
+            </a:pPr>
+            <a:r>
+              <a:rPr lang="en-US" sz="2800" dirty="0">
+                <a:latin typeface="Cambria Math" panose="02040503050406030204" pitchFamily="18" charset="0"/>
+                <a:ea typeface="Cambria Math" panose="02040503050406030204" pitchFamily="18" charset="0"/>
+              </a:rPr>
+              <a:t>When the gamer enters their information, the charts are updated with red bars to indicate the category that they fall into. Note: The country is obtained through a scrape of the user’s IP address</a:t>
+            </a:r>
+          </a:p>
+          <a:p>
+            <a:pPr marL="457200" indent="-457200">
+              <a:buFont typeface="Arial" panose="020B0604020202020204" pitchFamily="34" charset="0"/>
+              <a:buChar char="•"/>
+            </a:pPr>
+            <a:r>
+              <a:rPr lang="en-US" sz="2800" dirty="0">
+                <a:latin typeface="Cambria Math" panose="02040503050406030204" pitchFamily="18" charset="0"/>
+                <a:ea typeface="Cambria Math" panose="02040503050406030204" pitchFamily="18" charset="0"/>
+              </a:rPr>
+              <a:t>The map would populate the gamer’s location with a pin</a:t>
+            </a:r>
+          </a:p>
+          <a:p>
+            <a:endParaRPr lang="en-US" dirty="0"/>
           </a:p>
         </p:txBody>
       </p:sp>
     </p:spTree>
     <p:extLst>
       <p:ext uri="{BB962C8B-B14F-4D97-AF65-F5344CB8AC3E}">
-        <p14:creationId xmlns:p14="http://schemas.microsoft.com/office/powerpoint/2010/main" val="4085344907"/>
+        <p14:creationId xmlns:p14="http://schemas.microsoft.com/office/powerpoint/2010/main" val="447969864"/>
       </p:ext>
     </p:extLst>
   </p:cSld>
@@ -4154,181 +4475,88 @@
           <a:chExt cx="0" cy="0"/>
         </a:xfrm>
       </p:grpSpPr>
-      <p:sp>
-        <p:nvSpPr>
-          <p:cNvPr id="2" name="Title 1">
-            <a:extLst>
-              <a:ext uri="{FF2B5EF4-FFF2-40B4-BE49-F238E27FC236}">
-                <a16:creationId xmlns:a16="http://schemas.microsoft.com/office/drawing/2014/main" id="{60C41ADF-50A9-4DEA-9572-9192A1D3F596}"/>
-              </a:ext>
-            </a:extLst>
-          </p:cNvPr>
-          <p:cNvSpPr>
-            <a:spLocks noGrp="1"/>
-          </p:cNvSpPr>
-          <p:nvPr>
-            <p:ph type="title"/>
-          </p:nvPr>
-        </p:nvSpPr>
-        <p:spPr>
-          <a:xfrm>
-            <a:off x="838200" y="365126"/>
-            <a:ext cx="10515600" cy="723842"/>
-          </a:xfrm>
-        </p:spPr>
-        <p:txBody>
-          <a:bodyPr/>
-          <a:lstStyle/>
-          <a:p>
-            <a:r>
-              <a:rPr lang="en-US" dirty="0"/>
-              <a:t>Data Flow and Architecture </a:t>
-            </a:r>
-          </a:p>
-        </p:txBody>
-      </p:sp>
       <p:pic>
         <p:nvPicPr>
-          <p:cNvPr id="1026" name="Picture 2" descr="Green csv icon - Free green file icons">
-            <a:extLst>
-              <a:ext uri="{FF2B5EF4-FFF2-40B4-BE49-F238E27FC236}">
-                <a16:creationId xmlns:a16="http://schemas.microsoft.com/office/drawing/2014/main" id="{89D16B96-D90E-4C36-87E7-BE6C968B1C48}"/>
+          <p:cNvPr id="2" name="Picture 1">
+            <a:extLst>
+              <a:ext uri="{FF2B5EF4-FFF2-40B4-BE49-F238E27FC236}">
+                <a16:creationId xmlns:a16="http://schemas.microsoft.com/office/drawing/2014/main" id="{B6372949-BA6F-4214-B5C4-52B3B00697DA}"/>
               </a:ext>
             </a:extLst>
           </p:cNvPr>
           <p:cNvPicPr>
-            <a:picLocks noChangeAspect="1" noChangeArrowheads="1"/>
+            <a:picLocks noChangeAspect="1"/>
           </p:cNvPicPr>
           <p:nvPr/>
         </p:nvPicPr>
-        <p:blipFill>
-          <a:blip r:embed="rId2">
-            <a:extLst>
-              <a:ext uri="{28A0092B-C50C-407E-A947-70E740481C1C}">
-                <a14:useLocalDpi xmlns:a14="http://schemas.microsoft.com/office/drawing/2010/main" val="0"/>
-              </a:ext>
-            </a:extLst>
-          </a:blip>
-          <a:srcRect/>
-          <a:stretch>
-            <a:fillRect/>
-          </a:stretch>
+        <p:blipFill rotWithShape="1">
+          <a:blip r:embed="rId2"/>
+          <a:srcRect l="25234" r="27426"/>
+          <a:stretch/>
         </p:blipFill>
-        <p:spPr bwMode="auto">
-          <a:xfrm>
-            <a:off x="838200" y="1819639"/>
-            <a:ext cx="594966" cy="594966"/>
+        <p:spPr>
+          <a:xfrm>
+            <a:off x="16471" y="-5180"/>
+            <a:ext cx="12192000" cy="6863179"/>
           </a:xfrm>
           <a:prstGeom prst="rect">
             <a:avLst/>
           </a:prstGeom>
-          <a:noFill/>
-          <a:extLst>
-            <a:ext uri="{909E8E84-426E-40DD-AFC4-6F175D3DCCD1}">
-              <a14:hiddenFill xmlns:a14="http://schemas.microsoft.com/office/drawing/2010/main">
-                <a:solidFill>
-                  <a:srgbClr val="FFFFFF"/>
-                </a:solidFill>
-              </a14:hiddenFill>
-            </a:ext>
-          </a:extLst>
         </p:spPr>
       </p:pic>
-      <p:cxnSp>
-        <p:nvCxnSpPr>
-          <p:cNvPr id="5" name="Straight Arrow Connector 4">
-            <a:extLst>
-              <a:ext uri="{FF2B5EF4-FFF2-40B4-BE49-F238E27FC236}">
-                <a16:creationId xmlns:a16="http://schemas.microsoft.com/office/drawing/2014/main" id="{034197E4-5580-4E9F-A974-4CF370B21CBA}"/>
-              </a:ext>
-            </a:extLst>
-          </p:cNvPr>
-          <p:cNvCxnSpPr>
-            <a:cxnSpLocks/>
-          </p:cNvCxnSpPr>
+      <p:sp>
+        <p:nvSpPr>
+          <p:cNvPr id="3" name="TextBox 2">
+            <a:extLst>
+              <a:ext uri="{FF2B5EF4-FFF2-40B4-BE49-F238E27FC236}">
+                <a16:creationId xmlns:a16="http://schemas.microsoft.com/office/drawing/2014/main" id="{D9986A7C-E88B-4651-8B0B-01C38578176C}"/>
+              </a:ext>
+            </a:extLst>
+          </p:cNvPr>
+          <p:cNvSpPr txBox="1"/>
           <p:nvPr/>
-        </p:nvCxnSpPr>
-        <p:spPr>
-          <a:xfrm>
-            <a:off x="1498480" y="2134857"/>
-            <a:ext cx="703544" cy="0"/>
-          </a:xfrm>
-          <a:prstGeom prst="straightConnector1">
-            <a:avLst/>
-          </a:prstGeom>
-          <a:ln w="38100">
-            <a:solidFill>
-              <a:srgbClr val="FF0000"/>
-            </a:solidFill>
-            <a:tailEnd type="triangle"/>
-          </a:ln>
-        </p:spPr>
-        <p:style>
-          <a:lnRef idx="1">
-            <a:schemeClr val="accent1"/>
-          </a:lnRef>
-          <a:fillRef idx="0">
-            <a:schemeClr val="accent1"/>
-          </a:fillRef>
-          <a:effectRef idx="0">
-            <a:schemeClr val="accent1"/>
-          </a:effectRef>
-          <a:fontRef idx="minor">
-            <a:schemeClr val="tx1"/>
-          </a:fontRef>
-        </p:style>
-      </p:cxnSp>
-      <p:sp>
-        <p:nvSpPr>
-          <p:cNvPr id="7" name="AutoShape 4" descr="Installing Jupyter Notebook. please refer to this article if you… | by  Chinmay s yalameli | Medium">
-            <a:extLst>
-              <a:ext uri="{FF2B5EF4-FFF2-40B4-BE49-F238E27FC236}">
-                <a16:creationId xmlns:a16="http://schemas.microsoft.com/office/drawing/2014/main" id="{2640B1FC-BA5F-41CD-A454-94301485699D}"/>
-              </a:ext>
-            </a:extLst>
-          </p:cNvPr>
-          <p:cNvSpPr>
-            <a:spLocks noChangeAspect="1" noChangeArrowheads="1"/>
-          </p:cNvSpPr>
-          <p:nvPr/>
-        </p:nvSpPr>
-        <p:spPr bwMode="auto">
-          <a:xfrm>
-            <a:off x="5176720" y="3649824"/>
-            <a:ext cx="304800" cy="304800"/>
+        </p:nvSpPr>
+        <p:spPr>
+          <a:xfrm>
+            <a:off x="599000" y="591770"/>
+            <a:ext cx="11026943" cy="5669280"/>
           </a:xfrm>
           <a:prstGeom prst="rect">
             <a:avLst/>
           </a:prstGeom>
-          <a:noFill/>
-          <a:extLst>
-            <a:ext uri="{909E8E84-426E-40DD-AFC4-6F175D3DCCD1}">
-              <a14:hiddenFill xmlns:a14="http://schemas.microsoft.com/office/drawing/2010/main">
-                <a:solidFill>
-                  <a:srgbClr val="FFFFFF"/>
-                </a:solidFill>
-              </a14:hiddenFill>
-            </a:ext>
-          </a:extLst>
-        </p:spPr>
-        <p:txBody>
-          <a:bodyPr vert="horz" wrap="square" lIns="91440" tIns="45720" rIns="91440" bIns="45720" numCol="1" anchor="t" anchorCtr="0" compatLnSpc="1">
-            <a:prstTxWarp prst="textNoShape">
-              <a:avLst/>
-            </a:prstTxWarp>
+          <a:gradFill flip="none" rotWithShape="1">
+            <a:gsLst>
+              <a:gs pos="0">
+                <a:srgbClr val="FFFFFF"/>
+              </a:gs>
+              <a:gs pos="100000">
+                <a:srgbClr val="EAEAEA">
+                  <a:alpha val="48000"/>
+                </a:srgbClr>
+              </a:gs>
+            </a:gsLst>
+            <a:path path="circle">
+              <a:fillToRect l="50000" t="50000" r="50000" b="50000"/>
+            </a:path>
+            <a:tileRect/>
+          </a:gradFill>
+        </p:spPr>
+        <p:txBody>
+          <a:bodyPr wrap="square" rtlCol="0">
+            <a:spAutoFit/>
           </a:bodyPr>
           <a:lstStyle/>
           <a:p>
-            <a:endParaRPr lang="en-US"/>
+            <a:endParaRPr lang="en-US" dirty="0"/>
           </a:p>
         </p:txBody>
       </p:sp>
       <p:pic>
         <p:nvPicPr>
-          <p:cNvPr id="9" name="Picture 8">
-            <a:extLst>
-              <a:ext uri="{FF2B5EF4-FFF2-40B4-BE49-F238E27FC236}">
-                <a16:creationId xmlns:a16="http://schemas.microsoft.com/office/drawing/2014/main" id="{74DAF349-2DD0-4316-B25D-188ECB782A1A}"/>
+          <p:cNvPr id="4" name="Picture 3">
+            <a:extLst>
+              <a:ext uri="{FF2B5EF4-FFF2-40B4-BE49-F238E27FC236}">
+                <a16:creationId xmlns:a16="http://schemas.microsoft.com/office/drawing/2014/main" id="{30BF485B-5221-4511-86CD-CEA5ABE3CE41}"/>
               </a:ext>
             </a:extLst>
           </p:cNvPr>
@@ -4345,257 +4573,20 @@
         </p:blipFill>
         <p:spPr>
           <a:xfrm>
-            <a:off x="2202024" y="1462192"/>
-            <a:ext cx="1646918" cy="1488814"/>
+            <a:off x="10950614" y="5793886"/>
+            <a:ext cx="547023" cy="369332"/>
           </a:xfrm>
           <a:prstGeom prst="rect">
             <a:avLst/>
           </a:prstGeom>
         </p:spPr>
       </p:pic>
-      <p:cxnSp>
-        <p:nvCxnSpPr>
-          <p:cNvPr id="12" name="Straight Arrow Connector 11">
-            <a:extLst>
-              <a:ext uri="{FF2B5EF4-FFF2-40B4-BE49-F238E27FC236}">
-                <a16:creationId xmlns:a16="http://schemas.microsoft.com/office/drawing/2014/main" id="{15761DCB-A4BA-4B42-BDBE-577FDE0A83FE}"/>
-              </a:ext>
-            </a:extLst>
-          </p:cNvPr>
-          <p:cNvCxnSpPr>
-            <a:cxnSpLocks/>
-          </p:cNvCxnSpPr>
-          <p:nvPr/>
-        </p:nvCxnSpPr>
-        <p:spPr>
-          <a:xfrm>
-            <a:off x="3848942" y="2206003"/>
-            <a:ext cx="704397" cy="596"/>
-          </a:xfrm>
-          <a:prstGeom prst="straightConnector1">
-            <a:avLst/>
-          </a:prstGeom>
-          <a:ln w="38100">
-            <a:solidFill>
-              <a:srgbClr val="FF0000"/>
-            </a:solidFill>
-            <a:tailEnd type="triangle"/>
-          </a:ln>
-        </p:spPr>
-        <p:style>
-          <a:lnRef idx="1">
-            <a:schemeClr val="accent1"/>
-          </a:lnRef>
-          <a:fillRef idx="0">
-            <a:schemeClr val="accent1"/>
-          </a:fillRef>
-          <a:effectRef idx="0">
-            <a:schemeClr val="accent1"/>
-          </a:effectRef>
-          <a:fontRef idx="minor">
-            <a:schemeClr val="tx1"/>
-          </a:fontRef>
-        </p:style>
-      </p:cxnSp>
-      <p:pic>
-        <p:nvPicPr>
-          <p:cNvPr id="11" name="Picture 10">
-            <a:extLst>
-              <a:ext uri="{FF2B5EF4-FFF2-40B4-BE49-F238E27FC236}">
-                <a16:creationId xmlns:a16="http://schemas.microsoft.com/office/drawing/2014/main" id="{D2F955A0-CFC9-4706-BB39-3CE9A1AF8E94}"/>
-              </a:ext>
-            </a:extLst>
-          </p:cNvPr>
-          <p:cNvPicPr>
-            <a:picLocks noChangeAspect="1"/>
-          </p:cNvPicPr>
-          <p:nvPr/>
-        </p:nvPicPr>
-        <p:blipFill>
-          <a:blip r:embed="rId4"/>
-          <a:stretch>
-            <a:fillRect/>
-          </a:stretch>
-        </p:blipFill>
-        <p:spPr>
-          <a:xfrm>
-            <a:off x="4599519" y="1635972"/>
-            <a:ext cx="1792681" cy="1258570"/>
-          </a:xfrm>
-          <a:prstGeom prst="rect">
-            <a:avLst/>
-          </a:prstGeom>
-        </p:spPr>
-      </p:pic>
-      <p:pic>
-        <p:nvPicPr>
-          <p:cNvPr id="14" name="Picture 13">
-            <a:extLst>
-              <a:ext uri="{FF2B5EF4-FFF2-40B4-BE49-F238E27FC236}">
-                <a16:creationId xmlns:a16="http://schemas.microsoft.com/office/drawing/2014/main" id="{D8D55DF3-E81B-47F8-80DC-416F1A300B2A}"/>
-              </a:ext>
-            </a:extLst>
-          </p:cNvPr>
-          <p:cNvPicPr>
-            <a:picLocks noChangeAspect="1"/>
-          </p:cNvPicPr>
-          <p:nvPr/>
-        </p:nvPicPr>
-        <p:blipFill>
-          <a:blip r:embed="rId5"/>
-          <a:stretch>
-            <a:fillRect/>
-          </a:stretch>
-        </p:blipFill>
-        <p:spPr>
-          <a:xfrm>
-            <a:off x="3204784" y="4281238"/>
-            <a:ext cx="2560300" cy="1424007"/>
-          </a:xfrm>
-          <a:prstGeom prst="rect">
-            <a:avLst/>
-          </a:prstGeom>
-        </p:spPr>
-      </p:pic>
-      <p:pic>
-        <p:nvPicPr>
-          <p:cNvPr id="15" name="Picture 14">
-            <a:extLst>
-              <a:ext uri="{FF2B5EF4-FFF2-40B4-BE49-F238E27FC236}">
-                <a16:creationId xmlns:a16="http://schemas.microsoft.com/office/drawing/2014/main" id="{D2CD0CC2-C998-4D88-A0FB-A39D10D8EC11}"/>
-              </a:ext>
-            </a:extLst>
-          </p:cNvPr>
-          <p:cNvPicPr>
-            <a:picLocks noChangeAspect="1"/>
-          </p:cNvPicPr>
-          <p:nvPr/>
-        </p:nvPicPr>
-        <p:blipFill>
-          <a:blip r:embed="rId6"/>
-          <a:stretch>
-            <a:fillRect/>
-          </a:stretch>
-        </p:blipFill>
-        <p:spPr>
-          <a:xfrm rot="10800000">
-            <a:off x="5344937" y="5222028"/>
-            <a:ext cx="315349" cy="231668"/>
-          </a:xfrm>
-          <a:prstGeom prst="rect">
-            <a:avLst/>
-          </a:prstGeom>
-        </p:spPr>
-      </p:pic>
-      <p:pic>
-        <p:nvPicPr>
-          <p:cNvPr id="17" name="Picture 16">
-            <a:extLst>
-              <a:ext uri="{FF2B5EF4-FFF2-40B4-BE49-F238E27FC236}">
-                <a16:creationId xmlns:a16="http://schemas.microsoft.com/office/drawing/2014/main" id="{59A5F665-7CD5-4A11-8590-C78F2E280D32}"/>
-              </a:ext>
-            </a:extLst>
-          </p:cNvPr>
-          <p:cNvPicPr>
-            <a:picLocks noChangeAspect="1"/>
-          </p:cNvPicPr>
-          <p:nvPr/>
-        </p:nvPicPr>
-        <p:blipFill>
-          <a:blip r:embed="rId7"/>
-          <a:stretch>
-            <a:fillRect/>
-          </a:stretch>
-        </p:blipFill>
-        <p:spPr>
-          <a:xfrm>
-            <a:off x="350545" y="4281591"/>
-            <a:ext cx="2452190" cy="1784243"/>
-          </a:xfrm>
-          <a:prstGeom prst="rect">
-            <a:avLst/>
-          </a:prstGeom>
-        </p:spPr>
-      </p:pic>
-      <p:pic>
-        <p:nvPicPr>
-          <p:cNvPr id="16" name="Picture 15">
-            <a:extLst>
-              <a:ext uri="{FF2B5EF4-FFF2-40B4-BE49-F238E27FC236}">
-                <a16:creationId xmlns:a16="http://schemas.microsoft.com/office/drawing/2014/main" id="{AF71F9D9-E0EC-4C5A-BAB3-C1B7BB3DD69E}"/>
-              </a:ext>
-            </a:extLst>
-          </p:cNvPr>
-          <p:cNvPicPr>
-            <a:picLocks noChangeAspect="1"/>
-          </p:cNvPicPr>
-          <p:nvPr/>
-        </p:nvPicPr>
-        <p:blipFill>
-          <a:blip r:embed="rId6"/>
-          <a:stretch>
-            <a:fillRect/>
-          </a:stretch>
-        </p:blipFill>
-        <p:spPr>
-          <a:xfrm rot="10800000">
-            <a:off x="2889433" y="5235979"/>
-            <a:ext cx="630701" cy="231668"/>
-          </a:xfrm>
-          <a:prstGeom prst="rect">
-            <a:avLst/>
-          </a:prstGeom>
-        </p:spPr>
-      </p:pic>
-      <p:cxnSp>
-        <p:nvCxnSpPr>
-          <p:cNvPr id="6" name="Straight Connector 5">
-            <a:extLst>
-              <a:ext uri="{FF2B5EF4-FFF2-40B4-BE49-F238E27FC236}">
-                <a16:creationId xmlns:a16="http://schemas.microsoft.com/office/drawing/2014/main" id="{BC94CC74-9904-488C-9A11-2EBFF87758A4}"/>
-              </a:ext>
-            </a:extLst>
-          </p:cNvPr>
-          <p:cNvCxnSpPr>
-            <a:cxnSpLocks/>
-          </p:cNvCxnSpPr>
-          <p:nvPr/>
-        </p:nvCxnSpPr>
-        <p:spPr>
-          <a:xfrm flipH="1" flipV="1">
-            <a:off x="5621479" y="2863992"/>
-            <a:ext cx="38807" cy="2476584"/>
-          </a:xfrm>
-          <a:prstGeom prst="line">
-            <a:avLst/>
-          </a:prstGeom>
-          <a:ln w="38100">
-            <a:solidFill>
-              <a:srgbClr val="FF0000"/>
-            </a:solidFill>
-          </a:ln>
-        </p:spPr>
-        <p:style>
-          <a:lnRef idx="1">
-            <a:schemeClr val="accent1"/>
-          </a:lnRef>
-          <a:fillRef idx="0">
-            <a:schemeClr val="accent1"/>
-          </a:fillRef>
-          <a:effectRef idx="0">
-            <a:schemeClr val="accent1"/>
-          </a:effectRef>
-          <a:fontRef idx="minor">
-            <a:schemeClr val="tx1"/>
-          </a:fontRef>
-        </p:style>
-      </p:cxnSp>
-      <p:sp>
-        <p:nvSpPr>
-          <p:cNvPr id="19" name="TextBox 18">
-            <a:extLst>
-              <a:ext uri="{FF2B5EF4-FFF2-40B4-BE49-F238E27FC236}">
-                <a16:creationId xmlns:a16="http://schemas.microsoft.com/office/drawing/2014/main" id="{93940934-E91C-40A2-818C-2744438F08BC}"/>
+      <p:sp>
+        <p:nvSpPr>
+          <p:cNvPr id="5" name="TextBox 4">
+            <a:extLst>
+              <a:ext uri="{FF2B5EF4-FFF2-40B4-BE49-F238E27FC236}">
+                <a16:creationId xmlns:a16="http://schemas.microsoft.com/office/drawing/2014/main" id="{D70E0772-DE30-42BA-987F-000C72AF5289}"/>
               </a:ext>
             </a:extLst>
           </p:cNvPr>
@@ -4604,8 +4595,8 @@
         </p:nvSpPr>
         <p:spPr>
           <a:xfrm>
-            <a:off x="6690037" y="1128051"/>
-            <a:ext cx="597159" cy="369332"/>
+            <a:off x="694363" y="694782"/>
+            <a:ext cx="10803274" cy="5632311"/>
           </a:xfrm>
           <a:prstGeom prst="rect">
             <a:avLst/>
@@ -4619,459 +4610,144 @@
           <a:lstStyle/>
           <a:p>
             <a:r>
-              <a:rPr lang="en-US" dirty="0"/>
-              <a:t>ERD</a:t>
-            </a:r>
-          </a:p>
-        </p:txBody>
-      </p:sp>
-      <p:sp>
-        <p:nvSpPr>
-          <p:cNvPr id="23" name="TextBox 22">
-            <a:extLst>
-              <a:ext uri="{FF2B5EF4-FFF2-40B4-BE49-F238E27FC236}">
-                <a16:creationId xmlns:a16="http://schemas.microsoft.com/office/drawing/2014/main" id="{796366A1-1651-414D-A9FD-D41E1FE77F67}"/>
-              </a:ext>
-            </a:extLst>
-          </p:cNvPr>
-          <p:cNvSpPr txBox="1"/>
-          <p:nvPr/>
-        </p:nvSpPr>
-        <p:spPr>
-          <a:xfrm>
-            <a:off x="6798687" y="1436562"/>
-            <a:ext cx="2452180" cy="769441"/>
-          </a:xfrm>
-          <a:prstGeom prst="rect">
-            <a:avLst/>
-          </a:prstGeom>
-          <a:noFill/>
-          <a:ln>
-            <a:solidFill>
-              <a:schemeClr val="accent1">
-                <a:shade val="50000"/>
-              </a:schemeClr>
-            </a:solidFill>
-          </a:ln>
-        </p:spPr>
-        <p:txBody>
-          <a:bodyPr wrap="square">
-            <a:spAutoFit/>
-          </a:bodyPr>
-          <a:lstStyle/>
-          <a:p>
-            <a:r>
-              <a:rPr lang="en-US" sz="1100" b="1" dirty="0"/>
-              <a:t>revenue</a:t>
-            </a:r>
-          </a:p>
-          <a:p>
-            <a:r>
-              <a:rPr lang="en-US" sz="1100" dirty="0"/>
-              <a:t>country VARCHAR(30) NOT NULL</a:t>
-            </a:r>
-          </a:p>
-          <a:p>
-            <a:r>
-              <a:rPr lang="en-US" sz="1100" dirty="0"/>
-              <a:t>revenue INTEGER NOT NULL</a:t>
-            </a:r>
-          </a:p>
-          <a:p>
-            <a:r>
-              <a:rPr lang="en-US" sz="1100" dirty="0"/>
-              <a:t>gamers INTEGER NOT NULL</a:t>
-            </a:r>
-          </a:p>
-        </p:txBody>
-      </p:sp>
-      <p:sp>
-        <p:nvSpPr>
-          <p:cNvPr id="25" name="TextBox 24">
-            <a:extLst>
-              <a:ext uri="{FF2B5EF4-FFF2-40B4-BE49-F238E27FC236}">
-                <a16:creationId xmlns:a16="http://schemas.microsoft.com/office/drawing/2014/main" id="{B98210B5-C958-433D-AD0F-EFAE92A4866C}"/>
-              </a:ext>
-            </a:extLst>
-          </p:cNvPr>
-          <p:cNvSpPr txBox="1"/>
-          <p:nvPr/>
-        </p:nvSpPr>
-        <p:spPr>
-          <a:xfrm>
-            <a:off x="9341945" y="2248211"/>
-            <a:ext cx="2452180" cy="646331"/>
-          </a:xfrm>
-          <a:prstGeom prst="rect">
-            <a:avLst/>
-          </a:prstGeom>
-          <a:noFill/>
-          <a:ln>
-            <a:solidFill>
-              <a:schemeClr val="accent1">
-                <a:shade val="50000"/>
-              </a:schemeClr>
-            </a:solidFill>
-          </a:ln>
-        </p:spPr>
-        <p:txBody>
-          <a:bodyPr wrap="square">
-            <a:spAutoFit/>
-          </a:bodyPr>
-          <a:lstStyle/>
-          <a:p>
-            <a:r>
-              <a:rPr lang="en-US" sz="1200" b="1" dirty="0"/>
-              <a:t>age</a:t>
-            </a:r>
-          </a:p>
-          <a:p>
-            <a:r>
-              <a:rPr lang="en-US" sz="1200" dirty="0"/>
-              <a:t>age VARCHAR(30) NOT NULL,  </a:t>
-            </a:r>
-          </a:p>
-          <a:p>
-            <a:r>
-              <a:rPr lang="en-US" sz="1200" dirty="0" err="1"/>
-              <a:t>avg_hours</a:t>
-            </a:r>
-            <a:r>
-              <a:rPr lang="en-US" sz="1200" dirty="0"/>
-              <a:t> INTEGER NOT NULL</a:t>
-            </a:r>
-          </a:p>
-        </p:txBody>
-      </p:sp>
-      <p:sp>
-        <p:nvSpPr>
-          <p:cNvPr id="26" name="TextBox 25">
-            <a:extLst>
-              <a:ext uri="{FF2B5EF4-FFF2-40B4-BE49-F238E27FC236}">
-                <a16:creationId xmlns:a16="http://schemas.microsoft.com/office/drawing/2014/main" id="{78AF7B1A-E199-475D-B618-23EF29FECBC7}"/>
-              </a:ext>
-            </a:extLst>
-          </p:cNvPr>
-          <p:cNvSpPr txBox="1"/>
-          <p:nvPr/>
-        </p:nvSpPr>
-        <p:spPr>
-          <a:xfrm>
-            <a:off x="6798686" y="2248211"/>
-            <a:ext cx="2452181" cy="646331"/>
-          </a:xfrm>
-          <a:prstGeom prst="rect">
-            <a:avLst/>
-          </a:prstGeom>
-          <a:noFill/>
-          <a:ln>
-            <a:solidFill>
-              <a:schemeClr val="accent1">
-                <a:shade val="50000"/>
-              </a:schemeClr>
-            </a:solidFill>
-          </a:ln>
-        </p:spPr>
-        <p:txBody>
-          <a:bodyPr wrap="square">
-            <a:spAutoFit/>
-          </a:bodyPr>
-          <a:lstStyle/>
-          <a:p>
-            <a:r>
-              <a:rPr lang="en-US" sz="1200" b="1" dirty="0" err="1"/>
-              <a:t>hours_average_country</a:t>
-            </a:r>
-            <a:r>
-              <a:rPr lang="en-US" sz="1200" b="1" dirty="0"/>
+              <a:rPr lang="en-US" sz="4400" b="1" dirty="0">
+                <a:ln w="12700">
+                  <a:solidFill>
+                    <a:schemeClr val="tx1"/>
+                  </a:solidFill>
+                </a:ln>
+                <a:solidFill>
+                  <a:schemeClr val="bg1">
+                    <a:lumMod val="95000"/>
+                  </a:schemeClr>
+                </a:solidFill>
+                <a:effectLst>
+                  <a:glow rad="101600">
+                    <a:srgbClr val="FF0000">
+                      <a:alpha val="60000"/>
+                    </a:srgbClr>
+                  </a:glow>
+                </a:effectLst>
+                <a:latin typeface="Cambria Math" panose="02040503050406030204" pitchFamily="18" charset="0"/>
+                <a:ea typeface="Cambria Math" panose="02040503050406030204" pitchFamily="18" charset="0"/>
+              </a:rPr>
+              <a:t>Data &amp; Limitations:</a:t>
+            </a:r>
+          </a:p>
+          <a:p>
+            <a:endParaRPr lang="en-US" dirty="0"/>
+          </a:p>
+          <a:p>
+            <a:pPr marL="457200" indent="-457200">
+              <a:buFont typeface="Arial" panose="020B0604020202020204" pitchFamily="34" charset="0"/>
+              <a:buChar char="•"/>
+            </a:pPr>
+            <a:r>
+              <a:rPr lang="en-US" sz="2800" dirty="0">
+                <a:latin typeface="Cambria Math" panose="02040503050406030204" pitchFamily="18" charset="0"/>
+                <a:ea typeface="Cambria Math" panose="02040503050406030204" pitchFamily="18" charset="0"/>
+              </a:rPr>
+              <a:t>We searched for a free source of raw gamer data but one was not available (Statista offers raw data for a $468 annual fee)</a:t>
+            </a:r>
+          </a:p>
+          <a:p>
+            <a:pPr marL="457200" indent="-457200">
+              <a:buFont typeface="Arial" panose="020B0604020202020204" pitchFamily="34" charset="0"/>
+              <a:buChar char="•"/>
+            </a:pPr>
+            <a:r>
+              <a:rPr lang="en-US" sz="2800" dirty="0">
+                <a:latin typeface="Cambria Math" panose="02040503050406030204" pitchFamily="18" charset="0"/>
+                <a:ea typeface="Cambria Math" panose="02040503050406030204" pitchFamily="18" charset="0"/>
+              </a:rPr>
+              <a:t>We resorted to locating aggregated data sources and found the following:</a:t>
+            </a:r>
+          </a:p>
+          <a:p>
+            <a:pPr lvl="1" indent="-457200">
+              <a:buFont typeface="Arial" panose="020B0604020202020204" pitchFamily="34" charset="0"/>
+              <a:buChar char="•"/>
+            </a:pPr>
+            <a:r>
+              <a:rPr lang="en-US" sz="2800" dirty="0">
+                <a:latin typeface="Cambria Math" panose="02040503050406030204" pitchFamily="18" charset="0"/>
+                <a:ea typeface="Cambria Math" panose="02040503050406030204" pitchFamily="18" charset="0"/>
+                <a:hlinkClick r:id="rId4"/>
+              </a:rPr>
+              <a:t>https://financesonline.com/number-of-gamers-worldwide/</a:t>
+            </a:r>
+            <a:r>
+              <a:rPr lang="en-US" sz="2800" dirty="0">
+                <a:latin typeface="Cambria Math" panose="02040503050406030204" pitchFamily="18" charset="0"/>
+                <a:ea typeface="Cambria Math" panose="02040503050406030204" pitchFamily="18" charset="0"/>
+              </a:rPr>
               <a:t> </a:t>
             </a:r>
           </a:p>
           <a:p>
-            <a:r>
-              <a:rPr lang="en-US" sz="1200" dirty="0"/>
-              <a:t>Country VARCHAR(30) NOT NULL  </a:t>
-            </a:r>
-          </a:p>
-          <a:p>
-            <a:r>
-              <a:rPr lang="en-US" sz="1200" dirty="0" err="1"/>
-              <a:t>avg_hours</a:t>
-            </a:r>
-            <a:r>
-              <a:rPr lang="en-US" sz="1200" dirty="0"/>
-              <a:t> FLOAT NOT NULL</a:t>
-            </a:r>
-          </a:p>
-        </p:txBody>
-      </p:sp>
-      <p:sp>
-        <p:nvSpPr>
-          <p:cNvPr id="27" name="TextBox 26">
-            <a:extLst>
-              <a:ext uri="{FF2B5EF4-FFF2-40B4-BE49-F238E27FC236}">
-                <a16:creationId xmlns:a16="http://schemas.microsoft.com/office/drawing/2014/main" id="{73F64B03-6686-420A-9A53-D4B2CB9E9BD0}"/>
-              </a:ext>
-            </a:extLst>
-          </p:cNvPr>
-          <p:cNvSpPr txBox="1"/>
-          <p:nvPr/>
-        </p:nvSpPr>
-        <p:spPr>
-          <a:xfrm>
-            <a:off x="6812201" y="2953580"/>
-            <a:ext cx="2452191" cy="2308324"/>
-          </a:xfrm>
-          <a:prstGeom prst="rect">
-            <a:avLst/>
-          </a:prstGeom>
-          <a:noFill/>
-          <a:ln>
-            <a:solidFill>
-              <a:schemeClr val="accent1">
-                <a:shade val="50000"/>
-              </a:schemeClr>
-            </a:solidFill>
-          </a:ln>
-        </p:spPr>
-        <p:txBody>
-          <a:bodyPr wrap="square">
-            <a:spAutoFit/>
-          </a:bodyPr>
-          <a:lstStyle/>
-          <a:p>
-            <a:r>
-              <a:rPr lang="en-US" sz="1200" b="1" dirty="0" err="1"/>
-              <a:t>top_ten</a:t>
-            </a:r>
-            <a:endParaRPr lang="en-US" sz="1200" b="1" dirty="0"/>
-          </a:p>
-          <a:p>
-            <a:r>
-              <a:rPr lang="en-US" sz="1200" dirty="0"/>
-              <a:t>date DATE NOT NULL  </a:t>
-            </a:r>
-          </a:p>
-          <a:p>
-            <a:r>
-              <a:rPr lang="en-US" sz="1200" dirty="0"/>
-              <a:t>dota_2 INTEGER NOT NULL</a:t>
-            </a:r>
-          </a:p>
-          <a:p>
-            <a:r>
-              <a:rPr lang="en-US" sz="1200" dirty="0" err="1"/>
-              <a:t>counter_strike</a:t>
-            </a:r>
-            <a:r>
-              <a:rPr lang="en-US" sz="1200" dirty="0"/>
-              <a:t> INTEGER NOT NULL</a:t>
-            </a:r>
-          </a:p>
-          <a:p>
-            <a:r>
-              <a:rPr lang="en-US" sz="1200" dirty="0"/>
-              <a:t>terraria INTEGER NOT NULL	</a:t>
-            </a:r>
-          </a:p>
-          <a:p>
-            <a:r>
-              <a:rPr lang="en-US" sz="1200" dirty="0"/>
-              <a:t>postal INTEGER NOT NULL	</a:t>
-            </a:r>
-          </a:p>
-          <a:p>
-            <a:r>
-              <a:rPr lang="en-US" sz="1200" dirty="0" err="1"/>
-              <a:t>gta</a:t>
-            </a:r>
-            <a:r>
-              <a:rPr lang="en-US" sz="1200" dirty="0"/>
-              <a:t> INTEGER NOT NULL</a:t>
-            </a:r>
-          </a:p>
-          <a:p>
-            <a:r>
-              <a:rPr lang="en-US" sz="1200" dirty="0"/>
-              <a:t>fallout_4 INTEGER NOT NULL</a:t>
-            </a:r>
-          </a:p>
-          <a:p>
-            <a:r>
-              <a:rPr lang="en-US" sz="1200" dirty="0" err="1"/>
-              <a:t>life_is_strange</a:t>
-            </a:r>
-            <a:r>
-              <a:rPr lang="en-US" sz="1200" dirty="0"/>
-              <a:t> INTEGER NOT NULL</a:t>
-            </a:r>
-          </a:p>
-          <a:p>
-            <a:r>
-              <a:rPr lang="en-US" sz="1200" dirty="0"/>
-              <a:t>battlegrounds INTEGER NOT NULL</a:t>
-            </a:r>
-          </a:p>
-          <a:p>
-            <a:r>
-              <a:rPr lang="en-US" sz="1200" dirty="0"/>
-              <a:t>hitman_2 INTEGER NOT NULL</a:t>
-            </a:r>
-          </a:p>
-          <a:p>
-            <a:r>
-              <a:rPr lang="en-US" sz="1200" dirty="0" err="1"/>
-              <a:t>among_us</a:t>
-            </a:r>
-            <a:r>
-              <a:rPr lang="en-US" sz="1200" dirty="0"/>
-              <a:t> INTEGER NOT NULL</a:t>
-            </a:r>
-          </a:p>
-        </p:txBody>
-      </p:sp>
-      <p:sp>
-        <p:nvSpPr>
-          <p:cNvPr id="31" name="TextBox 30">
-            <a:extLst>
-              <a:ext uri="{FF2B5EF4-FFF2-40B4-BE49-F238E27FC236}">
-                <a16:creationId xmlns:a16="http://schemas.microsoft.com/office/drawing/2014/main" id="{F37701C6-13E1-49FC-861D-9F4DC4618740}"/>
-              </a:ext>
-            </a:extLst>
-          </p:cNvPr>
-          <p:cNvSpPr txBox="1"/>
-          <p:nvPr/>
-        </p:nvSpPr>
-        <p:spPr>
-          <a:xfrm>
-            <a:off x="9341945" y="1434918"/>
-            <a:ext cx="2452181" cy="769441"/>
-          </a:xfrm>
-          <a:prstGeom prst="rect">
-            <a:avLst/>
-          </a:prstGeom>
-          <a:noFill/>
-          <a:ln>
-            <a:solidFill>
-              <a:schemeClr val="accent1">
-                <a:shade val="50000"/>
-              </a:schemeClr>
-            </a:solidFill>
-          </a:ln>
-        </p:spPr>
-        <p:txBody>
-          <a:bodyPr wrap="square">
-            <a:spAutoFit/>
-          </a:bodyPr>
-          <a:lstStyle/>
-          <a:p>
-            <a:r>
-              <a:rPr lang="en-US" sz="1100" b="1" dirty="0" err="1"/>
-              <a:t>steam_users_lifetime</a:t>
-            </a:r>
-            <a:endParaRPr lang="en-US" sz="1100" b="1" dirty="0"/>
-          </a:p>
-          <a:p>
-            <a:r>
-              <a:rPr lang="en-US" sz="1100" dirty="0"/>
-              <a:t>date </a:t>
-            </a:r>
-            <a:r>
-              <a:rPr lang="en-US" sz="1100" dirty="0" err="1"/>
-              <a:t>DATE</a:t>
-            </a:r>
-            <a:r>
-              <a:rPr lang="en-US" sz="1100" dirty="0"/>
-              <a:t> NOT NULL, </a:t>
-            </a:r>
-          </a:p>
-          <a:p>
-            <a:r>
-              <a:rPr lang="en-US" sz="1100" dirty="0"/>
-              <a:t>users INTEGER NOT NULL</a:t>
-            </a:r>
-          </a:p>
-          <a:p>
-            <a:r>
-              <a:rPr lang="en-US" sz="1100" dirty="0" err="1"/>
-              <a:t>in_game</a:t>
-            </a:r>
-            <a:r>
-              <a:rPr lang="en-US" sz="1100" dirty="0"/>
-              <a:t> INTEGER NOT NULL</a:t>
-            </a:r>
-          </a:p>
-        </p:txBody>
-      </p:sp>
-      <p:sp>
-        <p:nvSpPr>
-          <p:cNvPr id="34" name="TextBox 33">
-            <a:extLst>
-              <a:ext uri="{FF2B5EF4-FFF2-40B4-BE49-F238E27FC236}">
-                <a16:creationId xmlns:a16="http://schemas.microsoft.com/office/drawing/2014/main" id="{D34BD664-3B17-4D41-BCC3-84F40897FAC9}"/>
-              </a:ext>
-            </a:extLst>
-          </p:cNvPr>
-          <p:cNvSpPr txBox="1"/>
-          <p:nvPr/>
-        </p:nvSpPr>
-        <p:spPr>
-          <a:xfrm>
-            <a:off x="9341945" y="2951006"/>
-            <a:ext cx="2452180" cy="830997"/>
-          </a:xfrm>
-          <a:prstGeom prst="rect">
-            <a:avLst/>
-          </a:prstGeom>
-          <a:noFill/>
-          <a:ln>
-            <a:solidFill>
-              <a:schemeClr val="accent1">
-                <a:shade val="50000"/>
-              </a:schemeClr>
-            </a:solidFill>
-          </a:ln>
-        </p:spPr>
-        <p:txBody>
-          <a:bodyPr wrap="square">
-            <a:spAutoFit/>
-          </a:bodyPr>
-          <a:lstStyle/>
-          <a:p>
-            <a:r>
-              <a:rPr lang="en-US" sz="1200" b="1" dirty="0" err="1"/>
-              <a:t>country_hours</a:t>
-            </a:r>
-            <a:endParaRPr lang="en-US" sz="1200" b="1" dirty="0"/>
-          </a:p>
-          <a:p>
-            <a:r>
-              <a:rPr lang="en-US" sz="1200" dirty="0"/>
-              <a:t>country VARCHAR(30) NOT NULL  </a:t>
-            </a:r>
-            <a:r>
-              <a:rPr lang="en-US" sz="1200" dirty="0" err="1"/>
-              <a:t>avg_hours</a:t>
-            </a:r>
-            <a:r>
-              <a:rPr lang="en-US" sz="1200" dirty="0"/>
-              <a:t> INTEGER NOT NULL  </a:t>
-            </a:r>
-            <a:r>
-              <a:rPr lang="en-US" sz="1200" dirty="0" err="1"/>
-              <a:t>latlng</a:t>
-            </a:r>
-            <a:r>
-              <a:rPr lang="en-US" sz="1200" dirty="0"/>
-              <a:t> VARCHAR NOT NULL</a:t>
-            </a:r>
+            <a:pPr lvl="1" indent="-457200">
+              <a:buFont typeface="Arial" panose="020B0604020202020204" pitchFamily="34" charset="0"/>
+              <a:buChar char="•"/>
+            </a:pPr>
+            <a:r>
+              <a:rPr lang="en-US" sz="2800" dirty="0">
+                <a:latin typeface="Cambria Math" panose="02040503050406030204" pitchFamily="18" charset="0"/>
+                <a:ea typeface="Cambria Math" panose="02040503050406030204" pitchFamily="18" charset="0"/>
+                <a:hlinkClick r:id="rId5"/>
+              </a:rPr>
+              <a:t>https://www.limelight.com/resources/white-paper/state-of-online-gaming-2019/#appendix</a:t>
+            </a:r>
+            <a:r>
+              <a:rPr lang="en-US" sz="2800" dirty="0">
+                <a:latin typeface="Cambria Math" panose="02040503050406030204" pitchFamily="18" charset="0"/>
+                <a:ea typeface="Cambria Math" panose="02040503050406030204" pitchFamily="18" charset="0"/>
+              </a:rPr>
+              <a:t> </a:t>
+            </a:r>
+          </a:p>
+          <a:p>
+            <a:pPr lvl="1" indent="-457200">
+              <a:buFont typeface="Arial" panose="020B0604020202020204" pitchFamily="34" charset="0"/>
+              <a:buChar char="•"/>
+            </a:pPr>
+            <a:r>
+              <a:rPr lang="en-US" sz="2800" dirty="0">
+                <a:latin typeface="Cambria Math" panose="02040503050406030204" pitchFamily="18" charset="0"/>
+                <a:ea typeface="Cambria Math" panose="02040503050406030204" pitchFamily="18" charset="0"/>
+                <a:hlinkClick r:id="rId6"/>
+              </a:rPr>
+              <a:t>https://steamdb.info/app/753/graphs/</a:t>
+            </a:r>
+            <a:r>
+              <a:rPr lang="en-US" sz="2800" dirty="0">
+                <a:latin typeface="Cambria Math" panose="02040503050406030204" pitchFamily="18" charset="0"/>
+                <a:ea typeface="Cambria Math" panose="02040503050406030204" pitchFamily="18" charset="0"/>
+              </a:rPr>
+              <a:t> </a:t>
+            </a:r>
+          </a:p>
+          <a:p>
+            <a:pPr marL="457200" indent="-457200">
+              <a:buFont typeface="Arial" panose="020B0604020202020204" pitchFamily="34" charset="0"/>
+              <a:buChar char="•"/>
+            </a:pPr>
+            <a:r>
+              <a:rPr lang="en-US" sz="2800" dirty="0">
+                <a:latin typeface="Cambria Math" panose="02040503050406030204" pitchFamily="18" charset="0"/>
+                <a:ea typeface="Cambria Math" panose="02040503050406030204" pitchFamily="18" charset="0"/>
+              </a:rPr>
+              <a:t>These aggregated data sources made it impossible to draw analytical conclusions from the data</a:t>
+            </a:r>
+          </a:p>
+          <a:p>
+            <a:endParaRPr lang="en-US" dirty="0"/>
           </a:p>
         </p:txBody>
       </p:sp>
     </p:spTree>
     <p:extLst>
       <p:ext uri="{BB962C8B-B14F-4D97-AF65-F5344CB8AC3E}">
-        <p14:creationId xmlns:p14="http://schemas.microsoft.com/office/powerpoint/2010/main" val="3352988600"/>
+        <p14:creationId xmlns:p14="http://schemas.microsoft.com/office/powerpoint/2010/main" val="2304348293"/>
       </p:ext>
     </p:extLst>
   </p:cSld>
@@ -5098,138 +4774,127 @@
           <a:chExt cx="0" cy="0"/>
         </a:xfrm>
       </p:grpSpPr>
-      <p:sp>
-        <p:nvSpPr>
-          <p:cNvPr id="2" name="Title 1">
-            <a:extLst>
-              <a:ext uri="{FF2B5EF4-FFF2-40B4-BE49-F238E27FC236}">
-                <a16:creationId xmlns:a16="http://schemas.microsoft.com/office/drawing/2014/main" id="{60C41ADF-50A9-4DEA-9572-9192A1D3F596}"/>
-              </a:ext>
-            </a:extLst>
-          </p:cNvPr>
-          <p:cNvSpPr>
-            <a:spLocks noGrp="1"/>
-          </p:cNvSpPr>
-          <p:nvPr>
-            <p:ph type="title"/>
-          </p:nvPr>
-        </p:nvSpPr>
-        <p:spPr>
-          <a:xfrm>
-            <a:off x="838200" y="365126"/>
-            <a:ext cx="10515600" cy="723842"/>
-          </a:xfrm>
-        </p:spPr>
-        <p:txBody>
-          <a:bodyPr/>
-          <a:lstStyle/>
-          <a:p>
-            <a:r>
-              <a:rPr lang="en-US" dirty="0"/>
-              <a:t>Steps to Recreate The Project Locally</a:t>
-            </a:r>
-          </a:p>
-        </p:txBody>
-      </p:sp>
-      <p:sp>
-        <p:nvSpPr>
-          <p:cNvPr id="3" name="Content Placeholder 2">
-            <a:extLst>
-              <a:ext uri="{FF2B5EF4-FFF2-40B4-BE49-F238E27FC236}">
-                <a16:creationId xmlns:a16="http://schemas.microsoft.com/office/drawing/2014/main" id="{7A39C7CC-9206-4DAA-904C-4616E7642F9A}"/>
-              </a:ext>
-            </a:extLst>
-          </p:cNvPr>
-          <p:cNvSpPr>
-            <a:spLocks noGrp="1"/>
-          </p:cNvSpPr>
-          <p:nvPr>
-            <p:ph idx="1"/>
-          </p:nvPr>
-        </p:nvSpPr>
-        <p:spPr>
-          <a:xfrm>
-            <a:off x="838200" y="1163782"/>
-            <a:ext cx="10515600" cy="5478087"/>
-          </a:xfrm>
-        </p:spPr>
-        <p:txBody>
-          <a:bodyPr/>
-          <a:lstStyle/>
-          <a:p>
-            <a:pPr marL="514350" indent="-514350">
-              <a:buAutoNum type="arabicPeriod"/>
-            </a:pPr>
-            <a:r>
-              <a:rPr lang="en-US" dirty="0"/>
-              <a:t>Open PostgreSQL and create a database called Gamers</a:t>
-            </a:r>
-          </a:p>
-          <a:p>
-            <a:pPr marL="0" indent="0">
-              <a:buNone/>
-            </a:pPr>
+      <p:pic>
+        <p:nvPicPr>
+          <p:cNvPr id="2" name="Picture 1">
+            <a:extLst>
+              <a:ext uri="{FF2B5EF4-FFF2-40B4-BE49-F238E27FC236}">
+                <a16:creationId xmlns:a16="http://schemas.microsoft.com/office/drawing/2014/main" id="{F0155B80-32B0-4024-8D60-94E8C0AEC79B}"/>
+              </a:ext>
+            </a:extLst>
+          </p:cNvPr>
+          <p:cNvPicPr>
+            <a:picLocks noChangeAspect="1"/>
+          </p:cNvPicPr>
+          <p:nvPr/>
+        </p:nvPicPr>
+        <p:blipFill rotWithShape="1">
+          <a:blip r:embed="rId2"/>
+          <a:srcRect l="25234" t="3706" r="27426" b="73578"/>
+          <a:stretch/>
+        </p:blipFill>
+        <p:spPr>
+          <a:xfrm>
+            <a:off x="0" y="6668"/>
+            <a:ext cx="12192000" cy="1558967"/>
+          </a:xfrm>
+          <a:prstGeom prst="rect">
+            <a:avLst/>
+          </a:prstGeom>
+        </p:spPr>
+      </p:pic>
+      <p:sp>
+        <p:nvSpPr>
+          <p:cNvPr id="4" name="TextBox 3">
+            <a:extLst>
+              <a:ext uri="{FF2B5EF4-FFF2-40B4-BE49-F238E27FC236}">
+                <a16:creationId xmlns:a16="http://schemas.microsoft.com/office/drawing/2014/main" id="{64FDC73F-EE22-4395-9CA8-16461D429C4A}"/>
+              </a:ext>
+            </a:extLst>
+          </p:cNvPr>
+          <p:cNvSpPr txBox="1"/>
+          <p:nvPr/>
+        </p:nvSpPr>
+        <p:spPr>
+          <a:xfrm>
+            <a:off x="694363" y="694782"/>
+            <a:ext cx="10803274" cy="1323439"/>
+          </a:xfrm>
+          <a:prstGeom prst="rect">
+            <a:avLst/>
+          </a:prstGeom>
+          <a:noFill/>
+        </p:spPr>
+        <p:txBody>
+          <a:bodyPr wrap="square" rtlCol="0">
+            <a:spAutoFit/>
+          </a:bodyPr>
+          <a:lstStyle/>
+          <a:p>
+            <a:r>
+              <a:rPr lang="en-US" sz="4400" b="1" dirty="0">
+                <a:ln w="12700">
+                  <a:solidFill>
+                    <a:schemeClr val="tx1"/>
+                  </a:solidFill>
+                </a:ln>
+                <a:solidFill>
+                  <a:schemeClr val="bg1">
+                    <a:lumMod val="95000"/>
+                  </a:schemeClr>
+                </a:solidFill>
+                <a:effectLst>
+                  <a:glow rad="101600">
+                    <a:srgbClr val="FF0000">
+                      <a:alpha val="60000"/>
+                    </a:srgbClr>
+                  </a:glow>
+                </a:effectLst>
+                <a:latin typeface="Cambria Math" panose="02040503050406030204" pitchFamily="18" charset="0"/>
+                <a:ea typeface="Cambria Math" panose="02040503050406030204" pitchFamily="18" charset="0"/>
+              </a:rPr>
+              <a:t>Data Flow &amp; Architecture:</a:t>
+            </a:r>
+          </a:p>
+          <a:p>
             <a:endParaRPr lang="en-US" dirty="0"/>
           </a:p>
           <a:p>
-            <a:pPr marL="0" indent="0">
-              <a:buNone/>
-            </a:pPr>
-            <a:r>
-              <a:rPr lang="en-US" dirty="0"/>
-              <a:t>2. Use the postgres_create_table_script.txt file to create the necessary tables in Postgres</a:t>
-            </a:r>
-          </a:p>
-          <a:p>
-            <a:pPr marL="0" indent="0">
-              <a:buNone/>
-            </a:pPr>
             <a:endParaRPr lang="en-US" dirty="0"/>
           </a:p>
-          <a:p>
-            <a:pPr marL="0" indent="0">
-              <a:buNone/>
-            </a:pPr>
-            <a:r>
-              <a:rPr lang="en-US" dirty="0"/>
-              <a:t>3. Open the Project_2_flask.py file and update the Postgres password on line 28 to your own</a:t>
-            </a:r>
-          </a:p>
-          <a:p>
-            <a:pPr marL="0" indent="0">
-              <a:buNone/>
-            </a:pPr>
-            <a:endParaRPr lang="en-US" dirty="0"/>
-          </a:p>
-          <a:p>
-            <a:pPr marL="0" indent="0">
-              <a:buNone/>
-            </a:pPr>
-            <a:r>
-              <a:rPr lang="en-US" dirty="0"/>
-              <a:t>4. Run the Project_2_flask.py file to start the flask server</a:t>
-            </a:r>
-          </a:p>
-        </p:txBody>
-      </p:sp>
-      <p:sp>
-        <p:nvSpPr>
-          <p:cNvPr id="7" name="AutoShape 4" descr="Installing Jupyter Notebook. please refer to this article if you… | by  Chinmay s yalameli | Medium">
-            <a:extLst>
-              <a:ext uri="{FF2B5EF4-FFF2-40B4-BE49-F238E27FC236}">
-                <a16:creationId xmlns:a16="http://schemas.microsoft.com/office/drawing/2014/main" id="{2640B1FC-BA5F-41CD-A454-94301485699D}"/>
-              </a:ext>
-            </a:extLst>
-          </p:cNvPr>
-          <p:cNvSpPr>
-            <a:spLocks noChangeAspect="1" noChangeArrowheads="1"/>
-          </p:cNvSpPr>
+        </p:txBody>
+      </p:sp>
+      <p:pic>
+        <p:nvPicPr>
+          <p:cNvPr id="5" name="Picture 2" descr="Green csv icon - Free green file icons">
+            <a:extLst>
+              <a:ext uri="{FF2B5EF4-FFF2-40B4-BE49-F238E27FC236}">
+                <a16:creationId xmlns:a16="http://schemas.microsoft.com/office/drawing/2014/main" id="{F52A1D62-A75C-4780-BFFE-A48F7978A14D}"/>
+              </a:ext>
+            </a:extLst>
+          </p:cNvPr>
+          <p:cNvPicPr>
+            <a:picLocks noChangeAspect="1" noChangeArrowheads="1"/>
+          </p:cNvPicPr>
           <p:nvPr/>
-        </p:nvSpPr>
+        </p:nvPicPr>
+        <p:blipFill>
+          <a:blip r:embed="rId3">
+            <a:extLst>
+              <a:ext uri="{28A0092B-C50C-407E-A947-70E740481C1C}">
+                <a14:useLocalDpi xmlns:a14="http://schemas.microsoft.com/office/drawing/2010/main" val="0"/>
+              </a:ext>
+            </a:extLst>
+          </a:blip>
+          <a:srcRect/>
+          <a:stretch>
+            <a:fillRect/>
+          </a:stretch>
+        </p:blipFill>
         <p:spPr bwMode="auto">
           <a:xfrm>
-            <a:off x="5943600" y="3649824"/>
-            <a:ext cx="304800" cy="304800"/>
+            <a:off x="838200" y="2290284"/>
+            <a:ext cx="594966" cy="594966"/>
           </a:xfrm>
           <a:prstGeom prst="rect">
             <a:avLst/>
@@ -5245,6 +4910,84 @@
             </a:ext>
           </a:extLst>
         </p:spPr>
+      </p:pic>
+      <p:cxnSp>
+        <p:nvCxnSpPr>
+          <p:cNvPr id="6" name="Straight Arrow Connector 5">
+            <a:extLst>
+              <a:ext uri="{FF2B5EF4-FFF2-40B4-BE49-F238E27FC236}">
+                <a16:creationId xmlns:a16="http://schemas.microsoft.com/office/drawing/2014/main" id="{C1662443-BFE2-41D9-A43E-CE988BFD375A}"/>
+              </a:ext>
+            </a:extLst>
+          </p:cNvPr>
+          <p:cNvCxnSpPr>
+            <a:cxnSpLocks/>
+          </p:cNvCxnSpPr>
+          <p:nvPr/>
+        </p:nvCxnSpPr>
+        <p:spPr>
+          <a:xfrm>
+            <a:off x="1498480" y="2605502"/>
+            <a:ext cx="703544" cy="0"/>
+          </a:xfrm>
+          <a:prstGeom prst="straightConnector1">
+            <a:avLst/>
+          </a:prstGeom>
+          <a:ln w="38100">
+            <a:solidFill>
+              <a:srgbClr val="FF0000"/>
+            </a:solidFill>
+            <a:tailEnd type="triangle"/>
+          </a:ln>
+        </p:spPr>
+        <p:style>
+          <a:lnRef idx="1">
+            <a:schemeClr val="accent1"/>
+          </a:lnRef>
+          <a:fillRef idx="0">
+            <a:schemeClr val="accent1"/>
+          </a:fillRef>
+          <a:effectRef idx="0">
+            <a:schemeClr val="accent1"/>
+          </a:effectRef>
+          <a:fontRef idx="minor">
+            <a:schemeClr val="tx1"/>
+          </a:fontRef>
+        </p:style>
+      </p:cxnSp>
+      <p:sp>
+        <p:nvSpPr>
+          <p:cNvPr id="7" name="AutoShape 4" descr="Installing Jupyter Notebook. please refer to this article if you… | by  Chinmay s yalameli | Medium">
+            <a:extLst>
+              <a:ext uri="{FF2B5EF4-FFF2-40B4-BE49-F238E27FC236}">
+                <a16:creationId xmlns:a16="http://schemas.microsoft.com/office/drawing/2014/main" id="{41C20F36-F5D3-49A9-B5F6-C1C1965088B5}"/>
+              </a:ext>
+            </a:extLst>
+          </p:cNvPr>
+          <p:cNvSpPr>
+            <a:spLocks noChangeAspect="1" noChangeArrowheads="1"/>
+          </p:cNvSpPr>
+          <p:nvPr/>
+        </p:nvSpPr>
+        <p:spPr bwMode="auto">
+          <a:xfrm>
+            <a:off x="5176720" y="4120469"/>
+            <a:ext cx="304800" cy="304800"/>
+          </a:xfrm>
+          <a:prstGeom prst="rect">
+            <a:avLst/>
+          </a:prstGeom>
+          <a:noFill/>
+          <a:extLst>
+            <a:ext uri="{909E8E84-426E-40DD-AFC4-6F175D3DCCD1}">
+              <a14:hiddenFill xmlns:a14="http://schemas.microsoft.com/office/drawing/2010/main">
+                <a:solidFill>
+                  <a:srgbClr val="FFFFFF"/>
+                </a:solidFill>
+              </a14:hiddenFill>
+            </a:ext>
+          </a:extLst>
+        </p:spPr>
         <p:txBody>
           <a:bodyPr vert="horz" wrap="square" lIns="91440" tIns="45720" rIns="91440" bIns="45720" numCol="1" anchor="t" anchorCtr="0" compatLnSpc="1">
             <a:prstTxWarp prst="textNoShape">
@@ -5257,10 +5000,1211 @@
           </a:p>
         </p:txBody>
       </p:sp>
+      <p:pic>
+        <p:nvPicPr>
+          <p:cNvPr id="8" name="Picture 7">
+            <a:extLst>
+              <a:ext uri="{FF2B5EF4-FFF2-40B4-BE49-F238E27FC236}">
+                <a16:creationId xmlns:a16="http://schemas.microsoft.com/office/drawing/2014/main" id="{3ACB4949-9D99-428F-B2E6-ED30BE45BD4D}"/>
+              </a:ext>
+            </a:extLst>
+          </p:cNvPr>
+          <p:cNvPicPr>
+            <a:picLocks noChangeAspect="1"/>
+          </p:cNvPicPr>
+          <p:nvPr/>
+        </p:nvPicPr>
+        <p:blipFill>
+          <a:blip r:embed="rId4"/>
+          <a:stretch>
+            <a:fillRect/>
+          </a:stretch>
+        </p:blipFill>
+        <p:spPr>
+          <a:xfrm>
+            <a:off x="2202024" y="1932837"/>
+            <a:ext cx="1646918" cy="1488814"/>
+          </a:xfrm>
+          <a:prstGeom prst="rect">
+            <a:avLst/>
+          </a:prstGeom>
+        </p:spPr>
+      </p:pic>
+      <p:cxnSp>
+        <p:nvCxnSpPr>
+          <p:cNvPr id="9" name="Straight Arrow Connector 8">
+            <a:extLst>
+              <a:ext uri="{FF2B5EF4-FFF2-40B4-BE49-F238E27FC236}">
+                <a16:creationId xmlns:a16="http://schemas.microsoft.com/office/drawing/2014/main" id="{6E16D2C9-D1FE-47D7-B496-861B8DAD1D50}"/>
+              </a:ext>
+            </a:extLst>
+          </p:cNvPr>
+          <p:cNvCxnSpPr>
+            <a:cxnSpLocks/>
+          </p:cNvCxnSpPr>
+          <p:nvPr/>
+        </p:nvCxnSpPr>
+        <p:spPr>
+          <a:xfrm>
+            <a:off x="3848942" y="2676648"/>
+            <a:ext cx="704397" cy="596"/>
+          </a:xfrm>
+          <a:prstGeom prst="straightConnector1">
+            <a:avLst/>
+          </a:prstGeom>
+          <a:ln w="38100">
+            <a:solidFill>
+              <a:srgbClr val="FF0000"/>
+            </a:solidFill>
+            <a:tailEnd type="triangle"/>
+          </a:ln>
+        </p:spPr>
+        <p:style>
+          <a:lnRef idx="1">
+            <a:schemeClr val="accent1"/>
+          </a:lnRef>
+          <a:fillRef idx="0">
+            <a:schemeClr val="accent1"/>
+          </a:fillRef>
+          <a:effectRef idx="0">
+            <a:schemeClr val="accent1"/>
+          </a:effectRef>
+          <a:fontRef idx="minor">
+            <a:schemeClr val="tx1"/>
+          </a:fontRef>
+        </p:style>
+      </p:cxnSp>
+      <p:pic>
+        <p:nvPicPr>
+          <p:cNvPr id="10" name="Picture 9">
+            <a:extLst>
+              <a:ext uri="{FF2B5EF4-FFF2-40B4-BE49-F238E27FC236}">
+                <a16:creationId xmlns:a16="http://schemas.microsoft.com/office/drawing/2014/main" id="{70AAFCFA-531D-4030-807E-B20399ACCA92}"/>
+              </a:ext>
+            </a:extLst>
+          </p:cNvPr>
+          <p:cNvPicPr>
+            <a:picLocks noChangeAspect="1"/>
+          </p:cNvPicPr>
+          <p:nvPr/>
+        </p:nvPicPr>
+        <p:blipFill>
+          <a:blip r:embed="rId5"/>
+          <a:stretch>
+            <a:fillRect/>
+          </a:stretch>
+        </p:blipFill>
+        <p:spPr>
+          <a:xfrm>
+            <a:off x="4599519" y="2106617"/>
+            <a:ext cx="1792681" cy="1258570"/>
+          </a:xfrm>
+          <a:prstGeom prst="rect">
+            <a:avLst/>
+          </a:prstGeom>
+        </p:spPr>
+      </p:pic>
+      <p:pic>
+        <p:nvPicPr>
+          <p:cNvPr id="11" name="Picture 10">
+            <a:extLst>
+              <a:ext uri="{FF2B5EF4-FFF2-40B4-BE49-F238E27FC236}">
+                <a16:creationId xmlns:a16="http://schemas.microsoft.com/office/drawing/2014/main" id="{7A812DC8-8492-4E8C-9348-1CD69F442DE4}"/>
+              </a:ext>
+            </a:extLst>
+          </p:cNvPr>
+          <p:cNvPicPr>
+            <a:picLocks noChangeAspect="1"/>
+          </p:cNvPicPr>
+          <p:nvPr/>
+        </p:nvPicPr>
+        <p:blipFill>
+          <a:blip r:embed="rId6"/>
+          <a:stretch>
+            <a:fillRect/>
+          </a:stretch>
+        </p:blipFill>
+        <p:spPr>
+          <a:xfrm>
+            <a:off x="3204784" y="4751883"/>
+            <a:ext cx="2560300" cy="1424007"/>
+          </a:xfrm>
+          <a:prstGeom prst="rect">
+            <a:avLst/>
+          </a:prstGeom>
+        </p:spPr>
+      </p:pic>
+      <p:pic>
+        <p:nvPicPr>
+          <p:cNvPr id="12" name="Picture 11">
+            <a:extLst>
+              <a:ext uri="{FF2B5EF4-FFF2-40B4-BE49-F238E27FC236}">
+                <a16:creationId xmlns:a16="http://schemas.microsoft.com/office/drawing/2014/main" id="{191D6194-7C59-4808-9087-4127EED229CB}"/>
+              </a:ext>
+            </a:extLst>
+          </p:cNvPr>
+          <p:cNvPicPr>
+            <a:picLocks noChangeAspect="1"/>
+          </p:cNvPicPr>
+          <p:nvPr/>
+        </p:nvPicPr>
+        <p:blipFill>
+          <a:blip r:embed="rId7"/>
+          <a:stretch>
+            <a:fillRect/>
+          </a:stretch>
+        </p:blipFill>
+        <p:spPr>
+          <a:xfrm rot="10800000">
+            <a:off x="5344937" y="5692673"/>
+            <a:ext cx="315349" cy="231668"/>
+          </a:xfrm>
+          <a:prstGeom prst="rect">
+            <a:avLst/>
+          </a:prstGeom>
+        </p:spPr>
+      </p:pic>
+      <p:pic>
+        <p:nvPicPr>
+          <p:cNvPr id="13" name="Picture 12">
+            <a:extLst>
+              <a:ext uri="{FF2B5EF4-FFF2-40B4-BE49-F238E27FC236}">
+                <a16:creationId xmlns:a16="http://schemas.microsoft.com/office/drawing/2014/main" id="{ACE02A65-6889-4A99-A6BA-4664B0A29D06}"/>
+              </a:ext>
+            </a:extLst>
+          </p:cNvPr>
+          <p:cNvPicPr>
+            <a:picLocks noChangeAspect="1"/>
+          </p:cNvPicPr>
+          <p:nvPr/>
+        </p:nvPicPr>
+        <p:blipFill>
+          <a:blip r:embed="rId8"/>
+          <a:stretch>
+            <a:fillRect/>
+          </a:stretch>
+        </p:blipFill>
+        <p:spPr>
+          <a:xfrm>
+            <a:off x="350545" y="4752236"/>
+            <a:ext cx="2452190" cy="1784243"/>
+          </a:xfrm>
+          <a:prstGeom prst="rect">
+            <a:avLst/>
+          </a:prstGeom>
+        </p:spPr>
+      </p:pic>
+      <p:pic>
+        <p:nvPicPr>
+          <p:cNvPr id="14" name="Picture 13">
+            <a:extLst>
+              <a:ext uri="{FF2B5EF4-FFF2-40B4-BE49-F238E27FC236}">
+                <a16:creationId xmlns:a16="http://schemas.microsoft.com/office/drawing/2014/main" id="{4E631F54-9274-4602-83E6-D4CCB21C3290}"/>
+              </a:ext>
+            </a:extLst>
+          </p:cNvPr>
+          <p:cNvPicPr>
+            <a:picLocks noChangeAspect="1"/>
+          </p:cNvPicPr>
+          <p:nvPr/>
+        </p:nvPicPr>
+        <p:blipFill>
+          <a:blip r:embed="rId7"/>
+          <a:stretch>
+            <a:fillRect/>
+          </a:stretch>
+        </p:blipFill>
+        <p:spPr>
+          <a:xfrm rot="10800000">
+            <a:off x="2889433" y="5706624"/>
+            <a:ext cx="630701" cy="231668"/>
+          </a:xfrm>
+          <a:prstGeom prst="rect">
+            <a:avLst/>
+          </a:prstGeom>
+        </p:spPr>
+      </p:pic>
+      <p:cxnSp>
+        <p:nvCxnSpPr>
+          <p:cNvPr id="15" name="Straight Connector 14">
+            <a:extLst>
+              <a:ext uri="{FF2B5EF4-FFF2-40B4-BE49-F238E27FC236}">
+                <a16:creationId xmlns:a16="http://schemas.microsoft.com/office/drawing/2014/main" id="{08DF1F7A-9465-4D53-B05F-D0401059F43D}"/>
+              </a:ext>
+            </a:extLst>
+          </p:cNvPr>
+          <p:cNvCxnSpPr>
+            <a:cxnSpLocks/>
+          </p:cNvCxnSpPr>
+          <p:nvPr/>
+        </p:nvCxnSpPr>
+        <p:spPr>
+          <a:xfrm flipH="1" flipV="1">
+            <a:off x="5621479" y="3334637"/>
+            <a:ext cx="38807" cy="2476584"/>
+          </a:xfrm>
+          <a:prstGeom prst="line">
+            <a:avLst/>
+          </a:prstGeom>
+          <a:ln w="38100">
+            <a:solidFill>
+              <a:srgbClr val="FF0000"/>
+            </a:solidFill>
+          </a:ln>
+        </p:spPr>
+        <p:style>
+          <a:lnRef idx="1">
+            <a:schemeClr val="accent1"/>
+          </a:lnRef>
+          <a:fillRef idx="0">
+            <a:schemeClr val="accent1"/>
+          </a:fillRef>
+          <a:effectRef idx="0">
+            <a:schemeClr val="accent1"/>
+          </a:effectRef>
+          <a:fontRef idx="minor">
+            <a:schemeClr val="tx1"/>
+          </a:fontRef>
+        </p:style>
+      </p:cxnSp>
+      <p:sp>
+        <p:nvSpPr>
+          <p:cNvPr id="16" name="TextBox 15">
+            <a:extLst>
+              <a:ext uri="{FF2B5EF4-FFF2-40B4-BE49-F238E27FC236}">
+                <a16:creationId xmlns:a16="http://schemas.microsoft.com/office/drawing/2014/main" id="{7C09AF12-5CF6-4DBB-947E-F44BE2760543}"/>
+              </a:ext>
+            </a:extLst>
+          </p:cNvPr>
+          <p:cNvSpPr txBox="1"/>
+          <p:nvPr/>
+        </p:nvSpPr>
+        <p:spPr>
+          <a:xfrm>
+            <a:off x="6690037" y="1128051"/>
+            <a:ext cx="597159" cy="369332"/>
+          </a:xfrm>
+          <a:prstGeom prst="rect">
+            <a:avLst/>
+          </a:prstGeom>
+          <a:noFill/>
+        </p:spPr>
+        <p:txBody>
+          <a:bodyPr wrap="square" rtlCol="0">
+            <a:spAutoFit/>
+          </a:bodyPr>
+          <a:lstStyle/>
+          <a:p>
+            <a:r>
+              <a:rPr lang="en-US" dirty="0"/>
+              <a:t>ERD</a:t>
+            </a:r>
+          </a:p>
+        </p:txBody>
+      </p:sp>
+      <p:sp>
+        <p:nvSpPr>
+          <p:cNvPr id="17" name="TextBox 16">
+            <a:extLst>
+              <a:ext uri="{FF2B5EF4-FFF2-40B4-BE49-F238E27FC236}">
+                <a16:creationId xmlns:a16="http://schemas.microsoft.com/office/drawing/2014/main" id="{5708D5A4-4501-4AB7-861B-0D0B342F8959}"/>
+              </a:ext>
+            </a:extLst>
+          </p:cNvPr>
+          <p:cNvSpPr txBox="1"/>
+          <p:nvPr/>
+        </p:nvSpPr>
+        <p:spPr>
+          <a:xfrm>
+            <a:off x="6798687" y="1907207"/>
+            <a:ext cx="2452180" cy="769441"/>
+          </a:xfrm>
+          <a:prstGeom prst="rect">
+            <a:avLst/>
+          </a:prstGeom>
+          <a:noFill/>
+          <a:ln>
+            <a:solidFill>
+              <a:schemeClr val="accent1">
+                <a:shade val="50000"/>
+              </a:schemeClr>
+            </a:solidFill>
+          </a:ln>
+        </p:spPr>
+        <p:txBody>
+          <a:bodyPr wrap="square">
+            <a:spAutoFit/>
+          </a:bodyPr>
+          <a:lstStyle/>
+          <a:p>
+            <a:r>
+              <a:rPr lang="en-US" sz="1100" b="1" dirty="0"/>
+              <a:t>revenue</a:t>
+            </a:r>
+          </a:p>
+          <a:p>
+            <a:r>
+              <a:rPr lang="en-US" sz="1100" dirty="0"/>
+              <a:t>country VARCHAR(30) NOT NULL</a:t>
+            </a:r>
+          </a:p>
+          <a:p>
+            <a:r>
+              <a:rPr lang="en-US" sz="1100" dirty="0"/>
+              <a:t>revenue INTEGER NOT NULL</a:t>
+            </a:r>
+          </a:p>
+          <a:p>
+            <a:r>
+              <a:rPr lang="en-US" sz="1100" dirty="0"/>
+              <a:t>gamers INTEGER NOT NULL</a:t>
+            </a:r>
+          </a:p>
+        </p:txBody>
+      </p:sp>
+      <p:sp>
+        <p:nvSpPr>
+          <p:cNvPr id="18" name="TextBox 17">
+            <a:extLst>
+              <a:ext uri="{FF2B5EF4-FFF2-40B4-BE49-F238E27FC236}">
+                <a16:creationId xmlns:a16="http://schemas.microsoft.com/office/drawing/2014/main" id="{540C653B-6BF3-4C9E-8C58-31865444D1E2}"/>
+              </a:ext>
+            </a:extLst>
+          </p:cNvPr>
+          <p:cNvSpPr txBox="1"/>
+          <p:nvPr/>
+        </p:nvSpPr>
+        <p:spPr>
+          <a:xfrm>
+            <a:off x="9341945" y="2718856"/>
+            <a:ext cx="2452180" cy="646331"/>
+          </a:xfrm>
+          <a:prstGeom prst="rect">
+            <a:avLst/>
+          </a:prstGeom>
+          <a:noFill/>
+          <a:ln>
+            <a:solidFill>
+              <a:schemeClr val="accent1">
+                <a:shade val="50000"/>
+              </a:schemeClr>
+            </a:solidFill>
+          </a:ln>
+        </p:spPr>
+        <p:txBody>
+          <a:bodyPr wrap="square">
+            <a:spAutoFit/>
+          </a:bodyPr>
+          <a:lstStyle/>
+          <a:p>
+            <a:r>
+              <a:rPr lang="en-US" sz="1200" b="1" dirty="0"/>
+              <a:t>age</a:t>
+            </a:r>
+          </a:p>
+          <a:p>
+            <a:r>
+              <a:rPr lang="en-US" sz="1200" dirty="0"/>
+              <a:t>age VARCHAR(30) NOT NULL,  </a:t>
+            </a:r>
+          </a:p>
+          <a:p>
+            <a:r>
+              <a:rPr lang="en-US" sz="1200" dirty="0"/>
+              <a:t>avg_hours INTEGER NOT NULL</a:t>
+            </a:r>
+          </a:p>
+        </p:txBody>
+      </p:sp>
+      <p:sp>
+        <p:nvSpPr>
+          <p:cNvPr id="19" name="TextBox 18">
+            <a:extLst>
+              <a:ext uri="{FF2B5EF4-FFF2-40B4-BE49-F238E27FC236}">
+                <a16:creationId xmlns:a16="http://schemas.microsoft.com/office/drawing/2014/main" id="{262F5413-443F-468C-9F22-8B25CBACDA9B}"/>
+              </a:ext>
+            </a:extLst>
+          </p:cNvPr>
+          <p:cNvSpPr txBox="1"/>
+          <p:nvPr/>
+        </p:nvSpPr>
+        <p:spPr>
+          <a:xfrm>
+            <a:off x="6798686" y="2718856"/>
+            <a:ext cx="2452181" cy="646331"/>
+          </a:xfrm>
+          <a:prstGeom prst="rect">
+            <a:avLst/>
+          </a:prstGeom>
+          <a:noFill/>
+          <a:ln>
+            <a:solidFill>
+              <a:schemeClr val="accent1">
+                <a:shade val="50000"/>
+              </a:schemeClr>
+            </a:solidFill>
+          </a:ln>
+        </p:spPr>
+        <p:txBody>
+          <a:bodyPr wrap="square">
+            <a:spAutoFit/>
+          </a:bodyPr>
+          <a:lstStyle/>
+          <a:p>
+            <a:r>
+              <a:rPr lang="en-US" sz="1200" b="1" dirty="0"/>
+              <a:t>hours_average_country </a:t>
+            </a:r>
+          </a:p>
+          <a:p>
+            <a:r>
+              <a:rPr lang="en-US" sz="1200" dirty="0"/>
+              <a:t>Country VARCHAR(30) NOT NULL  </a:t>
+            </a:r>
+          </a:p>
+          <a:p>
+            <a:r>
+              <a:rPr lang="en-US" sz="1200" dirty="0"/>
+              <a:t>avg_hours FLOAT NOT NULL</a:t>
+            </a:r>
+          </a:p>
+        </p:txBody>
+      </p:sp>
+      <p:sp>
+        <p:nvSpPr>
+          <p:cNvPr id="20" name="TextBox 19">
+            <a:extLst>
+              <a:ext uri="{FF2B5EF4-FFF2-40B4-BE49-F238E27FC236}">
+                <a16:creationId xmlns:a16="http://schemas.microsoft.com/office/drawing/2014/main" id="{DB2FD469-9444-4709-8AFC-479D6BF7AF66}"/>
+              </a:ext>
+            </a:extLst>
+          </p:cNvPr>
+          <p:cNvSpPr txBox="1"/>
+          <p:nvPr/>
+        </p:nvSpPr>
+        <p:spPr>
+          <a:xfrm>
+            <a:off x="6812201" y="3424225"/>
+            <a:ext cx="2452191" cy="2308324"/>
+          </a:xfrm>
+          <a:prstGeom prst="rect">
+            <a:avLst/>
+          </a:prstGeom>
+          <a:noFill/>
+          <a:ln>
+            <a:solidFill>
+              <a:schemeClr val="accent1">
+                <a:shade val="50000"/>
+              </a:schemeClr>
+            </a:solidFill>
+          </a:ln>
+        </p:spPr>
+        <p:txBody>
+          <a:bodyPr wrap="square">
+            <a:spAutoFit/>
+          </a:bodyPr>
+          <a:lstStyle/>
+          <a:p>
+            <a:r>
+              <a:rPr lang="en-US" sz="1200" b="1" dirty="0"/>
+              <a:t>top_ten</a:t>
+            </a:r>
+          </a:p>
+          <a:p>
+            <a:r>
+              <a:rPr lang="en-US" sz="1200" dirty="0"/>
+              <a:t>date DATE NOT NULL  </a:t>
+            </a:r>
+          </a:p>
+          <a:p>
+            <a:r>
+              <a:rPr lang="en-US" sz="1200" dirty="0"/>
+              <a:t>dota_2 INTEGER NOT NULL</a:t>
+            </a:r>
+          </a:p>
+          <a:p>
+            <a:r>
+              <a:rPr lang="en-US" sz="1200" dirty="0"/>
+              <a:t>counter_strike INTEGER NOT NULL</a:t>
+            </a:r>
+          </a:p>
+          <a:p>
+            <a:r>
+              <a:rPr lang="en-US" sz="1200" dirty="0"/>
+              <a:t>terraria INTEGER NOT NULL	</a:t>
+            </a:r>
+          </a:p>
+          <a:p>
+            <a:r>
+              <a:rPr lang="en-US" sz="1200" dirty="0"/>
+              <a:t>postal INTEGER NOT NULL	</a:t>
+            </a:r>
+          </a:p>
+          <a:p>
+            <a:r>
+              <a:rPr lang="en-US" sz="1200" dirty="0"/>
+              <a:t>gta INTEGER NOT NULL</a:t>
+            </a:r>
+          </a:p>
+          <a:p>
+            <a:r>
+              <a:rPr lang="en-US" sz="1200" dirty="0"/>
+              <a:t>fallout_4 INTEGER NOT NULL</a:t>
+            </a:r>
+          </a:p>
+          <a:p>
+            <a:r>
+              <a:rPr lang="en-US" sz="1200" dirty="0"/>
+              <a:t>life_is_strange INTEGER NOT NULL</a:t>
+            </a:r>
+          </a:p>
+          <a:p>
+            <a:r>
+              <a:rPr lang="en-US" sz="1200" dirty="0"/>
+              <a:t>battlegrounds INTEGER NOT NULL</a:t>
+            </a:r>
+          </a:p>
+          <a:p>
+            <a:r>
+              <a:rPr lang="en-US" sz="1200" dirty="0"/>
+              <a:t>hitman_2 INTEGER NOT NULL</a:t>
+            </a:r>
+          </a:p>
+          <a:p>
+            <a:r>
+              <a:rPr lang="en-US" sz="1200" dirty="0"/>
+              <a:t>among_us INTEGER NOT NULL</a:t>
+            </a:r>
+          </a:p>
+        </p:txBody>
+      </p:sp>
+      <p:sp>
+        <p:nvSpPr>
+          <p:cNvPr id="21" name="TextBox 20">
+            <a:extLst>
+              <a:ext uri="{FF2B5EF4-FFF2-40B4-BE49-F238E27FC236}">
+                <a16:creationId xmlns:a16="http://schemas.microsoft.com/office/drawing/2014/main" id="{762FF788-D856-42BD-9A26-8A735FDECDF2}"/>
+              </a:ext>
+            </a:extLst>
+          </p:cNvPr>
+          <p:cNvSpPr txBox="1"/>
+          <p:nvPr/>
+        </p:nvSpPr>
+        <p:spPr>
+          <a:xfrm>
+            <a:off x="9341945" y="1905563"/>
+            <a:ext cx="2452181" cy="769441"/>
+          </a:xfrm>
+          <a:prstGeom prst="rect">
+            <a:avLst/>
+          </a:prstGeom>
+          <a:noFill/>
+          <a:ln>
+            <a:solidFill>
+              <a:schemeClr val="accent1">
+                <a:shade val="50000"/>
+              </a:schemeClr>
+            </a:solidFill>
+          </a:ln>
+        </p:spPr>
+        <p:txBody>
+          <a:bodyPr wrap="square">
+            <a:spAutoFit/>
+          </a:bodyPr>
+          <a:lstStyle/>
+          <a:p>
+            <a:r>
+              <a:rPr lang="en-US" sz="1100" b="1" dirty="0"/>
+              <a:t>steam_users_lifetime</a:t>
+            </a:r>
+          </a:p>
+          <a:p>
+            <a:r>
+              <a:rPr lang="en-US" sz="1100" dirty="0"/>
+              <a:t>date DATE NOT NULL, </a:t>
+            </a:r>
+          </a:p>
+          <a:p>
+            <a:r>
+              <a:rPr lang="en-US" sz="1100" dirty="0"/>
+              <a:t>users INTEGER NOT NULL</a:t>
+            </a:r>
+          </a:p>
+          <a:p>
+            <a:r>
+              <a:rPr lang="en-US" sz="1100" dirty="0"/>
+              <a:t>in_game INTEGER NOT NULL</a:t>
+            </a:r>
+          </a:p>
+        </p:txBody>
+      </p:sp>
+      <p:sp>
+        <p:nvSpPr>
+          <p:cNvPr id="22" name="TextBox 21">
+            <a:extLst>
+              <a:ext uri="{FF2B5EF4-FFF2-40B4-BE49-F238E27FC236}">
+                <a16:creationId xmlns:a16="http://schemas.microsoft.com/office/drawing/2014/main" id="{013B786F-55DB-44E6-9F1E-C4CC227D212C}"/>
+              </a:ext>
+            </a:extLst>
+          </p:cNvPr>
+          <p:cNvSpPr txBox="1"/>
+          <p:nvPr/>
+        </p:nvSpPr>
+        <p:spPr>
+          <a:xfrm>
+            <a:off x="9341945" y="3421651"/>
+            <a:ext cx="2452180" cy="830997"/>
+          </a:xfrm>
+          <a:prstGeom prst="rect">
+            <a:avLst/>
+          </a:prstGeom>
+          <a:noFill/>
+          <a:ln>
+            <a:solidFill>
+              <a:schemeClr val="accent1">
+                <a:shade val="50000"/>
+              </a:schemeClr>
+            </a:solidFill>
+          </a:ln>
+        </p:spPr>
+        <p:txBody>
+          <a:bodyPr wrap="square">
+            <a:spAutoFit/>
+          </a:bodyPr>
+          <a:lstStyle/>
+          <a:p>
+            <a:r>
+              <a:rPr lang="en-US" sz="1200" b="1" dirty="0"/>
+              <a:t>country_hours</a:t>
+            </a:r>
+          </a:p>
+          <a:p>
+            <a:r>
+              <a:rPr lang="en-US" sz="1200" dirty="0"/>
+              <a:t>country VARCHAR(30) NOT NULL  avg_hours INTEGER NOT NULL  latlng VARCHAR NOT NULL</a:t>
+            </a:r>
+          </a:p>
+        </p:txBody>
+      </p:sp>
+      <p:pic>
+        <p:nvPicPr>
+          <p:cNvPr id="23" name="Picture 22">
+            <a:extLst>
+              <a:ext uri="{FF2B5EF4-FFF2-40B4-BE49-F238E27FC236}">
+                <a16:creationId xmlns:a16="http://schemas.microsoft.com/office/drawing/2014/main" id="{303A47B2-986C-454C-8F50-2885957A012D}"/>
+              </a:ext>
+            </a:extLst>
+          </p:cNvPr>
+          <p:cNvPicPr>
+            <a:picLocks noChangeAspect="1"/>
+          </p:cNvPicPr>
+          <p:nvPr/>
+        </p:nvPicPr>
+        <p:blipFill>
+          <a:blip r:embed="rId9"/>
+          <a:stretch>
+            <a:fillRect/>
+          </a:stretch>
+        </p:blipFill>
+        <p:spPr>
+          <a:xfrm>
+            <a:off x="10950614" y="5793886"/>
+            <a:ext cx="547023" cy="369332"/>
+          </a:xfrm>
+          <a:prstGeom prst="rect">
+            <a:avLst/>
+          </a:prstGeom>
+        </p:spPr>
+      </p:pic>
     </p:spTree>
     <p:extLst>
       <p:ext uri="{BB962C8B-B14F-4D97-AF65-F5344CB8AC3E}">
-        <p14:creationId xmlns:p14="http://schemas.microsoft.com/office/powerpoint/2010/main" val="1728969165"/>
+        <p14:creationId xmlns:p14="http://schemas.microsoft.com/office/powerpoint/2010/main" val="2508361206"/>
+      </p:ext>
+    </p:extLst>
+  </p:cSld>
+  <p:clrMapOvr>
+    <a:masterClrMapping/>
+  </p:clrMapOvr>
+</p:sld>
+</file>
+
+<file path=ppt/slides/slide6.xml><?xml version="1.0" encoding="utf-8"?>
+<p:sld xmlns:a="http://schemas.openxmlformats.org/drawingml/2006/main" xmlns:r="http://schemas.openxmlformats.org/officeDocument/2006/relationships" xmlns:p="http://schemas.openxmlformats.org/presentationml/2006/main">
+  <p:cSld>
+    <p:spTree>
+      <p:nvGrpSpPr>
+        <p:cNvPr id="1" name=""/>
+        <p:cNvGrpSpPr/>
+        <p:nvPr/>
+      </p:nvGrpSpPr>
+      <p:grpSpPr>
+        <a:xfrm>
+          <a:off x="0" y="0"/>
+          <a:ext cx="0" cy="0"/>
+          <a:chOff x="0" y="0"/>
+          <a:chExt cx="0" cy="0"/>
+        </a:xfrm>
+      </p:grpSpPr>
+      <p:pic>
+        <p:nvPicPr>
+          <p:cNvPr id="5" name="Picture 4">
+            <a:extLst>
+              <a:ext uri="{FF2B5EF4-FFF2-40B4-BE49-F238E27FC236}">
+                <a16:creationId xmlns:a16="http://schemas.microsoft.com/office/drawing/2014/main" id="{F1C87513-E480-424C-A10A-9023802C9990}"/>
+              </a:ext>
+            </a:extLst>
+          </p:cNvPr>
+          <p:cNvPicPr>
+            <a:picLocks noChangeAspect="1"/>
+          </p:cNvPicPr>
+          <p:nvPr/>
+        </p:nvPicPr>
+        <p:blipFill rotWithShape="1">
+          <a:blip r:embed="rId2"/>
+          <a:srcRect l="25234" t="3706" r="27426" b="73578"/>
+          <a:stretch/>
+        </p:blipFill>
+        <p:spPr>
+          <a:xfrm>
+            <a:off x="0" y="6668"/>
+            <a:ext cx="12192000" cy="1558967"/>
+          </a:xfrm>
+          <a:prstGeom prst="rect">
+            <a:avLst/>
+          </a:prstGeom>
+        </p:spPr>
+      </p:pic>
+      <p:sp>
+        <p:nvSpPr>
+          <p:cNvPr id="4" name="TextBox 3">
+            <a:extLst>
+              <a:ext uri="{FF2B5EF4-FFF2-40B4-BE49-F238E27FC236}">
+                <a16:creationId xmlns:a16="http://schemas.microsoft.com/office/drawing/2014/main" id="{DCCEB4A2-7A32-408E-B91B-DCED267B5E67}"/>
+              </a:ext>
+            </a:extLst>
+          </p:cNvPr>
+          <p:cNvSpPr txBox="1"/>
+          <p:nvPr/>
+        </p:nvSpPr>
+        <p:spPr>
+          <a:xfrm>
+            <a:off x="694363" y="694782"/>
+            <a:ext cx="10803274" cy="5201424"/>
+          </a:xfrm>
+          <a:prstGeom prst="rect">
+            <a:avLst/>
+          </a:prstGeom>
+          <a:noFill/>
+        </p:spPr>
+        <p:txBody>
+          <a:bodyPr wrap="square" rtlCol="0">
+            <a:spAutoFit/>
+          </a:bodyPr>
+          <a:lstStyle/>
+          <a:p>
+            <a:r>
+              <a:rPr lang="en-US" sz="4400" b="1" dirty="0">
+                <a:ln w="12700">
+                  <a:solidFill>
+                    <a:schemeClr val="tx1"/>
+                  </a:solidFill>
+                </a:ln>
+                <a:solidFill>
+                  <a:schemeClr val="bg1">
+                    <a:lumMod val="95000"/>
+                  </a:schemeClr>
+                </a:solidFill>
+                <a:effectLst>
+                  <a:glow rad="101600">
+                    <a:srgbClr val="FF0000">
+                      <a:alpha val="60000"/>
+                    </a:srgbClr>
+                  </a:glow>
+                </a:effectLst>
+                <a:latin typeface="Cambria Math" panose="02040503050406030204" pitchFamily="18" charset="0"/>
+                <a:ea typeface="Cambria Math" panose="02040503050406030204" pitchFamily="18" charset="0"/>
+              </a:rPr>
+              <a:t>Steps to Recreate the Project Locally:</a:t>
+            </a:r>
+          </a:p>
+          <a:p>
+            <a:endParaRPr lang="en-US" dirty="0"/>
+          </a:p>
+          <a:p>
+            <a:pPr marL="514350" indent="-514350">
+              <a:buFont typeface="+mj-lt"/>
+              <a:buAutoNum type="arabicPeriod"/>
+            </a:pPr>
+            <a:r>
+              <a:rPr lang="en-US" sz="2800" dirty="0">
+                <a:latin typeface="Cambria Math" panose="02040503050406030204" pitchFamily="18" charset="0"/>
+                <a:ea typeface="Cambria Math" panose="02040503050406030204" pitchFamily="18" charset="0"/>
+              </a:rPr>
+              <a:t>Open PostgreSQL and create a database called Gamers</a:t>
+            </a:r>
+          </a:p>
+          <a:p>
+            <a:pPr marL="0" indent="0">
+              <a:buNone/>
+            </a:pPr>
+            <a:endParaRPr lang="en-US" sz="2800" dirty="0">
+              <a:latin typeface="Cambria Math" panose="02040503050406030204" pitchFamily="18" charset="0"/>
+              <a:ea typeface="Cambria Math" panose="02040503050406030204" pitchFamily="18" charset="0"/>
+            </a:endParaRPr>
+          </a:p>
+          <a:p>
+            <a:r>
+              <a:rPr lang="en-US" sz="2800" dirty="0">
+                <a:latin typeface="Cambria Math" panose="02040503050406030204" pitchFamily="18" charset="0"/>
+                <a:ea typeface="Cambria Math" panose="02040503050406030204" pitchFamily="18" charset="0"/>
+              </a:rPr>
+              <a:t>2.   Use the postgres_create_table_script.txt file to create the necessary tables in Postgres</a:t>
+            </a:r>
+          </a:p>
+          <a:p>
+            <a:pPr marL="0" indent="0">
+              <a:buNone/>
+            </a:pPr>
+            <a:endParaRPr lang="en-US" sz="2800" dirty="0">
+              <a:latin typeface="Cambria Math" panose="02040503050406030204" pitchFamily="18" charset="0"/>
+              <a:ea typeface="Cambria Math" panose="02040503050406030204" pitchFamily="18" charset="0"/>
+            </a:endParaRPr>
+          </a:p>
+          <a:p>
+            <a:pPr marL="0" indent="0">
+              <a:buNone/>
+            </a:pPr>
+            <a:r>
+              <a:rPr lang="en-US" sz="2800" dirty="0">
+                <a:latin typeface="Cambria Math" panose="02040503050406030204" pitchFamily="18" charset="0"/>
+                <a:ea typeface="Cambria Math" panose="02040503050406030204" pitchFamily="18" charset="0"/>
+              </a:rPr>
+              <a:t>3.   Open the Project_2_flask.py file and update the Postgres password on line 28 to your own</a:t>
+            </a:r>
+          </a:p>
+          <a:p>
+            <a:pPr marL="0" indent="0">
+              <a:buNone/>
+            </a:pPr>
+            <a:endParaRPr lang="en-US" sz="2800" dirty="0">
+              <a:latin typeface="Cambria Math" panose="02040503050406030204" pitchFamily="18" charset="0"/>
+              <a:ea typeface="Cambria Math" panose="02040503050406030204" pitchFamily="18" charset="0"/>
+            </a:endParaRPr>
+          </a:p>
+          <a:p>
+            <a:pPr marL="0" indent="0">
+              <a:buNone/>
+            </a:pPr>
+            <a:r>
+              <a:rPr lang="en-US" sz="2800" dirty="0">
+                <a:latin typeface="Cambria Math" panose="02040503050406030204" pitchFamily="18" charset="0"/>
+                <a:ea typeface="Cambria Math" panose="02040503050406030204" pitchFamily="18" charset="0"/>
+              </a:rPr>
+              <a:t>4.   Run the Project_2_flask.py file to start the flask server</a:t>
+            </a:r>
+          </a:p>
+          <a:p>
+            <a:endParaRPr lang="en-US" dirty="0"/>
+          </a:p>
+        </p:txBody>
+      </p:sp>
+      <p:pic>
+        <p:nvPicPr>
+          <p:cNvPr id="6" name="Picture 5">
+            <a:extLst>
+              <a:ext uri="{FF2B5EF4-FFF2-40B4-BE49-F238E27FC236}">
+                <a16:creationId xmlns:a16="http://schemas.microsoft.com/office/drawing/2014/main" id="{5171D786-F206-4B43-8149-792FA052FEC8}"/>
+              </a:ext>
+            </a:extLst>
+          </p:cNvPr>
+          <p:cNvPicPr>
+            <a:picLocks noChangeAspect="1"/>
+          </p:cNvPicPr>
+          <p:nvPr/>
+        </p:nvPicPr>
+        <p:blipFill>
+          <a:blip r:embed="rId3"/>
+          <a:stretch>
+            <a:fillRect/>
+          </a:stretch>
+        </p:blipFill>
+        <p:spPr>
+          <a:xfrm>
+            <a:off x="10950614" y="5793886"/>
+            <a:ext cx="547023" cy="369332"/>
+          </a:xfrm>
+          <a:prstGeom prst="rect">
+            <a:avLst/>
+          </a:prstGeom>
+        </p:spPr>
+      </p:pic>
+    </p:spTree>
+    <p:extLst>
+      <p:ext uri="{BB962C8B-B14F-4D97-AF65-F5344CB8AC3E}">
+        <p14:creationId xmlns:p14="http://schemas.microsoft.com/office/powerpoint/2010/main" val="3579704066"/>
+      </p:ext>
+    </p:extLst>
+  </p:cSld>
+  <p:clrMapOvr>
+    <a:masterClrMapping/>
+  </p:clrMapOvr>
+</p:sld>
+</file>
+
+<file path=ppt/slides/slide7.xml><?xml version="1.0" encoding="utf-8"?>
+<p:sld xmlns:a="http://schemas.openxmlformats.org/drawingml/2006/main" xmlns:r="http://schemas.openxmlformats.org/officeDocument/2006/relationships" xmlns:p="http://schemas.openxmlformats.org/presentationml/2006/main">
+  <p:cSld>
+    <p:spTree>
+      <p:nvGrpSpPr>
+        <p:cNvPr id="1" name=""/>
+        <p:cNvGrpSpPr/>
+        <p:nvPr/>
+      </p:nvGrpSpPr>
+      <p:grpSpPr>
+        <a:xfrm>
+          <a:off x="0" y="0"/>
+          <a:ext cx="0" cy="0"/>
+          <a:chOff x="0" y="0"/>
+          <a:chExt cx="0" cy="0"/>
+        </a:xfrm>
+      </p:grpSpPr>
+      <p:pic>
+        <p:nvPicPr>
+          <p:cNvPr id="4" name="Picture 3">
+            <a:extLst>
+              <a:ext uri="{FF2B5EF4-FFF2-40B4-BE49-F238E27FC236}">
+                <a16:creationId xmlns:a16="http://schemas.microsoft.com/office/drawing/2014/main" id="{86C77967-0A61-4D75-BBFC-FBB309DED96A}"/>
+              </a:ext>
+            </a:extLst>
+          </p:cNvPr>
+          <p:cNvPicPr>
+            <a:picLocks noChangeAspect="1"/>
+          </p:cNvPicPr>
+          <p:nvPr/>
+        </p:nvPicPr>
+        <p:blipFill rotWithShape="1">
+          <a:blip r:embed="rId2"/>
+          <a:srcRect l="25234" r="27426"/>
+          <a:stretch/>
+        </p:blipFill>
+        <p:spPr>
+          <a:xfrm>
+            <a:off x="16471" y="-5180"/>
+            <a:ext cx="12192000" cy="6863179"/>
+          </a:xfrm>
+          <a:prstGeom prst="rect">
+            <a:avLst/>
+          </a:prstGeom>
+        </p:spPr>
+      </p:pic>
+      <p:sp>
+        <p:nvSpPr>
+          <p:cNvPr id="5" name="TextBox 4">
+            <a:extLst>
+              <a:ext uri="{FF2B5EF4-FFF2-40B4-BE49-F238E27FC236}">
+                <a16:creationId xmlns:a16="http://schemas.microsoft.com/office/drawing/2014/main" id="{5E10B9C9-17C3-43C1-A20B-F5DE2E08CF24}"/>
+              </a:ext>
+            </a:extLst>
+          </p:cNvPr>
+          <p:cNvSpPr txBox="1"/>
+          <p:nvPr/>
+        </p:nvSpPr>
+        <p:spPr>
+          <a:xfrm>
+            <a:off x="599000" y="591770"/>
+            <a:ext cx="11026943" cy="5669280"/>
+          </a:xfrm>
+          <a:prstGeom prst="rect">
+            <a:avLst/>
+          </a:prstGeom>
+          <a:gradFill flip="none" rotWithShape="1">
+            <a:gsLst>
+              <a:gs pos="0">
+                <a:srgbClr val="FFFFFF"/>
+              </a:gs>
+              <a:gs pos="100000">
+                <a:srgbClr val="EAEAEA">
+                  <a:alpha val="48000"/>
+                </a:srgbClr>
+              </a:gs>
+            </a:gsLst>
+            <a:path path="circle">
+              <a:fillToRect l="50000" t="50000" r="50000" b="50000"/>
+            </a:path>
+            <a:tileRect/>
+          </a:gradFill>
+        </p:spPr>
+        <p:txBody>
+          <a:bodyPr wrap="square" rtlCol="0">
+            <a:spAutoFit/>
+          </a:bodyPr>
+          <a:lstStyle/>
+          <a:p>
+            <a:endParaRPr lang="en-US" dirty="0"/>
+          </a:p>
+        </p:txBody>
+      </p:sp>
+      <p:pic>
+        <p:nvPicPr>
+          <p:cNvPr id="6" name="Picture 5">
+            <a:extLst>
+              <a:ext uri="{FF2B5EF4-FFF2-40B4-BE49-F238E27FC236}">
+                <a16:creationId xmlns:a16="http://schemas.microsoft.com/office/drawing/2014/main" id="{C4D7F6D4-AB49-4218-8D82-76B8BEA853B9}"/>
+              </a:ext>
+            </a:extLst>
+          </p:cNvPr>
+          <p:cNvPicPr>
+            <a:picLocks noChangeAspect="1"/>
+          </p:cNvPicPr>
+          <p:nvPr/>
+        </p:nvPicPr>
+        <p:blipFill>
+          <a:blip r:embed="rId3"/>
+          <a:stretch>
+            <a:fillRect/>
+          </a:stretch>
+        </p:blipFill>
+        <p:spPr>
+          <a:xfrm>
+            <a:off x="10950614" y="5793886"/>
+            <a:ext cx="547023" cy="369332"/>
+          </a:xfrm>
+          <a:prstGeom prst="rect">
+            <a:avLst/>
+          </a:prstGeom>
+        </p:spPr>
+      </p:pic>
+      <p:sp>
+        <p:nvSpPr>
+          <p:cNvPr id="2" name="TextBox 1">
+            <a:extLst>
+              <a:ext uri="{FF2B5EF4-FFF2-40B4-BE49-F238E27FC236}">
+                <a16:creationId xmlns:a16="http://schemas.microsoft.com/office/drawing/2014/main" id="{3C255CF6-A44D-4512-AC03-97B822CCB894}"/>
+              </a:ext>
+            </a:extLst>
+          </p:cNvPr>
+          <p:cNvSpPr txBox="1"/>
+          <p:nvPr/>
+        </p:nvSpPr>
+        <p:spPr>
+          <a:xfrm>
+            <a:off x="694363" y="694782"/>
+            <a:ext cx="10803274" cy="2800767"/>
+          </a:xfrm>
+          <a:prstGeom prst="rect">
+            <a:avLst/>
+          </a:prstGeom>
+          <a:noFill/>
+        </p:spPr>
+        <p:txBody>
+          <a:bodyPr wrap="square" rtlCol="0">
+            <a:spAutoFit/>
+          </a:bodyPr>
+          <a:lstStyle/>
+          <a:p>
+            <a:endParaRPr lang="en-US" sz="4400" b="1" dirty="0">
+              <a:ln w="12700">
+                <a:solidFill>
+                  <a:schemeClr val="tx1"/>
+                </a:solidFill>
+              </a:ln>
+              <a:solidFill>
+                <a:schemeClr val="bg1">
+                  <a:lumMod val="95000"/>
+                </a:schemeClr>
+              </a:solidFill>
+              <a:effectLst>
+                <a:glow rad="101600">
+                  <a:srgbClr val="FF0000">
+                    <a:alpha val="60000"/>
+                  </a:srgbClr>
+                </a:glow>
+              </a:effectLst>
+              <a:latin typeface="Cambria Math" panose="02040503050406030204" pitchFamily="18" charset="0"/>
+              <a:ea typeface="Cambria Math" panose="02040503050406030204" pitchFamily="18" charset="0"/>
+            </a:endParaRPr>
+          </a:p>
+          <a:p>
+            <a:endParaRPr lang="en-US" sz="4400" b="1" dirty="0">
+              <a:ln w="12700">
+                <a:solidFill>
+                  <a:schemeClr val="tx1"/>
+                </a:solidFill>
+              </a:ln>
+              <a:solidFill>
+                <a:schemeClr val="bg1">
+                  <a:lumMod val="95000"/>
+                </a:schemeClr>
+              </a:solidFill>
+              <a:effectLst>
+                <a:glow rad="101600">
+                  <a:srgbClr val="FF0000">
+                    <a:alpha val="60000"/>
+                  </a:srgbClr>
+                </a:glow>
+              </a:effectLst>
+              <a:latin typeface="Cambria Math" panose="02040503050406030204" pitchFamily="18" charset="0"/>
+              <a:ea typeface="Cambria Math" panose="02040503050406030204" pitchFamily="18" charset="0"/>
+            </a:endParaRPr>
+          </a:p>
+          <a:p>
+            <a:endParaRPr lang="en-US" sz="4400" b="1" dirty="0">
+              <a:ln w="12700">
+                <a:solidFill>
+                  <a:schemeClr val="tx1"/>
+                </a:solidFill>
+              </a:ln>
+              <a:solidFill>
+                <a:schemeClr val="bg1">
+                  <a:lumMod val="95000"/>
+                </a:schemeClr>
+              </a:solidFill>
+              <a:effectLst>
+                <a:glow rad="101600">
+                  <a:srgbClr val="FF0000">
+                    <a:alpha val="60000"/>
+                  </a:srgbClr>
+                </a:glow>
+              </a:effectLst>
+              <a:latin typeface="Cambria Math" panose="02040503050406030204" pitchFamily="18" charset="0"/>
+              <a:ea typeface="Cambria Math" panose="02040503050406030204" pitchFamily="18" charset="0"/>
+            </a:endParaRPr>
+          </a:p>
+          <a:p>
+            <a:pPr algn="ctr"/>
+            <a:r>
+              <a:rPr lang="en-US" sz="4400" b="1" dirty="0">
+                <a:ln w="12700">
+                  <a:solidFill>
+                    <a:schemeClr val="tx1"/>
+                  </a:solidFill>
+                </a:ln>
+                <a:solidFill>
+                  <a:schemeClr val="bg1">
+                    <a:lumMod val="95000"/>
+                  </a:schemeClr>
+                </a:solidFill>
+                <a:effectLst>
+                  <a:glow rad="101600">
+                    <a:srgbClr val="FF0000">
+                      <a:alpha val="60000"/>
+                    </a:srgbClr>
+                  </a:glow>
+                </a:effectLst>
+                <a:latin typeface="Cambria Math" panose="02040503050406030204" pitchFamily="18" charset="0"/>
+                <a:ea typeface="Cambria Math" panose="02040503050406030204" pitchFamily="18" charset="0"/>
+              </a:rPr>
+              <a:t>Any Questions?</a:t>
+            </a:r>
+            <a:endParaRPr lang="en-US" dirty="0"/>
+          </a:p>
+        </p:txBody>
+      </p:sp>
+    </p:spTree>
+    <p:extLst>
+      <p:ext uri="{BB962C8B-B14F-4D97-AF65-F5344CB8AC3E}">
+        <p14:creationId xmlns:p14="http://schemas.microsoft.com/office/powerpoint/2010/main" val="4189027251"/>
       </p:ext>
     </p:extLst>
   </p:cSld>
@@ -5563,299 +6507,4 @@
     </a:ext>
   </a:extLst>
 </a:theme>
-</file>
-
-<file path=ppt/theme/theme2.xml><?xml version="1.0" encoding="utf-8"?>
-<a:theme xmlns:a="http://schemas.openxmlformats.org/drawingml/2006/main" name="Office Theme">
-  <a:themeElements>
-    <a:clrScheme name="Office">
-      <a:dk1>
-        <a:sysClr val="windowText" lastClr="000000"/>
-      </a:dk1>
-      <a:lt1>
-        <a:sysClr val="window" lastClr="FFFFFF"/>
-      </a:lt1>
-      <a:dk2>
-        <a:srgbClr val="44546A"/>
-      </a:dk2>
-      <a:lt2>
-        <a:srgbClr val="E7E6E6"/>
-      </a:lt2>
-      <a:accent1>
-        <a:srgbClr val="4472C4"/>
-      </a:accent1>
-      <a:accent2>
-        <a:srgbClr val="ED7D31"/>
-      </a:accent2>
-      <a:accent3>
-        <a:srgbClr val="A5A5A5"/>
-      </a:accent3>
-      <a:accent4>
-        <a:srgbClr val="FFC000"/>
-      </a:accent4>
-      <a:accent5>
-        <a:srgbClr val="5B9BD5"/>
-      </a:accent5>
-      <a:accent6>
-        <a:srgbClr val="70AD47"/>
-      </a:accent6>
-      <a:hlink>
-        <a:srgbClr val="0563C1"/>
-      </a:hlink>
-      <a:folHlink>
-        <a:srgbClr val="954F72"/>
-      </a:folHlink>
-    </a:clrScheme>
-    <a:fontScheme name="Office">
-      <a:majorFont>
-        <a:latin typeface="Calibri Light" panose="020F0302020204030204"/>
-        <a:ea typeface=""/>
-        <a:cs typeface=""/>
-        <a:font script="Jpan" typeface="游ゴシック Light"/>
-        <a:font script="Hang" typeface="맑은 고딕"/>
-        <a:font script="Hans" typeface="等线 Light"/>
-        <a:font script="Hant" typeface="新細明體"/>
-        <a:font script="Arab" typeface="Times New Roman"/>
-        <a:font script="Hebr" typeface="Times New Roman"/>
-        <a:font script="Thai" typeface="Angsana New"/>
-        <a:font script="Ethi" typeface="Nyala"/>
-        <a:font script="Beng" typeface="Vrinda"/>
-        <a:font script="Gujr" typeface="Shruti"/>
-        <a:font script="Khmr" typeface="MoolBoran"/>
-        <a:font script="Knda" typeface="Tunga"/>
-        <a:font script="Guru" typeface="Raavi"/>
-        <a:font script="Cans" typeface="Euphemia"/>
-        <a:font script="Cher" typeface="Plantagenet Cherokee"/>
-        <a:font script="Yiii" typeface="Microsoft Yi Baiti"/>
-        <a:font script="Tibt" typeface="Microsoft Himalaya"/>
-        <a:font script="Thaa" typeface="MV Boli"/>
-        <a:font script="Deva" typeface="Mangal"/>
-        <a:font script="Telu" typeface="Gautami"/>
-        <a:font script="Taml" typeface="Latha"/>
-        <a:font script="Syrc" typeface="Estrangelo Edessa"/>
-        <a:font script="Orya" typeface="Kalinga"/>
-        <a:font script="Mlym" typeface="Kartika"/>
-        <a:font script="Laoo" typeface="DokChampa"/>
-        <a:font script="Sinh" typeface="Iskoola Pota"/>
-        <a:font script="Mong" typeface="Mongolian Baiti"/>
-        <a:font script="Viet" typeface="Times New Roman"/>
-        <a:font script="Uigh" typeface="Microsoft Uighur"/>
-        <a:font script="Geor" typeface="Sylfaen"/>
-        <a:font script="Armn" typeface="Arial"/>
-        <a:font script="Bugi" typeface="Leelawadee UI"/>
-        <a:font script="Bopo" typeface="Microsoft JhengHei"/>
-        <a:font script="Java" typeface="Javanese Text"/>
-        <a:font script="Lisu" typeface="Segoe UI"/>
-        <a:font script="Mymr" typeface="Myanmar Text"/>
-        <a:font script="Nkoo" typeface="Ebrima"/>
-        <a:font script="Olck" typeface="Nirmala UI"/>
-        <a:font script="Osma" typeface="Ebrima"/>
-        <a:font script="Phag" typeface="Phagspa"/>
-        <a:font script="Syrn" typeface="Estrangelo Edessa"/>
-        <a:font script="Syrj" typeface="Estrangelo Edessa"/>
-        <a:font script="Syre" typeface="Estrangelo Edessa"/>
-        <a:font script="Sora" typeface="Nirmala UI"/>
-        <a:font script="Tale" typeface="Microsoft Tai Le"/>
-        <a:font script="Talu" typeface="Microsoft New Tai Lue"/>
-        <a:font script="Tfng" typeface="Ebrima"/>
-      </a:majorFont>
-      <a:minorFont>
-        <a:latin typeface="Calibri" panose="020F0502020204030204"/>
-        <a:ea typeface=""/>
-        <a:cs typeface=""/>
-        <a:font script="Jpan" typeface="游ゴシック"/>
-        <a:font script="Hang" typeface="맑은 고딕"/>
-        <a:font script="Hans" typeface="等线"/>
-        <a:font script="Hant" typeface="新細明體"/>
-        <a:font script="Arab" typeface="Arial"/>
-        <a:font script="Hebr" typeface="Arial"/>
-        <a:font script="Thai" typeface="Cordia New"/>
-        <a:font script="Ethi" typeface="Nyala"/>
-        <a:font script="Beng" typeface="Vrinda"/>
-        <a:font script="Gujr" typeface="Shruti"/>
-        <a:font script="Khmr" typeface="DaunPenh"/>
-        <a:font script="Knda" typeface="Tunga"/>
-        <a:font script="Guru" typeface="Raavi"/>
-        <a:font script="Cans" typeface="Euphemia"/>
-        <a:font script="Cher" typeface="Plantagenet Cherokee"/>
-        <a:font script="Yiii" typeface="Microsoft Yi Baiti"/>
-        <a:font script="Tibt" typeface="Microsoft Himalaya"/>
-        <a:font script="Thaa" typeface="MV Boli"/>
-        <a:font script="Deva" typeface="Mangal"/>
-        <a:font script="Telu" typeface="Gautami"/>
-        <a:font script="Taml" typeface="Latha"/>
-        <a:font script="Syrc" typeface="Estrangelo Edessa"/>
-        <a:font script="Orya" typeface="Kalinga"/>
-        <a:font script="Mlym" typeface="Kartika"/>
-        <a:font script="Laoo" typeface="DokChampa"/>
-        <a:font script="Sinh" typeface="Iskoola Pota"/>
-        <a:font script="Mong" typeface="Mongolian Baiti"/>
-        <a:font script="Viet" typeface="Arial"/>
-        <a:font script="Uigh" typeface="Microsoft Uighur"/>
-        <a:font script="Geor" typeface="Sylfaen"/>
-        <a:font script="Armn" typeface="Arial"/>
-        <a:font script="Bugi" typeface="Leelawadee UI"/>
-        <a:font script="Bopo" typeface="Microsoft JhengHei"/>
-        <a:font script="Java" typeface="Javanese Text"/>
-        <a:font script="Lisu" typeface="Segoe UI"/>
-        <a:font script="Mymr" typeface="Myanmar Text"/>
-        <a:font script="Nkoo" typeface="Ebrima"/>
-        <a:font script="Olck" typeface="Nirmala UI"/>
-        <a:font script="Osma" typeface="Ebrima"/>
-        <a:font script="Phag" typeface="Phagspa"/>
-        <a:font script="Syrn" typeface="Estrangelo Edessa"/>
-        <a:font script="Syrj" typeface="Estrangelo Edessa"/>
-        <a:font script="Syre" typeface="Estrangelo Edessa"/>
-        <a:font script="Sora" typeface="Nirmala UI"/>
-        <a:font script="Tale" typeface="Microsoft Tai Le"/>
-        <a:font script="Talu" typeface="Microsoft New Tai Lue"/>
-        <a:font script="Tfng" typeface="Ebrima"/>
-      </a:minorFont>
-    </a:fontScheme>
-    <a:fmtScheme name="Office">
-      <a:fillStyleLst>
-        <a:solidFill>
-          <a:schemeClr val="phClr"/>
-        </a:solidFill>
-        <a:gradFill rotWithShape="1">
-          <a:gsLst>
-            <a:gs pos="0">
-              <a:schemeClr val="phClr">
-                <a:lumMod val="110000"/>
-                <a:satMod val="105000"/>
-                <a:tint val="67000"/>
-              </a:schemeClr>
-            </a:gs>
-            <a:gs pos="50000">
-              <a:schemeClr val="phClr">
-                <a:lumMod val="105000"/>
-                <a:satMod val="103000"/>
-                <a:tint val="73000"/>
-              </a:schemeClr>
-            </a:gs>
-            <a:gs pos="100000">
-              <a:schemeClr val="phClr">
-                <a:lumMod val="105000"/>
-                <a:satMod val="109000"/>
-                <a:tint val="81000"/>
-              </a:schemeClr>
-            </a:gs>
-          </a:gsLst>
-          <a:lin ang="5400000" scaled="0"/>
-        </a:gradFill>
-        <a:gradFill rotWithShape="1">
-          <a:gsLst>
-            <a:gs pos="0">
-              <a:schemeClr val="phClr">
-                <a:satMod val="103000"/>
-                <a:lumMod val="102000"/>
-                <a:tint val="94000"/>
-              </a:schemeClr>
-            </a:gs>
-            <a:gs pos="50000">
-              <a:schemeClr val="phClr">
-                <a:satMod val="110000"/>
-                <a:lumMod val="100000"/>
-                <a:shade val="100000"/>
-              </a:schemeClr>
-            </a:gs>
-            <a:gs pos="100000">
-              <a:schemeClr val="phClr">
-                <a:lumMod val="99000"/>
-                <a:satMod val="120000"/>
-                <a:shade val="78000"/>
-              </a:schemeClr>
-            </a:gs>
-          </a:gsLst>
-          <a:lin ang="5400000" scaled="0"/>
-        </a:gradFill>
-      </a:fillStyleLst>
-      <a:lnStyleLst>
-        <a:ln w="6350" cap="flat" cmpd="sng" algn="ctr">
-          <a:solidFill>
-            <a:schemeClr val="phClr"/>
-          </a:solidFill>
-          <a:prstDash val="solid"/>
-          <a:miter lim="800000"/>
-        </a:ln>
-        <a:ln w="12700" cap="flat" cmpd="sng" algn="ctr">
-          <a:solidFill>
-            <a:schemeClr val="phClr"/>
-          </a:solidFill>
-          <a:prstDash val="solid"/>
-          <a:miter lim="800000"/>
-        </a:ln>
-        <a:ln w="19050" cap="flat" cmpd="sng" algn="ctr">
-          <a:solidFill>
-            <a:schemeClr val="phClr"/>
-          </a:solidFill>
-          <a:prstDash val="solid"/>
-          <a:miter lim="800000"/>
-        </a:ln>
-      </a:lnStyleLst>
-      <a:effectStyleLst>
-        <a:effectStyle>
-          <a:effectLst/>
-        </a:effectStyle>
-        <a:effectStyle>
-          <a:effectLst/>
-        </a:effectStyle>
-        <a:effectStyle>
-          <a:effectLst>
-            <a:outerShdw blurRad="57150" dist="19050" dir="5400000" algn="ctr" rotWithShape="0">
-              <a:srgbClr val="000000">
-                <a:alpha val="63000"/>
-              </a:srgbClr>
-            </a:outerShdw>
-          </a:effectLst>
-        </a:effectStyle>
-      </a:effectStyleLst>
-      <a:bgFillStyleLst>
-        <a:solidFill>
-          <a:schemeClr val="phClr"/>
-        </a:solidFill>
-        <a:solidFill>
-          <a:schemeClr val="phClr">
-            <a:tint val="95000"/>
-            <a:satMod val="170000"/>
-          </a:schemeClr>
-        </a:solidFill>
-        <a:gradFill rotWithShape="1">
-          <a:gsLst>
-            <a:gs pos="0">
-              <a:schemeClr val="phClr">
-                <a:tint val="93000"/>
-                <a:satMod val="150000"/>
-                <a:shade val="98000"/>
-                <a:lumMod val="102000"/>
-              </a:schemeClr>
-            </a:gs>
-            <a:gs pos="50000">
-              <a:schemeClr val="phClr">
-                <a:tint val="98000"/>
-                <a:satMod val="130000"/>
-                <a:shade val="90000"/>
-                <a:lumMod val="103000"/>
-              </a:schemeClr>
-            </a:gs>
-            <a:gs pos="100000">
-              <a:schemeClr val="phClr">
-                <a:shade val="63000"/>
-                <a:satMod val="120000"/>
-              </a:schemeClr>
-            </a:gs>
-          </a:gsLst>
-          <a:lin ang="5400000" scaled="0"/>
-        </a:gradFill>
-      </a:bgFillStyleLst>
-    </a:fmtScheme>
-  </a:themeElements>
-  <a:objectDefaults/>
-  <a:extraClrSchemeLst/>
-  <a:extLst>
-    <a:ext uri="{05A4C25C-085E-4340-85A3-A5531E510DB2}">
-      <thm15:themeFamily xmlns:thm15="http://schemas.microsoft.com/office/thememl/2012/main" name="Office Theme" id="{62F939B6-93AF-4DB8-9C6B-D6C7DFDC589F}" vid="{4A3C46E8-61CC-4603-A589-7422A47A8E4A}"/>
-    </a:ext>
-  </a:extLst>
-</a:theme>
 </file>